--- a/01 Classes/Aula8 - CLP - Sistemas Supervisórios.pptx
+++ b/01 Classes/Aula8 - CLP - Sistemas Supervisórios.pptx
@@ -4400,7 +4400,7 @@
                   <a:srgbClr val="0070C0"/>
                 </a:solidFill>
               </a:rPr>
-              <a:t>CLP – </a:t>
+              <a:t>CLP – Sistemas </a:t>
             </a:r>
             <a:r>
               <a:rPr lang="en-US" b="1" dirty="0" err="1">
@@ -4408,7 +4408,7 @@
                   <a:srgbClr val="0070C0"/>
                 </a:solidFill>
               </a:rPr>
-              <a:t>Arquitetura</a:t>
+              <a:t>Supervisórios</a:t>
             </a:r>
             <a:endParaRPr lang="en-US" b="1" dirty="0">
               <a:solidFill>
@@ -4581,7 +4581,7 @@
                 <a:latin typeface="Times New Roman" panose="02020603050405020304" pitchFamily="18" charset="0"/>
                 <a:cs typeface="Times New Roman" panose="02020603050405020304" pitchFamily="18" charset="0"/>
               </a:rPr>
-              <a:t>CLP Arquitetura 1</a:t>
+              <a:t>CLP Sistemas Supervisórios 1</a:t>
             </a:r>
             <a:r>
               <a:rPr lang="pt-BR" sz="2200" dirty="0">
@@ -4661,7 +4661,7 @@
                 <a:latin typeface="Times New Roman" panose="02020603050405020304" pitchFamily="18" charset="0"/>
                 <a:cs typeface="Times New Roman" panose="02020603050405020304" pitchFamily="18" charset="0"/>
               </a:rPr>
-              <a:t>CLP Arquitetura 2</a:t>
+              <a:t>CLP Sistemas Supervisórios 2</a:t>
             </a:r>
             <a:r>
               <a:rPr lang="pt-BR" sz="2200" dirty="0">
@@ -4811,7 +4811,7 @@
                 <a:latin typeface="Times New Roman" panose="02020603050405020304" pitchFamily="18" charset="0"/>
                 <a:cs typeface="Times New Roman" panose="02020603050405020304" pitchFamily="18" charset="0"/>
               </a:rPr>
-              <a:t>CLP Arquitetura 1.</a:t>
+              <a:t>CLP Sistemas Supervisórios 1.</a:t>
             </a:r>
           </a:p>
           <a:p>
@@ -4875,7 +4875,7 @@
                 <a:latin typeface="Times New Roman" panose="02020603050405020304" pitchFamily="18" charset="0"/>
                 <a:cs typeface="Times New Roman" panose="02020603050405020304" pitchFamily="18" charset="0"/>
               </a:rPr>
-              <a:t>CLP Arquitetura 2.</a:t>
+              <a:t>CLP Sistemas Supervisórios 2.</a:t>
             </a:r>
           </a:p>
           <a:p>

--- a/01 Classes/Aula8 - CLP - Sistemas Supervisórios.pptx
+++ b/01 Classes/Aula8 - CLP - Sistemas Supervisórios.pptx
@@ -5,17 +5,26 @@
     <p:sldMasterId id="2147483648" r:id="rId1"/>
   </p:sldMasterIdLst>
   <p:notesMasterIdLst>
-    <p:notesMasterId r:id="rId10"/>
+    <p:notesMasterId r:id="rId19"/>
   </p:notesMasterIdLst>
   <p:sldIdLst>
     <p:sldId id="256" r:id="rId2"/>
     <p:sldId id="291" r:id="rId3"/>
     <p:sldId id="354" r:id="rId4"/>
-    <p:sldId id="333" r:id="rId5"/>
-    <p:sldId id="323" r:id="rId6"/>
-    <p:sldId id="360" r:id="rId7"/>
-    <p:sldId id="337" r:id="rId8"/>
-    <p:sldId id="309" r:id="rId9"/>
+    <p:sldId id="361" r:id="rId5"/>
+    <p:sldId id="362" r:id="rId6"/>
+    <p:sldId id="363" r:id="rId7"/>
+    <p:sldId id="364" r:id="rId8"/>
+    <p:sldId id="365" r:id="rId9"/>
+    <p:sldId id="366" r:id="rId10"/>
+    <p:sldId id="367" r:id="rId11"/>
+    <p:sldId id="368" r:id="rId12"/>
+    <p:sldId id="333" r:id="rId13"/>
+    <p:sldId id="323" r:id="rId14"/>
+    <p:sldId id="360" r:id="rId15"/>
+    <p:sldId id="369" r:id="rId16"/>
+    <p:sldId id="337" r:id="rId17"/>
+    <p:sldId id="309" r:id="rId18"/>
   </p:sldIdLst>
   <p:sldSz cx="9144000" cy="5143500" type="screen16x9"/>
   <p:notesSz cx="6858000" cy="9144000"/>
@@ -562,6 +571,456 @@
 </p:notes>
 </file>
 
+<file path=ppt/notesSlides/notesSlide10.xml><?xml version="1.0" encoding="utf-8"?>
+<p:notes xmlns:a="http://schemas.openxmlformats.org/drawingml/2006/main" xmlns:r="http://schemas.openxmlformats.org/officeDocument/2006/relationships" xmlns:p="http://schemas.openxmlformats.org/presentationml/2006/main">
+  <p:cSld>
+    <p:spTree>
+      <p:nvGrpSpPr>
+        <p:cNvPr id="1" name="">
+          <a:extLst>
+            <a:ext uri="{FF2B5EF4-FFF2-40B4-BE49-F238E27FC236}">
+              <a16:creationId xmlns:a16="http://schemas.microsoft.com/office/drawing/2014/main" id="{6E28AB8C-9E23-3AB8-930A-125D05996B52}"/>
+            </a:ext>
+          </a:extLst>
+        </p:cNvPr>
+        <p:cNvGrpSpPr/>
+        <p:nvPr/>
+      </p:nvGrpSpPr>
+      <p:grpSpPr>
+        <a:xfrm>
+          <a:off x="0" y="0"/>
+          <a:ext cx="0" cy="0"/>
+          <a:chOff x="0" y="0"/>
+          <a:chExt cx="0" cy="0"/>
+        </a:xfrm>
+      </p:grpSpPr>
+      <p:sp>
+        <p:nvSpPr>
+          <p:cNvPr id="2" name="Espaço Reservado para Imagem de Slide 1">
+            <a:extLst>
+              <a:ext uri="{FF2B5EF4-FFF2-40B4-BE49-F238E27FC236}">
+                <a16:creationId xmlns:a16="http://schemas.microsoft.com/office/drawing/2014/main" id="{FAC217D2-3C94-F53A-549F-13D34B08944E}"/>
+              </a:ext>
+            </a:extLst>
+          </p:cNvPr>
+          <p:cNvSpPr>
+            <a:spLocks noGrp="1" noRot="1" noChangeAspect="1"/>
+          </p:cNvSpPr>
+          <p:nvPr>
+            <p:ph type="sldImg"/>
+          </p:nvPr>
+        </p:nvSpPr>
+        <p:spPr>
+          <a:xfrm>
+            <a:off x="381000" y="685800"/>
+            <a:ext cx="6096000" cy="3429000"/>
+          </a:xfrm>
+        </p:spPr>
+      </p:sp>
+      <p:sp>
+        <p:nvSpPr>
+          <p:cNvPr id="3" name="Espaço Reservado para Anotações 2">
+            <a:extLst>
+              <a:ext uri="{FF2B5EF4-FFF2-40B4-BE49-F238E27FC236}">
+                <a16:creationId xmlns:a16="http://schemas.microsoft.com/office/drawing/2014/main" id="{3A3E07FB-C816-90C5-7F76-F9718D952AB9}"/>
+              </a:ext>
+            </a:extLst>
+          </p:cNvPr>
+          <p:cNvSpPr>
+            <a:spLocks noGrp="1"/>
+          </p:cNvSpPr>
+          <p:nvPr>
+            <p:ph type="body" idx="1"/>
+          </p:nvPr>
+        </p:nvSpPr>
+        <p:spPr/>
+        <p:txBody>
+          <a:bodyPr/>
+          <a:lstStyle/>
+          <a:p>
+            <a:endParaRPr lang="pt-BR" dirty="0"/>
+          </a:p>
+        </p:txBody>
+      </p:sp>
+    </p:spTree>
+    <p:extLst>
+      <p:ext uri="{BB962C8B-B14F-4D97-AF65-F5344CB8AC3E}">
+        <p14:creationId xmlns:p14="http://schemas.microsoft.com/office/powerpoint/2010/main" val="665075800"/>
+      </p:ext>
+    </p:extLst>
+  </p:cSld>
+  <p:clrMapOvr>
+    <a:masterClrMapping/>
+  </p:clrMapOvr>
+</p:notes>
+</file>
+
+<file path=ppt/notesSlides/notesSlide11.xml><?xml version="1.0" encoding="utf-8"?>
+<p:notes xmlns:a="http://schemas.openxmlformats.org/drawingml/2006/main" xmlns:r="http://schemas.openxmlformats.org/officeDocument/2006/relationships" xmlns:p="http://schemas.openxmlformats.org/presentationml/2006/main">
+  <p:cSld>
+    <p:spTree>
+      <p:nvGrpSpPr>
+        <p:cNvPr id="1" name=""/>
+        <p:cNvGrpSpPr/>
+        <p:nvPr/>
+      </p:nvGrpSpPr>
+      <p:grpSpPr>
+        <a:xfrm>
+          <a:off x="0" y="0"/>
+          <a:ext cx="0" cy="0"/>
+          <a:chOff x="0" y="0"/>
+          <a:chExt cx="0" cy="0"/>
+        </a:xfrm>
+      </p:grpSpPr>
+      <p:sp>
+        <p:nvSpPr>
+          <p:cNvPr id="2" name="Espaço Reservado para Imagem de Slide 1"/>
+          <p:cNvSpPr>
+            <a:spLocks noGrp="1" noRot="1" noChangeAspect="1"/>
+          </p:cNvSpPr>
+          <p:nvPr>
+            <p:ph type="sldImg"/>
+          </p:nvPr>
+        </p:nvSpPr>
+        <p:spPr>
+          <a:xfrm>
+            <a:off x="381000" y="685800"/>
+            <a:ext cx="6096000" cy="3429000"/>
+          </a:xfrm>
+        </p:spPr>
+      </p:sp>
+      <p:sp>
+        <p:nvSpPr>
+          <p:cNvPr id="3" name="Espaço Reservado para Anotações 2"/>
+          <p:cNvSpPr>
+            <a:spLocks noGrp="1"/>
+          </p:cNvSpPr>
+          <p:nvPr>
+            <p:ph type="body" idx="1"/>
+          </p:nvPr>
+        </p:nvSpPr>
+        <p:spPr/>
+        <p:txBody>
+          <a:bodyPr/>
+          <a:lstStyle/>
+          <a:p>
+            <a:endParaRPr lang="pt-BR" dirty="0"/>
+          </a:p>
+        </p:txBody>
+      </p:sp>
+    </p:spTree>
+    <p:extLst>
+      <p:ext uri="{BB962C8B-B14F-4D97-AF65-F5344CB8AC3E}">
+        <p14:creationId xmlns:p14="http://schemas.microsoft.com/office/powerpoint/2010/main" val="585304384"/>
+      </p:ext>
+    </p:extLst>
+  </p:cSld>
+  <p:clrMapOvr>
+    <a:masterClrMapping/>
+  </p:clrMapOvr>
+</p:notes>
+</file>
+
+<file path=ppt/notesSlides/notesSlide12.xml><?xml version="1.0" encoding="utf-8"?>
+<p:notes xmlns:a="http://schemas.openxmlformats.org/drawingml/2006/main" xmlns:r="http://schemas.openxmlformats.org/officeDocument/2006/relationships" xmlns:p="http://schemas.openxmlformats.org/presentationml/2006/main">
+  <p:cSld>
+    <p:spTree>
+      <p:nvGrpSpPr>
+        <p:cNvPr id="1" name=""/>
+        <p:cNvGrpSpPr/>
+        <p:nvPr/>
+      </p:nvGrpSpPr>
+      <p:grpSpPr>
+        <a:xfrm>
+          <a:off x="0" y="0"/>
+          <a:ext cx="0" cy="0"/>
+          <a:chOff x="0" y="0"/>
+          <a:chExt cx="0" cy="0"/>
+        </a:xfrm>
+      </p:grpSpPr>
+      <p:sp>
+        <p:nvSpPr>
+          <p:cNvPr id="2" name="Espaço Reservado para Imagem de Slide 1"/>
+          <p:cNvSpPr>
+            <a:spLocks noGrp="1" noRot="1" noChangeAspect="1"/>
+          </p:cNvSpPr>
+          <p:nvPr>
+            <p:ph type="sldImg"/>
+          </p:nvPr>
+        </p:nvSpPr>
+        <p:spPr>
+          <a:xfrm>
+            <a:off x="381000" y="685800"/>
+            <a:ext cx="6096000" cy="3429000"/>
+          </a:xfrm>
+        </p:spPr>
+      </p:sp>
+      <p:sp>
+        <p:nvSpPr>
+          <p:cNvPr id="3" name="Espaço Reservado para Anotações 2"/>
+          <p:cNvSpPr>
+            <a:spLocks noGrp="1"/>
+          </p:cNvSpPr>
+          <p:nvPr>
+            <p:ph type="body" idx="1"/>
+          </p:nvPr>
+        </p:nvSpPr>
+        <p:spPr/>
+        <p:txBody>
+          <a:bodyPr/>
+          <a:lstStyle/>
+          <a:p>
+            <a:endParaRPr lang="pt-BR" dirty="0"/>
+          </a:p>
+        </p:txBody>
+      </p:sp>
+    </p:spTree>
+    <p:extLst>
+      <p:ext uri="{BB962C8B-B14F-4D97-AF65-F5344CB8AC3E}">
+        <p14:creationId xmlns:p14="http://schemas.microsoft.com/office/powerpoint/2010/main" val="2709569597"/>
+      </p:ext>
+    </p:extLst>
+  </p:cSld>
+  <p:clrMapOvr>
+    <a:masterClrMapping/>
+  </p:clrMapOvr>
+</p:notes>
+</file>
+
+<file path=ppt/notesSlides/notesSlide13.xml><?xml version="1.0" encoding="utf-8"?>
+<p:notes xmlns:a="http://schemas.openxmlformats.org/drawingml/2006/main" xmlns:r="http://schemas.openxmlformats.org/officeDocument/2006/relationships" xmlns:p="http://schemas.openxmlformats.org/presentationml/2006/main">
+  <p:cSld>
+    <p:spTree>
+      <p:nvGrpSpPr>
+        <p:cNvPr id="1" name="">
+          <a:extLst>
+            <a:ext uri="{FF2B5EF4-FFF2-40B4-BE49-F238E27FC236}">
+              <a16:creationId xmlns:a16="http://schemas.microsoft.com/office/drawing/2014/main" id="{A6C63E5B-C292-859D-FB83-976D9C6E343C}"/>
+            </a:ext>
+          </a:extLst>
+        </p:cNvPr>
+        <p:cNvGrpSpPr/>
+        <p:nvPr/>
+      </p:nvGrpSpPr>
+      <p:grpSpPr>
+        <a:xfrm>
+          <a:off x="0" y="0"/>
+          <a:ext cx="0" cy="0"/>
+          <a:chOff x="0" y="0"/>
+          <a:chExt cx="0" cy="0"/>
+        </a:xfrm>
+      </p:grpSpPr>
+      <p:sp>
+        <p:nvSpPr>
+          <p:cNvPr id="2" name="Espaço Reservado para Imagem de Slide 1">
+            <a:extLst>
+              <a:ext uri="{FF2B5EF4-FFF2-40B4-BE49-F238E27FC236}">
+                <a16:creationId xmlns:a16="http://schemas.microsoft.com/office/drawing/2014/main" id="{14E4371D-BD8E-838C-430B-89FECE90D337}"/>
+              </a:ext>
+            </a:extLst>
+          </p:cNvPr>
+          <p:cNvSpPr>
+            <a:spLocks noGrp="1" noRot="1" noChangeAspect="1"/>
+          </p:cNvSpPr>
+          <p:nvPr>
+            <p:ph type="sldImg"/>
+          </p:nvPr>
+        </p:nvSpPr>
+        <p:spPr>
+          <a:xfrm>
+            <a:off x="381000" y="685800"/>
+            <a:ext cx="6096000" cy="3429000"/>
+          </a:xfrm>
+        </p:spPr>
+      </p:sp>
+      <p:sp>
+        <p:nvSpPr>
+          <p:cNvPr id="3" name="Espaço Reservado para Anotações 2">
+            <a:extLst>
+              <a:ext uri="{FF2B5EF4-FFF2-40B4-BE49-F238E27FC236}">
+                <a16:creationId xmlns:a16="http://schemas.microsoft.com/office/drawing/2014/main" id="{F01DF927-0375-C257-C3B6-37010EA380D3}"/>
+              </a:ext>
+            </a:extLst>
+          </p:cNvPr>
+          <p:cNvSpPr>
+            <a:spLocks noGrp="1"/>
+          </p:cNvSpPr>
+          <p:nvPr>
+            <p:ph type="body" idx="1"/>
+          </p:nvPr>
+        </p:nvSpPr>
+        <p:spPr/>
+        <p:txBody>
+          <a:bodyPr/>
+          <a:lstStyle/>
+          <a:p>
+            <a:endParaRPr lang="pt-BR" dirty="0"/>
+          </a:p>
+        </p:txBody>
+      </p:sp>
+    </p:spTree>
+    <p:extLst>
+      <p:ext uri="{BB962C8B-B14F-4D97-AF65-F5344CB8AC3E}">
+        <p14:creationId xmlns:p14="http://schemas.microsoft.com/office/powerpoint/2010/main" val="3656069206"/>
+      </p:ext>
+    </p:extLst>
+  </p:cSld>
+  <p:clrMapOvr>
+    <a:masterClrMapping/>
+  </p:clrMapOvr>
+</p:notes>
+</file>
+
+<file path=ppt/notesSlides/notesSlide14.xml><?xml version="1.0" encoding="utf-8"?>
+<p:notes xmlns:a="http://schemas.openxmlformats.org/drawingml/2006/main" xmlns:r="http://schemas.openxmlformats.org/officeDocument/2006/relationships" xmlns:p="http://schemas.openxmlformats.org/presentationml/2006/main">
+  <p:cSld>
+    <p:spTree>
+      <p:nvGrpSpPr>
+        <p:cNvPr id="1" name="">
+          <a:extLst>
+            <a:ext uri="{FF2B5EF4-FFF2-40B4-BE49-F238E27FC236}">
+              <a16:creationId xmlns:a16="http://schemas.microsoft.com/office/drawing/2014/main" id="{63D43CDB-E325-D1D9-7743-9483FD2F4BEC}"/>
+            </a:ext>
+          </a:extLst>
+        </p:cNvPr>
+        <p:cNvGrpSpPr/>
+        <p:nvPr/>
+      </p:nvGrpSpPr>
+      <p:grpSpPr>
+        <a:xfrm>
+          <a:off x="0" y="0"/>
+          <a:ext cx="0" cy="0"/>
+          <a:chOff x="0" y="0"/>
+          <a:chExt cx="0" cy="0"/>
+        </a:xfrm>
+      </p:grpSpPr>
+      <p:sp>
+        <p:nvSpPr>
+          <p:cNvPr id="2" name="Espaço Reservado para Imagem de Slide 1">
+            <a:extLst>
+              <a:ext uri="{FF2B5EF4-FFF2-40B4-BE49-F238E27FC236}">
+                <a16:creationId xmlns:a16="http://schemas.microsoft.com/office/drawing/2014/main" id="{CE289A4D-EEA8-F9CF-EE79-3B2039EF74CE}"/>
+              </a:ext>
+            </a:extLst>
+          </p:cNvPr>
+          <p:cNvSpPr>
+            <a:spLocks noGrp="1" noRot="1" noChangeAspect="1"/>
+          </p:cNvSpPr>
+          <p:nvPr>
+            <p:ph type="sldImg"/>
+          </p:nvPr>
+        </p:nvSpPr>
+        <p:spPr>
+          <a:xfrm>
+            <a:off x="381000" y="685800"/>
+            <a:ext cx="6096000" cy="3429000"/>
+          </a:xfrm>
+        </p:spPr>
+      </p:sp>
+      <p:sp>
+        <p:nvSpPr>
+          <p:cNvPr id="3" name="Espaço Reservado para Anotações 2">
+            <a:extLst>
+              <a:ext uri="{FF2B5EF4-FFF2-40B4-BE49-F238E27FC236}">
+                <a16:creationId xmlns:a16="http://schemas.microsoft.com/office/drawing/2014/main" id="{A1C08DCE-0C0E-C69C-A9A3-02CFDEE9CB0B}"/>
+              </a:ext>
+            </a:extLst>
+          </p:cNvPr>
+          <p:cNvSpPr>
+            <a:spLocks noGrp="1"/>
+          </p:cNvSpPr>
+          <p:nvPr>
+            <p:ph type="body" idx="1"/>
+          </p:nvPr>
+        </p:nvSpPr>
+        <p:spPr/>
+        <p:txBody>
+          <a:bodyPr/>
+          <a:lstStyle/>
+          <a:p>
+            <a:endParaRPr lang="pt-BR" dirty="0"/>
+          </a:p>
+        </p:txBody>
+      </p:sp>
+    </p:spTree>
+    <p:extLst>
+      <p:ext uri="{BB962C8B-B14F-4D97-AF65-F5344CB8AC3E}">
+        <p14:creationId xmlns:p14="http://schemas.microsoft.com/office/powerpoint/2010/main" val="3595676060"/>
+      </p:ext>
+    </p:extLst>
+  </p:cSld>
+  <p:clrMapOvr>
+    <a:masterClrMapping/>
+  </p:clrMapOvr>
+</p:notes>
+</file>
+
+<file path=ppt/notesSlides/notesSlide15.xml><?xml version="1.0" encoding="utf-8"?>
+<p:notes xmlns:a="http://schemas.openxmlformats.org/drawingml/2006/main" xmlns:r="http://schemas.openxmlformats.org/officeDocument/2006/relationships" xmlns:p="http://schemas.openxmlformats.org/presentationml/2006/main">
+  <p:cSld>
+    <p:spTree>
+      <p:nvGrpSpPr>
+        <p:cNvPr id="1" name=""/>
+        <p:cNvGrpSpPr/>
+        <p:nvPr/>
+      </p:nvGrpSpPr>
+      <p:grpSpPr>
+        <a:xfrm>
+          <a:off x="0" y="0"/>
+          <a:ext cx="0" cy="0"/>
+          <a:chOff x="0" y="0"/>
+          <a:chExt cx="0" cy="0"/>
+        </a:xfrm>
+      </p:grpSpPr>
+      <p:sp>
+        <p:nvSpPr>
+          <p:cNvPr id="2" name="Espaço Reservado para Imagem de Slide 1"/>
+          <p:cNvSpPr>
+            <a:spLocks noGrp="1" noRot="1" noChangeAspect="1"/>
+          </p:cNvSpPr>
+          <p:nvPr>
+            <p:ph type="sldImg"/>
+          </p:nvPr>
+        </p:nvSpPr>
+        <p:spPr>
+          <a:xfrm>
+            <a:off x="381000" y="685800"/>
+            <a:ext cx="6096000" cy="3429000"/>
+          </a:xfrm>
+        </p:spPr>
+      </p:sp>
+      <p:sp>
+        <p:nvSpPr>
+          <p:cNvPr id="3" name="Espaço Reservado para Anotações 2"/>
+          <p:cNvSpPr>
+            <a:spLocks noGrp="1"/>
+          </p:cNvSpPr>
+          <p:nvPr>
+            <p:ph type="body" idx="1"/>
+          </p:nvPr>
+        </p:nvSpPr>
+        <p:spPr/>
+        <p:txBody>
+          <a:bodyPr/>
+          <a:lstStyle/>
+          <a:p>
+            <a:endParaRPr lang="pt-BR" dirty="0"/>
+          </a:p>
+        </p:txBody>
+      </p:sp>
+    </p:spTree>
+    <p:extLst>
+      <p:ext uri="{BB962C8B-B14F-4D97-AF65-F5344CB8AC3E}">
+        <p14:creationId xmlns:p14="http://schemas.microsoft.com/office/powerpoint/2010/main" val="4290351292"/>
+      </p:ext>
+    </p:extLst>
+  </p:cSld>
+  <p:clrMapOvr>
+    <a:masterClrMapping/>
+  </p:clrMapOvr>
+</p:notes>
+</file>
+
 <file path=ppt/notesSlides/notesSlide2.xml><?xml version="1.0" encoding="utf-8"?>
 <p:notes xmlns:a="http://schemas.openxmlformats.org/drawingml/2006/main" xmlns:r="http://schemas.openxmlformats.org/officeDocument/2006/relationships" xmlns:p="http://schemas.openxmlformats.org/presentationml/2006/main">
   <p:cSld>
@@ -651,142 +1110,10 @@
   <p:cSld>
     <p:spTree>
       <p:nvGrpSpPr>
-        <p:cNvPr id="1" name=""/>
-        <p:cNvGrpSpPr/>
-        <p:nvPr/>
-      </p:nvGrpSpPr>
-      <p:grpSpPr>
-        <a:xfrm>
-          <a:off x="0" y="0"/>
-          <a:ext cx="0" cy="0"/>
-          <a:chOff x="0" y="0"/>
-          <a:chExt cx="0" cy="0"/>
-        </a:xfrm>
-      </p:grpSpPr>
-      <p:sp>
-        <p:nvSpPr>
-          <p:cNvPr id="2" name="Espaço Reservado para Imagem de Slide 1"/>
-          <p:cNvSpPr>
-            <a:spLocks noGrp="1" noRot="1" noChangeAspect="1"/>
-          </p:cNvSpPr>
-          <p:nvPr>
-            <p:ph type="sldImg"/>
-          </p:nvPr>
-        </p:nvSpPr>
-        <p:spPr>
-          <a:xfrm>
-            <a:off x="381000" y="685800"/>
-            <a:ext cx="6096000" cy="3429000"/>
-          </a:xfrm>
-        </p:spPr>
-      </p:sp>
-      <p:sp>
-        <p:nvSpPr>
-          <p:cNvPr id="3" name="Espaço Reservado para Anotações 2"/>
-          <p:cNvSpPr>
-            <a:spLocks noGrp="1"/>
-          </p:cNvSpPr>
-          <p:nvPr>
-            <p:ph type="body" idx="1"/>
-          </p:nvPr>
-        </p:nvSpPr>
-        <p:spPr/>
-        <p:txBody>
-          <a:bodyPr/>
-          <a:lstStyle/>
-          <a:p>
-            <a:endParaRPr lang="pt-BR" dirty="0"/>
-          </a:p>
-        </p:txBody>
-      </p:sp>
-    </p:spTree>
-    <p:extLst>
-      <p:ext uri="{BB962C8B-B14F-4D97-AF65-F5344CB8AC3E}">
-        <p14:creationId xmlns:p14="http://schemas.microsoft.com/office/powerpoint/2010/main" val="585304384"/>
-      </p:ext>
-    </p:extLst>
-  </p:cSld>
-  <p:clrMapOvr>
-    <a:masterClrMapping/>
-  </p:clrMapOvr>
-</p:notes>
-</file>
-
-<file path=ppt/notesSlides/notesSlide4.xml><?xml version="1.0" encoding="utf-8"?>
-<p:notes xmlns:a="http://schemas.openxmlformats.org/drawingml/2006/main" xmlns:r="http://schemas.openxmlformats.org/officeDocument/2006/relationships" xmlns:p="http://schemas.openxmlformats.org/presentationml/2006/main">
-  <p:cSld>
-    <p:spTree>
-      <p:nvGrpSpPr>
-        <p:cNvPr id="1" name=""/>
-        <p:cNvGrpSpPr/>
-        <p:nvPr/>
-      </p:nvGrpSpPr>
-      <p:grpSpPr>
-        <a:xfrm>
-          <a:off x="0" y="0"/>
-          <a:ext cx="0" cy="0"/>
-          <a:chOff x="0" y="0"/>
-          <a:chExt cx="0" cy="0"/>
-        </a:xfrm>
-      </p:grpSpPr>
-      <p:sp>
-        <p:nvSpPr>
-          <p:cNvPr id="2" name="Espaço Reservado para Imagem de Slide 1"/>
-          <p:cNvSpPr>
-            <a:spLocks noGrp="1" noRot="1" noChangeAspect="1"/>
-          </p:cNvSpPr>
-          <p:nvPr>
-            <p:ph type="sldImg"/>
-          </p:nvPr>
-        </p:nvSpPr>
-        <p:spPr>
-          <a:xfrm>
-            <a:off x="381000" y="685800"/>
-            <a:ext cx="6096000" cy="3429000"/>
-          </a:xfrm>
-        </p:spPr>
-      </p:sp>
-      <p:sp>
-        <p:nvSpPr>
-          <p:cNvPr id="3" name="Espaço Reservado para Anotações 2"/>
-          <p:cNvSpPr>
-            <a:spLocks noGrp="1"/>
-          </p:cNvSpPr>
-          <p:nvPr>
-            <p:ph type="body" idx="1"/>
-          </p:nvPr>
-        </p:nvSpPr>
-        <p:spPr/>
-        <p:txBody>
-          <a:bodyPr/>
-          <a:lstStyle/>
-          <a:p>
-            <a:endParaRPr lang="pt-BR" dirty="0"/>
-          </a:p>
-        </p:txBody>
-      </p:sp>
-    </p:spTree>
-    <p:extLst>
-      <p:ext uri="{BB962C8B-B14F-4D97-AF65-F5344CB8AC3E}">
-        <p14:creationId xmlns:p14="http://schemas.microsoft.com/office/powerpoint/2010/main" val="2709569597"/>
-      </p:ext>
-    </p:extLst>
-  </p:cSld>
-  <p:clrMapOvr>
-    <a:masterClrMapping/>
-  </p:clrMapOvr>
-</p:notes>
-</file>
-
-<file path=ppt/notesSlides/notesSlide5.xml><?xml version="1.0" encoding="utf-8"?>
-<p:notes xmlns:a="http://schemas.openxmlformats.org/drawingml/2006/main" xmlns:r="http://schemas.openxmlformats.org/officeDocument/2006/relationships" xmlns:p="http://schemas.openxmlformats.org/presentationml/2006/main">
-  <p:cSld>
-    <p:spTree>
-      <p:nvGrpSpPr>
         <p:cNvPr id="1" name="">
           <a:extLst>
             <a:ext uri="{FF2B5EF4-FFF2-40B4-BE49-F238E27FC236}">
-              <a16:creationId xmlns:a16="http://schemas.microsoft.com/office/drawing/2014/main" id="{A6C63E5B-C292-859D-FB83-976D9C6E343C}"/>
+              <a16:creationId xmlns:a16="http://schemas.microsoft.com/office/drawing/2014/main" id="{0C1D126C-A481-7272-4EEE-2D875E1D3C16}"/>
             </a:ext>
           </a:extLst>
         </p:cNvPr>
@@ -806,7 +1133,7 @@
           <p:cNvPr id="2" name="Espaço Reservado para Imagem de Slide 1">
             <a:extLst>
               <a:ext uri="{FF2B5EF4-FFF2-40B4-BE49-F238E27FC236}">
-                <a16:creationId xmlns:a16="http://schemas.microsoft.com/office/drawing/2014/main" id="{14E4371D-BD8E-838C-430B-89FECE90D337}"/>
+                <a16:creationId xmlns:a16="http://schemas.microsoft.com/office/drawing/2014/main" id="{195859DE-476E-19F2-6A64-73339930E1DA}"/>
               </a:ext>
             </a:extLst>
           </p:cNvPr>
@@ -829,7 +1156,7 @@
           <p:cNvPr id="3" name="Espaço Reservado para Anotações 2">
             <a:extLst>
               <a:ext uri="{FF2B5EF4-FFF2-40B4-BE49-F238E27FC236}">
-                <a16:creationId xmlns:a16="http://schemas.microsoft.com/office/drawing/2014/main" id="{F01DF927-0375-C257-C3B6-37010EA380D3}"/>
+                <a16:creationId xmlns:a16="http://schemas.microsoft.com/office/drawing/2014/main" id="{C21139FD-7876-746D-DDB0-A80C53D15D78}"/>
               </a:ext>
             </a:extLst>
           </p:cNvPr>
@@ -852,7 +1179,7 @@
     </p:spTree>
     <p:extLst>
       <p:ext uri="{BB962C8B-B14F-4D97-AF65-F5344CB8AC3E}">
-        <p14:creationId xmlns:p14="http://schemas.microsoft.com/office/powerpoint/2010/main" val="3656069206"/>
+        <p14:creationId xmlns:p14="http://schemas.microsoft.com/office/powerpoint/2010/main" val="1545537736"/>
       </p:ext>
     </p:extLst>
   </p:cSld>
@@ -862,12 +1189,18 @@
 </p:notes>
 </file>
 
-<file path=ppt/notesSlides/notesSlide6.xml><?xml version="1.0" encoding="utf-8"?>
+<file path=ppt/notesSlides/notesSlide4.xml><?xml version="1.0" encoding="utf-8"?>
 <p:notes xmlns:a="http://schemas.openxmlformats.org/drawingml/2006/main" xmlns:r="http://schemas.openxmlformats.org/officeDocument/2006/relationships" xmlns:p="http://schemas.openxmlformats.org/presentationml/2006/main">
   <p:cSld>
     <p:spTree>
       <p:nvGrpSpPr>
-        <p:cNvPr id="1" name=""/>
+        <p:cNvPr id="1" name="">
+          <a:extLst>
+            <a:ext uri="{FF2B5EF4-FFF2-40B4-BE49-F238E27FC236}">
+              <a16:creationId xmlns:a16="http://schemas.microsoft.com/office/drawing/2014/main" id="{CCE36D36-4FA9-C50E-081F-530867023B4A}"/>
+            </a:ext>
+          </a:extLst>
+        </p:cNvPr>
         <p:cNvGrpSpPr/>
         <p:nvPr/>
       </p:nvGrpSpPr>
@@ -881,7 +1214,13 @@
       </p:grpSpPr>
       <p:sp>
         <p:nvSpPr>
-          <p:cNvPr id="2" name="Espaço Reservado para Imagem de Slide 1"/>
+          <p:cNvPr id="2" name="Espaço Reservado para Imagem de Slide 1">
+            <a:extLst>
+              <a:ext uri="{FF2B5EF4-FFF2-40B4-BE49-F238E27FC236}">
+                <a16:creationId xmlns:a16="http://schemas.microsoft.com/office/drawing/2014/main" id="{C0FD2E63-0D36-A771-BBC2-74320E948328}"/>
+              </a:ext>
+            </a:extLst>
+          </p:cNvPr>
           <p:cNvSpPr>
             <a:spLocks noGrp="1" noRot="1" noChangeAspect="1"/>
           </p:cNvSpPr>
@@ -898,7 +1237,13 @@
       </p:sp>
       <p:sp>
         <p:nvSpPr>
-          <p:cNvPr id="3" name="Espaço Reservado para Anotações 2"/>
+          <p:cNvPr id="3" name="Espaço Reservado para Anotações 2">
+            <a:extLst>
+              <a:ext uri="{FF2B5EF4-FFF2-40B4-BE49-F238E27FC236}">
+                <a16:creationId xmlns:a16="http://schemas.microsoft.com/office/drawing/2014/main" id="{E1F75286-A8DF-DA19-2AF5-0217E42C7951}"/>
+              </a:ext>
+            </a:extLst>
+          </p:cNvPr>
           <p:cNvSpPr>
             <a:spLocks noGrp="1"/>
           </p:cNvSpPr>
@@ -918,7 +1263,427 @@
     </p:spTree>
     <p:extLst>
       <p:ext uri="{BB962C8B-B14F-4D97-AF65-F5344CB8AC3E}">
-        <p14:creationId xmlns:p14="http://schemas.microsoft.com/office/powerpoint/2010/main" val="4290351292"/>
+        <p14:creationId xmlns:p14="http://schemas.microsoft.com/office/powerpoint/2010/main" val="3347182096"/>
+      </p:ext>
+    </p:extLst>
+  </p:cSld>
+  <p:clrMapOvr>
+    <a:masterClrMapping/>
+  </p:clrMapOvr>
+</p:notes>
+</file>
+
+<file path=ppt/notesSlides/notesSlide5.xml><?xml version="1.0" encoding="utf-8"?>
+<p:notes xmlns:a="http://schemas.openxmlformats.org/drawingml/2006/main" xmlns:r="http://schemas.openxmlformats.org/officeDocument/2006/relationships" xmlns:p="http://schemas.openxmlformats.org/presentationml/2006/main">
+  <p:cSld>
+    <p:spTree>
+      <p:nvGrpSpPr>
+        <p:cNvPr id="1" name="">
+          <a:extLst>
+            <a:ext uri="{FF2B5EF4-FFF2-40B4-BE49-F238E27FC236}">
+              <a16:creationId xmlns:a16="http://schemas.microsoft.com/office/drawing/2014/main" id="{F6D352D5-4225-6F88-CCA6-E97A209F669B}"/>
+            </a:ext>
+          </a:extLst>
+        </p:cNvPr>
+        <p:cNvGrpSpPr/>
+        <p:nvPr/>
+      </p:nvGrpSpPr>
+      <p:grpSpPr>
+        <a:xfrm>
+          <a:off x="0" y="0"/>
+          <a:ext cx="0" cy="0"/>
+          <a:chOff x="0" y="0"/>
+          <a:chExt cx="0" cy="0"/>
+        </a:xfrm>
+      </p:grpSpPr>
+      <p:sp>
+        <p:nvSpPr>
+          <p:cNvPr id="2" name="Espaço Reservado para Imagem de Slide 1">
+            <a:extLst>
+              <a:ext uri="{FF2B5EF4-FFF2-40B4-BE49-F238E27FC236}">
+                <a16:creationId xmlns:a16="http://schemas.microsoft.com/office/drawing/2014/main" id="{7AE75F38-9B48-058F-718B-097325549C32}"/>
+              </a:ext>
+            </a:extLst>
+          </p:cNvPr>
+          <p:cNvSpPr>
+            <a:spLocks noGrp="1" noRot="1" noChangeAspect="1"/>
+          </p:cNvSpPr>
+          <p:nvPr>
+            <p:ph type="sldImg"/>
+          </p:nvPr>
+        </p:nvSpPr>
+        <p:spPr>
+          <a:xfrm>
+            <a:off x="381000" y="685800"/>
+            <a:ext cx="6096000" cy="3429000"/>
+          </a:xfrm>
+        </p:spPr>
+      </p:sp>
+      <p:sp>
+        <p:nvSpPr>
+          <p:cNvPr id="3" name="Espaço Reservado para Anotações 2">
+            <a:extLst>
+              <a:ext uri="{FF2B5EF4-FFF2-40B4-BE49-F238E27FC236}">
+                <a16:creationId xmlns:a16="http://schemas.microsoft.com/office/drawing/2014/main" id="{2F01C43E-D5D8-B901-70F4-D3DFEA4EF48C}"/>
+              </a:ext>
+            </a:extLst>
+          </p:cNvPr>
+          <p:cNvSpPr>
+            <a:spLocks noGrp="1"/>
+          </p:cNvSpPr>
+          <p:nvPr>
+            <p:ph type="body" idx="1"/>
+          </p:nvPr>
+        </p:nvSpPr>
+        <p:spPr/>
+        <p:txBody>
+          <a:bodyPr/>
+          <a:lstStyle/>
+          <a:p>
+            <a:endParaRPr lang="pt-BR" dirty="0"/>
+          </a:p>
+        </p:txBody>
+      </p:sp>
+    </p:spTree>
+    <p:extLst>
+      <p:ext uri="{BB962C8B-B14F-4D97-AF65-F5344CB8AC3E}">
+        <p14:creationId xmlns:p14="http://schemas.microsoft.com/office/powerpoint/2010/main" val="2968697562"/>
+      </p:ext>
+    </p:extLst>
+  </p:cSld>
+  <p:clrMapOvr>
+    <a:masterClrMapping/>
+  </p:clrMapOvr>
+</p:notes>
+</file>
+
+<file path=ppt/notesSlides/notesSlide6.xml><?xml version="1.0" encoding="utf-8"?>
+<p:notes xmlns:a="http://schemas.openxmlformats.org/drawingml/2006/main" xmlns:r="http://schemas.openxmlformats.org/officeDocument/2006/relationships" xmlns:p="http://schemas.openxmlformats.org/presentationml/2006/main">
+  <p:cSld>
+    <p:spTree>
+      <p:nvGrpSpPr>
+        <p:cNvPr id="1" name="">
+          <a:extLst>
+            <a:ext uri="{FF2B5EF4-FFF2-40B4-BE49-F238E27FC236}">
+              <a16:creationId xmlns:a16="http://schemas.microsoft.com/office/drawing/2014/main" id="{60EB1358-2029-FCA8-60A8-09597C19D579}"/>
+            </a:ext>
+          </a:extLst>
+        </p:cNvPr>
+        <p:cNvGrpSpPr/>
+        <p:nvPr/>
+      </p:nvGrpSpPr>
+      <p:grpSpPr>
+        <a:xfrm>
+          <a:off x="0" y="0"/>
+          <a:ext cx="0" cy="0"/>
+          <a:chOff x="0" y="0"/>
+          <a:chExt cx="0" cy="0"/>
+        </a:xfrm>
+      </p:grpSpPr>
+      <p:sp>
+        <p:nvSpPr>
+          <p:cNvPr id="2" name="Espaço Reservado para Imagem de Slide 1">
+            <a:extLst>
+              <a:ext uri="{FF2B5EF4-FFF2-40B4-BE49-F238E27FC236}">
+                <a16:creationId xmlns:a16="http://schemas.microsoft.com/office/drawing/2014/main" id="{F32B4A84-3A05-46A1-3000-83F08638EEF7}"/>
+              </a:ext>
+            </a:extLst>
+          </p:cNvPr>
+          <p:cNvSpPr>
+            <a:spLocks noGrp="1" noRot="1" noChangeAspect="1"/>
+          </p:cNvSpPr>
+          <p:nvPr>
+            <p:ph type="sldImg"/>
+          </p:nvPr>
+        </p:nvSpPr>
+        <p:spPr>
+          <a:xfrm>
+            <a:off x="381000" y="685800"/>
+            <a:ext cx="6096000" cy="3429000"/>
+          </a:xfrm>
+        </p:spPr>
+      </p:sp>
+      <p:sp>
+        <p:nvSpPr>
+          <p:cNvPr id="3" name="Espaço Reservado para Anotações 2">
+            <a:extLst>
+              <a:ext uri="{FF2B5EF4-FFF2-40B4-BE49-F238E27FC236}">
+                <a16:creationId xmlns:a16="http://schemas.microsoft.com/office/drawing/2014/main" id="{504705CE-0CC7-4126-7505-ED8F8B1F8CC7}"/>
+              </a:ext>
+            </a:extLst>
+          </p:cNvPr>
+          <p:cNvSpPr>
+            <a:spLocks noGrp="1"/>
+          </p:cNvSpPr>
+          <p:nvPr>
+            <p:ph type="body" idx="1"/>
+          </p:nvPr>
+        </p:nvSpPr>
+        <p:spPr/>
+        <p:txBody>
+          <a:bodyPr/>
+          <a:lstStyle/>
+          <a:p>
+            <a:endParaRPr lang="pt-BR" dirty="0"/>
+          </a:p>
+        </p:txBody>
+      </p:sp>
+    </p:spTree>
+    <p:extLst>
+      <p:ext uri="{BB962C8B-B14F-4D97-AF65-F5344CB8AC3E}">
+        <p14:creationId xmlns:p14="http://schemas.microsoft.com/office/powerpoint/2010/main" val="1522804529"/>
+      </p:ext>
+    </p:extLst>
+  </p:cSld>
+  <p:clrMapOvr>
+    <a:masterClrMapping/>
+  </p:clrMapOvr>
+</p:notes>
+</file>
+
+<file path=ppt/notesSlides/notesSlide7.xml><?xml version="1.0" encoding="utf-8"?>
+<p:notes xmlns:a="http://schemas.openxmlformats.org/drawingml/2006/main" xmlns:r="http://schemas.openxmlformats.org/officeDocument/2006/relationships" xmlns:p="http://schemas.openxmlformats.org/presentationml/2006/main">
+  <p:cSld>
+    <p:spTree>
+      <p:nvGrpSpPr>
+        <p:cNvPr id="1" name="">
+          <a:extLst>
+            <a:ext uri="{FF2B5EF4-FFF2-40B4-BE49-F238E27FC236}">
+              <a16:creationId xmlns:a16="http://schemas.microsoft.com/office/drawing/2014/main" id="{20CEC1DD-ECB1-A32E-1725-E7C8C99CC636}"/>
+            </a:ext>
+          </a:extLst>
+        </p:cNvPr>
+        <p:cNvGrpSpPr/>
+        <p:nvPr/>
+      </p:nvGrpSpPr>
+      <p:grpSpPr>
+        <a:xfrm>
+          <a:off x="0" y="0"/>
+          <a:ext cx="0" cy="0"/>
+          <a:chOff x="0" y="0"/>
+          <a:chExt cx="0" cy="0"/>
+        </a:xfrm>
+      </p:grpSpPr>
+      <p:sp>
+        <p:nvSpPr>
+          <p:cNvPr id="2" name="Espaço Reservado para Imagem de Slide 1">
+            <a:extLst>
+              <a:ext uri="{FF2B5EF4-FFF2-40B4-BE49-F238E27FC236}">
+                <a16:creationId xmlns:a16="http://schemas.microsoft.com/office/drawing/2014/main" id="{6992341D-5176-AE24-71D4-4E8121C990E4}"/>
+              </a:ext>
+            </a:extLst>
+          </p:cNvPr>
+          <p:cNvSpPr>
+            <a:spLocks noGrp="1" noRot="1" noChangeAspect="1"/>
+          </p:cNvSpPr>
+          <p:nvPr>
+            <p:ph type="sldImg"/>
+          </p:nvPr>
+        </p:nvSpPr>
+        <p:spPr>
+          <a:xfrm>
+            <a:off x="381000" y="685800"/>
+            <a:ext cx="6096000" cy="3429000"/>
+          </a:xfrm>
+        </p:spPr>
+      </p:sp>
+      <p:sp>
+        <p:nvSpPr>
+          <p:cNvPr id="3" name="Espaço Reservado para Anotações 2">
+            <a:extLst>
+              <a:ext uri="{FF2B5EF4-FFF2-40B4-BE49-F238E27FC236}">
+                <a16:creationId xmlns:a16="http://schemas.microsoft.com/office/drawing/2014/main" id="{AEE61CE9-4563-B679-5B71-C883D2495462}"/>
+              </a:ext>
+            </a:extLst>
+          </p:cNvPr>
+          <p:cNvSpPr>
+            <a:spLocks noGrp="1"/>
+          </p:cNvSpPr>
+          <p:nvPr>
+            <p:ph type="body" idx="1"/>
+          </p:nvPr>
+        </p:nvSpPr>
+        <p:spPr/>
+        <p:txBody>
+          <a:bodyPr/>
+          <a:lstStyle/>
+          <a:p>
+            <a:endParaRPr lang="pt-BR" dirty="0"/>
+          </a:p>
+        </p:txBody>
+      </p:sp>
+    </p:spTree>
+    <p:extLst>
+      <p:ext uri="{BB962C8B-B14F-4D97-AF65-F5344CB8AC3E}">
+        <p14:creationId xmlns:p14="http://schemas.microsoft.com/office/powerpoint/2010/main" val="936743719"/>
+      </p:ext>
+    </p:extLst>
+  </p:cSld>
+  <p:clrMapOvr>
+    <a:masterClrMapping/>
+  </p:clrMapOvr>
+</p:notes>
+</file>
+
+<file path=ppt/notesSlides/notesSlide8.xml><?xml version="1.0" encoding="utf-8"?>
+<p:notes xmlns:a="http://schemas.openxmlformats.org/drawingml/2006/main" xmlns:r="http://schemas.openxmlformats.org/officeDocument/2006/relationships" xmlns:p="http://schemas.openxmlformats.org/presentationml/2006/main">
+  <p:cSld>
+    <p:spTree>
+      <p:nvGrpSpPr>
+        <p:cNvPr id="1" name="">
+          <a:extLst>
+            <a:ext uri="{FF2B5EF4-FFF2-40B4-BE49-F238E27FC236}">
+              <a16:creationId xmlns:a16="http://schemas.microsoft.com/office/drawing/2014/main" id="{0A73B9A4-A6E3-F3C2-4629-BBFACD7AAE8E}"/>
+            </a:ext>
+          </a:extLst>
+        </p:cNvPr>
+        <p:cNvGrpSpPr/>
+        <p:nvPr/>
+      </p:nvGrpSpPr>
+      <p:grpSpPr>
+        <a:xfrm>
+          <a:off x="0" y="0"/>
+          <a:ext cx="0" cy="0"/>
+          <a:chOff x="0" y="0"/>
+          <a:chExt cx="0" cy="0"/>
+        </a:xfrm>
+      </p:grpSpPr>
+      <p:sp>
+        <p:nvSpPr>
+          <p:cNvPr id="2" name="Espaço Reservado para Imagem de Slide 1">
+            <a:extLst>
+              <a:ext uri="{FF2B5EF4-FFF2-40B4-BE49-F238E27FC236}">
+                <a16:creationId xmlns:a16="http://schemas.microsoft.com/office/drawing/2014/main" id="{0B4E89B7-1278-9537-7CEA-3391CD3A9F2C}"/>
+              </a:ext>
+            </a:extLst>
+          </p:cNvPr>
+          <p:cNvSpPr>
+            <a:spLocks noGrp="1" noRot="1" noChangeAspect="1"/>
+          </p:cNvSpPr>
+          <p:nvPr>
+            <p:ph type="sldImg"/>
+          </p:nvPr>
+        </p:nvSpPr>
+        <p:spPr>
+          <a:xfrm>
+            <a:off x="381000" y="685800"/>
+            <a:ext cx="6096000" cy="3429000"/>
+          </a:xfrm>
+        </p:spPr>
+      </p:sp>
+      <p:sp>
+        <p:nvSpPr>
+          <p:cNvPr id="3" name="Espaço Reservado para Anotações 2">
+            <a:extLst>
+              <a:ext uri="{FF2B5EF4-FFF2-40B4-BE49-F238E27FC236}">
+                <a16:creationId xmlns:a16="http://schemas.microsoft.com/office/drawing/2014/main" id="{639D90A2-CF20-A15A-7069-9493569B31EE}"/>
+              </a:ext>
+            </a:extLst>
+          </p:cNvPr>
+          <p:cNvSpPr>
+            <a:spLocks noGrp="1"/>
+          </p:cNvSpPr>
+          <p:nvPr>
+            <p:ph type="body" idx="1"/>
+          </p:nvPr>
+        </p:nvSpPr>
+        <p:spPr/>
+        <p:txBody>
+          <a:bodyPr/>
+          <a:lstStyle/>
+          <a:p>
+            <a:endParaRPr lang="pt-BR" dirty="0"/>
+          </a:p>
+        </p:txBody>
+      </p:sp>
+    </p:spTree>
+    <p:extLst>
+      <p:ext uri="{BB962C8B-B14F-4D97-AF65-F5344CB8AC3E}">
+        <p14:creationId xmlns:p14="http://schemas.microsoft.com/office/powerpoint/2010/main" val="1343021697"/>
+      </p:ext>
+    </p:extLst>
+  </p:cSld>
+  <p:clrMapOvr>
+    <a:masterClrMapping/>
+  </p:clrMapOvr>
+</p:notes>
+</file>
+
+<file path=ppt/notesSlides/notesSlide9.xml><?xml version="1.0" encoding="utf-8"?>
+<p:notes xmlns:a="http://schemas.openxmlformats.org/drawingml/2006/main" xmlns:r="http://schemas.openxmlformats.org/officeDocument/2006/relationships" xmlns:p="http://schemas.openxmlformats.org/presentationml/2006/main">
+  <p:cSld>
+    <p:spTree>
+      <p:nvGrpSpPr>
+        <p:cNvPr id="1" name="">
+          <a:extLst>
+            <a:ext uri="{FF2B5EF4-FFF2-40B4-BE49-F238E27FC236}">
+              <a16:creationId xmlns:a16="http://schemas.microsoft.com/office/drawing/2014/main" id="{5274578C-3FB1-5CB4-386F-22B76A9EC1DE}"/>
+            </a:ext>
+          </a:extLst>
+        </p:cNvPr>
+        <p:cNvGrpSpPr/>
+        <p:nvPr/>
+      </p:nvGrpSpPr>
+      <p:grpSpPr>
+        <a:xfrm>
+          <a:off x="0" y="0"/>
+          <a:ext cx="0" cy="0"/>
+          <a:chOff x="0" y="0"/>
+          <a:chExt cx="0" cy="0"/>
+        </a:xfrm>
+      </p:grpSpPr>
+      <p:sp>
+        <p:nvSpPr>
+          <p:cNvPr id="2" name="Espaço Reservado para Imagem de Slide 1">
+            <a:extLst>
+              <a:ext uri="{FF2B5EF4-FFF2-40B4-BE49-F238E27FC236}">
+                <a16:creationId xmlns:a16="http://schemas.microsoft.com/office/drawing/2014/main" id="{7DF8CB3B-9646-F69B-0515-FF659E07A073}"/>
+              </a:ext>
+            </a:extLst>
+          </p:cNvPr>
+          <p:cNvSpPr>
+            <a:spLocks noGrp="1" noRot="1" noChangeAspect="1"/>
+          </p:cNvSpPr>
+          <p:nvPr>
+            <p:ph type="sldImg"/>
+          </p:nvPr>
+        </p:nvSpPr>
+        <p:spPr>
+          <a:xfrm>
+            <a:off x="381000" y="685800"/>
+            <a:ext cx="6096000" cy="3429000"/>
+          </a:xfrm>
+        </p:spPr>
+      </p:sp>
+      <p:sp>
+        <p:nvSpPr>
+          <p:cNvPr id="3" name="Espaço Reservado para Anotações 2">
+            <a:extLst>
+              <a:ext uri="{FF2B5EF4-FFF2-40B4-BE49-F238E27FC236}">
+                <a16:creationId xmlns:a16="http://schemas.microsoft.com/office/drawing/2014/main" id="{BD537B60-3A83-D812-4CD5-BEBDD0F9D971}"/>
+              </a:ext>
+            </a:extLst>
+          </p:cNvPr>
+          <p:cNvSpPr>
+            <a:spLocks noGrp="1"/>
+          </p:cNvSpPr>
+          <p:nvPr>
+            <p:ph type="body" idx="1"/>
+          </p:nvPr>
+        </p:nvSpPr>
+        <p:spPr/>
+        <p:txBody>
+          <a:bodyPr/>
+          <a:lstStyle/>
+          <a:p>
+            <a:endParaRPr lang="pt-BR" dirty="0"/>
+          </a:p>
+        </p:txBody>
+      </p:sp>
+    </p:spTree>
+    <p:extLst>
+      <p:ext uri="{BB962C8B-B14F-4D97-AF65-F5344CB8AC3E}">
+        <p14:creationId xmlns:p14="http://schemas.microsoft.com/office/powerpoint/2010/main" val="1256270396"/>
       </p:ext>
     </p:extLst>
   </p:cSld>
@@ -3865,6 +4630,2079 @@
 </p:sld>
 </file>
 
+<file path=ppt/slides/slide10.xml><?xml version="1.0" encoding="utf-8"?>
+<p:sld xmlns:a="http://schemas.openxmlformats.org/drawingml/2006/main" xmlns:r="http://schemas.openxmlformats.org/officeDocument/2006/relationships" xmlns:p="http://schemas.openxmlformats.org/presentationml/2006/main">
+  <p:cSld>
+    <p:spTree>
+      <p:nvGrpSpPr>
+        <p:cNvPr id="1" name="">
+          <a:extLst>
+            <a:ext uri="{FF2B5EF4-FFF2-40B4-BE49-F238E27FC236}">
+              <a16:creationId xmlns:a16="http://schemas.microsoft.com/office/drawing/2014/main" id="{77C0A85F-5105-E4D4-05FD-8E50F296A104}"/>
+            </a:ext>
+          </a:extLst>
+        </p:cNvPr>
+        <p:cNvGrpSpPr/>
+        <p:nvPr/>
+      </p:nvGrpSpPr>
+      <p:grpSpPr>
+        <a:xfrm>
+          <a:off x="0" y="0"/>
+          <a:ext cx="0" cy="0"/>
+          <a:chOff x="0" y="0"/>
+          <a:chExt cx="0" cy="0"/>
+        </a:xfrm>
+      </p:grpSpPr>
+      <p:sp>
+        <p:nvSpPr>
+          <p:cNvPr id="6" name="Title 1">
+            <a:extLst>
+              <a:ext uri="{FF2B5EF4-FFF2-40B4-BE49-F238E27FC236}">
+                <a16:creationId xmlns:a16="http://schemas.microsoft.com/office/drawing/2014/main" id="{110FA62F-6156-EDB2-EA80-AB262D49D65D}"/>
+              </a:ext>
+            </a:extLst>
+          </p:cNvPr>
+          <p:cNvSpPr>
+            <a:spLocks noGrp="1"/>
+          </p:cNvSpPr>
+          <p:nvPr>
+            <p:ph type="title"/>
+          </p:nvPr>
+        </p:nvSpPr>
+        <p:spPr>
+          <a:xfrm>
+            <a:off x="457200" y="205980"/>
+            <a:ext cx="8229600" cy="857251"/>
+          </a:xfrm>
+        </p:spPr>
+        <p:txBody>
+          <a:bodyPr>
+            <a:normAutofit/>
+          </a:bodyPr>
+          <a:lstStyle/>
+          <a:p>
+            <a:r>
+              <a:rPr lang="en-US" b="1" dirty="0">
+                <a:solidFill>
+                  <a:srgbClr val="0070C0"/>
+                </a:solidFill>
+              </a:rPr>
+              <a:t>CLP – </a:t>
+            </a:r>
+            <a:r>
+              <a:rPr lang="en-US" b="1" dirty="0" err="1">
+                <a:solidFill>
+                  <a:srgbClr val="0070C0"/>
+                </a:solidFill>
+              </a:rPr>
+              <a:t>Benefícios</a:t>
+            </a:r>
+            <a:r>
+              <a:rPr lang="en-US" b="1" dirty="0">
+                <a:solidFill>
+                  <a:srgbClr val="0070C0"/>
+                </a:solidFill>
+              </a:rPr>
+              <a:t> Indústria</a:t>
+            </a:r>
+          </a:p>
+        </p:txBody>
+      </p:sp>
+      <p:sp>
+        <p:nvSpPr>
+          <p:cNvPr id="8" name="Text Placeholder 2">
+            <a:extLst>
+              <a:ext uri="{FF2B5EF4-FFF2-40B4-BE49-F238E27FC236}">
+                <a16:creationId xmlns:a16="http://schemas.microsoft.com/office/drawing/2014/main" id="{3360E74A-B32F-449F-B4AC-57893B2EFE74}"/>
+              </a:ext>
+            </a:extLst>
+          </p:cNvPr>
+          <p:cNvSpPr>
+            <a:spLocks noGrp="1"/>
+          </p:cNvSpPr>
+          <p:nvPr>
+            <p:ph type="body" sz="half" idx="1"/>
+          </p:nvPr>
+        </p:nvSpPr>
+        <p:spPr>
+          <a:xfrm>
+            <a:off x="142865" y="1035050"/>
+            <a:ext cx="8865056" cy="3994150"/>
+          </a:xfrm>
+        </p:spPr>
+        <p:txBody>
+          <a:bodyPr>
+            <a:noAutofit/>
+          </a:bodyPr>
+          <a:lstStyle/>
+          <a:p>
+            <a:pPr algn="just"/>
+            <a:r>
+              <a:rPr lang="pt-BR" sz="2400" dirty="0">
+                <a:latin typeface="Times New Roman" panose="02020603050405020304" pitchFamily="18" charset="0"/>
+                <a:cs typeface="Times New Roman" panose="02020603050405020304" pitchFamily="18" charset="0"/>
+              </a:rPr>
+              <a:t>Redução de erros e custos;</a:t>
+            </a:r>
+          </a:p>
+          <a:p>
+            <a:pPr algn="just"/>
+            <a:endParaRPr lang="pt-BR" sz="2400" dirty="0">
+              <a:latin typeface="Times New Roman" panose="02020603050405020304" pitchFamily="18" charset="0"/>
+              <a:cs typeface="Times New Roman" panose="02020603050405020304" pitchFamily="18" charset="0"/>
+            </a:endParaRPr>
+          </a:p>
+          <a:p>
+            <a:pPr algn="just"/>
+            <a:r>
+              <a:rPr lang="pt-BR" sz="2400" dirty="0">
+                <a:latin typeface="Times New Roman" panose="02020603050405020304" pitchFamily="18" charset="0"/>
+                <a:cs typeface="Times New Roman" panose="02020603050405020304" pitchFamily="18" charset="0"/>
+              </a:rPr>
+              <a:t>Maior segurança e eficiência;</a:t>
+            </a:r>
+          </a:p>
+          <a:p>
+            <a:pPr algn="just"/>
+            <a:endParaRPr lang="pt-BR" sz="2400" dirty="0">
+              <a:latin typeface="Times New Roman" panose="02020603050405020304" pitchFamily="18" charset="0"/>
+              <a:cs typeface="Times New Roman" panose="02020603050405020304" pitchFamily="18" charset="0"/>
+            </a:endParaRPr>
+          </a:p>
+          <a:p>
+            <a:pPr algn="just"/>
+            <a:r>
+              <a:rPr lang="pt-BR" sz="2400" dirty="0">
+                <a:latin typeface="Times New Roman" panose="02020603050405020304" pitchFamily="18" charset="0"/>
+                <a:cs typeface="Times New Roman" panose="02020603050405020304" pitchFamily="18" charset="0"/>
+              </a:rPr>
+              <a:t>Monitoramento em tempo real;</a:t>
+            </a:r>
+          </a:p>
+          <a:p>
+            <a:pPr algn="just"/>
+            <a:endParaRPr lang="pt-BR" sz="2400" dirty="0">
+              <a:latin typeface="Times New Roman" panose="02020603050405020304" pitchFamily="18" charset="0"/>
+              <a:cs typeface="Times New Roman" panose="02020603050405020304" pitchFamily="18" charset="0"/>
+            </a:endParaRPr>
+          </a:p>
+          <a:p>
+            <a:pPr algn="just"/>
+            <a:r>
+              <a:rPr lang="pt-BR" sz="2400" dirty="0">
+                <a:latin typeface="Times New Roman" panose="02020603050405020304" pitchFamily="18" charset="0"/>
+                <a:cs typeface="Times New Roman" panose="02020603050405020304" pitchFamily="18" charset="0"/>
+              </a:rPr>
+              <a:t>Facilidade de manutenção e diagnóstico.</a:t>
+            </a:r>
+          </a:p>
+        </p:txBody>
+      </p:sp>
+    </p:spTree>
+    <p:extLst>
+      <p:ext uri="{BB962C8B-B14F-4D97-AF65-F5344CB8AC3E}">
+        <p14:creationId xmlns:p14="http://schemas.microsoft.com/office/powerpoint/2010/main" val="230798156"/>
+      </p:ext>
+    </p:extLst>
+  </p:cSld>
+  <p:clrMapOvr>
+    <a:masterClrMapping/>
+  </p:clrMapOvr>
+  <p:transition spd="med"/>
+</p:sld>
+</file>
+
+<file path=ppt/slides/slide11.xml><?xml version="1.0" encoding="utf-8"?>
+<p:sld xmlns:a="http://schemas.openxmlformats.org/drawingml/2006/main" xmlns:r="http://schemas.openxmlformats.org/officeDocument/2006/relationships" xmlns:p="http://schemas.openxmlformats.org/presentationml/2006/main">
+  <p:cSld>
+    <p:spTree>
+      <p:nvGrpSpPr>
+        <p:cNvPr id="1" name="">
+          <a:extLst>
+            <a:ext uri="{FF2B5EF4-FFF2-40B4-BE49-F238E27FC236}">
+              <a16:creationId xmlns:a16="http://schemas.microsoft.com/office/drawing/2014/main" id="{83474365-05DE-543C-7170-430C3CF265C2}"/>
+            </a:ext>
+          </a:extLst>
+        </p:cNvPr>
+        <p:cNvGrpSpPr/>
+        <p:nvPr/>
+      </p:nvGrpSpPr>
+      <p:grpSpPr>
+        <a:xfrm>
+          <a:off x="0" y="0"/>
+          <a:ext cx="0" cy="0"/>
+          <a:chOff x="0" y="0"/>
+          <a:chExt cx="0" cy="0"/>
+        </a:xfrm>
+      </p:grpSpPr>
+      <p:sp>
+        <p:nvSpPr>
+          <p:cNvPr id="6" name="Title 1">
+            <a:extLst>
+              <a:ext uri="{FF2B5EF4-FFF2-40B4-BE49-F238E27FC236}">
+                <a16:creationId xmlns:a16="http://schemas.microsoft.com/office/drawing/2014/main" id="{D13D5144-6155-AB6A-B1AA-8938B3D466D8}"/>
+              </a:ext>
+            </a:extLst>
+          </p:cNvPr>
+          <p:cNvSpPr>
+            <a:spLocks noGrp="1"/>
+          </p:cNvSpPr>
+          <p:nvPr>
+            <p:ph type="title"/>
+          </p:nvPr>
+        </p:nvSpPr>
+        <p:spPr>
+          <a:xfrm>
+            <a:off x="457200" y="205980"/>
+            <a:ext cx="8229600" cy="857251"/>
+          </a:xfrm>
+        </p:spPr>
+        <p:txBody>
+          <a:bodyPr>
+            <a:normAutofit/>
+          </a:bodyPr>
+          <a:lstStyle/>
+          <a:p>
+            <a:r>
+              <a:rPr lang="en-US" b="1" dirty="0">
+                <a:solidFill>
+                  <a:srgbClr val="0070C0"/>
+                </a:solidFill>
+              </a:rPr>
+              <a:t>CLP – </a:t>
+            </a:r>
+            <a:r>
+              <a:rPr lang="en-US" b="1" dirty="0" err="1">
+                <a:solidFill>
+                  <a:srgbClr val="0070C0"/>
+                </a:solidFill>
+              </a:rPr>
+              <a:t>Exemplo</a:t>
+            </a:r>
+            <a:endParaRPr lang="en-US" b="1" dirty="0">
+              <a:solidFill>
+                <a:srgbClr val="0070C0"/>
+              </a:solidFill>
+            </a:endParaRPr>
+          </a:p>
+        </p:txBody>
+      </p:sp>
+      <p:sp>
+        <p:nvSpPr>
+          <p:cNvPr id="8" name="Text Placeholder 2">
+            <a:extLst>
+              <a:ext uri="{FF2B5EF4-FFF2-40B4-BE49-F238E27FC236}">
+                <a16:creationId xmlns:a16="http://schemas.microsoft.com/office/drawing/2014/main" id="{36A5E936-1CCD-B3E8-305A-ED320DF2E622}"/>
+              </a:ext>
+            </a:extLst>
+          </p:cNvPr>
+          <p:cNvSpPr>
+            <a:spLocks noGrp="1"/>
+          </p:cNvSpPr>
+          <p:nvPr>
+            <p:ph type="body" sz="half" idx="1"/>
+          </p:nvPr>
+        </p:nvSpPr>
+        <p:spPr>
+          <a:xfrm>
+            <a:off x="142865" y="1035050"/>
+            <a:ext cx="8865056" cy="3994150"/>
+          </a:xfrm>
+        </p:spPr>
+        <p:txBody>
+          <a:bodyPr>
+            <a:noAutofit/>
+          </a:bodyPr>
+          <a:lstStyle/>
+          <a:p>
+            <a:pPr marL="0" indent="0" algn="just">
+              <a:buNone/>
+            </a:pPr>
+            <a:r>
+              <a:rPr lang="pt-BR" sz="2400" b="1" dirty="0">
+                <a:solidFill>
+                  <a:srgbClr val="FF0000"/>
+                </a:solidFill>
+                <a:latin typeface="Times New Roman" panose="02020603050405020304" pitchFamily="18" charset="0"/>
+                <a:cs typeface="Times New Roman" panose="02020603050405020304" pitchFamily="18" charset="0"/>
+              </a:rPr>
+              <a:t>Estação de Tratamento de Água</a:t>
+            </a:r>
+          </a:p>
+          <a:p>
+            <a:pPr algn="just"/>
+            <a:endParaRPr lang="pt-BR" sz="2400" dirty="0">
+              <a:latin typeface="Times New Roman" panose="02020603050405020304" pitchFamily="18" charset="0"/>
+              <a:cs typeface="Times New Roman" panose="02020603050405020304" pitchFamily="18" charset="0"/>
+            </a:endParaRPr>
+          </a:p>
+          <a:p>
+            <a:pPr algn="just"/>
+            <a:r>
+              <a:rPr lang="pt-BR" sz="2400" b="1" dirty="0" err="1">
+                <a:latin typeface="Times New Roman" panose="02020603050405020304" pitchFamily="18" charset="0"/>
+                <a:cs typeface="Times New Roman" panose="02020603050405020304" pitchFamily="18" charset="0"/>
+              </a:rPr>
+              <a:t>CLPs</a:t>
+            </a:r>
+            <a:r>
+              <a:rPr lang="pt-BR" sz="2400" dirty="0">
+                <a:latin typeface="Times New Roman" panose="02020603050405020304" pitchFamily="18" charset="0"/>
+                <a:cs typeface="Times New Roman" panose="02020603050405020304" pitchFamily="18" charset="0"/>
+              </a:rPr>
+              <a:t> controlam bombas e válvulas;</a:t>
+            </a:r>
+          </a:p>
+          <a:p>
+            <a:pPr marL="0" indent="0" algn="just">
+              <a:buNone/>
+            </a:pPr>
+            <a:endParaRPr lang="pt-BR" sz="2400" dirty="0">
+              <a:latin typeface="Times New Roman" panose="02020603050405020304" pitchFamily="18" charset="0"/>
+              <a:cs typeface="Times New Roman" panose="02020603050405020304" pitchFamily="18" charset="0"/>
+            </a:endParaRPr>
+          </a:p>
+          <a:p>
+            <a:pPr algn="just"/>
+            <a:r>
+              <a:rPr lang="pt-BR" sz="2400" b="1" dirty="0">
+                <a:latin typeface="Times New Roman" panose="02020603050405020304" pitchFamily="18" charset="0"/>
+                <a:cs typeface="Times New Roman" panose="02020603050405020304" pitchFamily="18" charset="0"/>
+              </a:rPr>
+              <a:t>SCADA</a:t>
+            </a:r>
+            <a:r>
+              <a:rPr lang="pt-BR" sz="2400" dirty="0">
+                <a:latin typeface="Times New Roman" panose="02020603050405020304" pitchFamily="18" charset="0"/>
+                <a:cs typeface="Times New Roman" panose="02020603050405020304" pitchFamily="18" charset="0"/>
+              </a:rPr>
+              <a:t> monitora níveis, vazão, qualidade da água.</a:t>
+            </a:r>
+          </a:p>
+        </p:txBody>
+      </p:sp>
+    </p:spTree>
+    <p:extLst>
+      <p:ext uri="{BB962C8B-B14F-4D97-AF65-F5344CB8AC3E}">
+        <p14:creationId xmlns:p14="http://schemas.microsoft.com/office/powerpoint/2010/main" val="2186385597"/>
+      </p:ext>
+    </p:extLst>
+  </p:cSld>
+  <p:clrMapOvr>
+    <a:masterClrMapping/>
+  </p:clrMapOvr>
+  <p:transition spd="med"/>
+</p:sld>
+</file>
+
+<file path=ppt/slides/slide12.xml><?xml version="1.0" encoding="utf-8"?>
+<p:sld xmlns:a="http://schemas.openxmlformats.org/drawingml/2006/main" xmlns:r="http://schemas.openxmlformats.org/officeDocument/2006/relationships" xmlns:p="http://schemas.openxmlformats.org/presentationml/2006/main">
+  <p:cSld>
+    <p:spTree>
+      <p:nvGrpSpPr>
+        <p:cNvPr id="1" name=""/>
+        <p:cNvGrpSpPr/>
+        <p:nvPr/>
+      </p:nvGrpSpPr>
+      <p:grpSpPr>
+        <a:xfrm>
+          <a:off x="0" y="0"/>
+          <a:ext cx="0" cy="0"/>
+          <a:chOff x="0" y="0"/>
+          <a:chExt cx="0" cy="0"/>
+        </a:xfrm>
+      </p:grpSpPr>
+      <p:sp>
+        <p:nvSpPr>
+          <p:cNvPr id="6" name="Title 1"/>
+          <p:cNvSpPr>
+            <a:spLocks noGrp="1"/>
+          </p:cNvSpPr>
+          <p:nvPr>
+            <p:ph type="title"/>
+          </p:nvPr>
+        </p:nvSpPr>
+        <p:spPr>
+          <a:xfrm>
+            <a:off x="457200" y="205980"/>
+            <a:ext cx="8229600" cy="857251"/>
+          </a:xfrm>
+        </p:spPr>
+        <p:txBody>
+          <a:bodyPr>
+            <a:normAutofit/>
+          </a:bodyPr>
+          <a:lstStyle/>
+          <a:p>
+            <a:r>
+              <a:rPr lang="en-US" b="1" dirty="0" err="1">
+                <a:solidFill>
+                  <a:srgbClr val="0070C0"/>
+                </a:solidFill>
+              </a:rPr>
+              <a:t>Leitura</a:t>
+            </a:r>
+            <a:r>
+              <a:rPr lang="en-US" b="1" dirty="0">
+                <a:solidFill>
+                  <a:srgbClr val="0070C0"/>
+                </a:solidFill>
+              </a:rPr>
+              <a:t> </a:t>
+            </a:r>
+            <a:r>
+              <a:rPr lang="en-US" b="1" dirty="0" err="1">
+                <a:solidFill>
+                  <a:srgbClr val="0070C0"/>
+                </a:solidFill>
+              </a:rPr>
+              <a:t>Específica</a:t>
+            </a:r>
+            <a:endParaRPr lang="en-US" b="1" dirty="0">
+              <a:solidFill>
+                <a:srgbClr val="0070C0"/>
+              </a:solidFill>
+            </a:endParaRPr>
+          </a:p>
+        </p:txBody>
+      </p:sp>
+      <p:sp>
+        <p:nvSpPr>
+          <p:cNvPr id="8" name="Text Placeholder 2"/>
+          <p:cNvSpPr>
+            <a:spLocks noGrp="1"/>
+          </p:cNvSpPr>
+          <p:nvPr>
+            <p:ph type="body" sz="half" idx="1"/>
+          </p:nvPr>
+        </p:nvSpPr>
+        <p:spPr>
+          <a:xfrm>
+            <a:off x="142865" y="1200150"/>
+            <a:ext cx="8865056" cy="3737369"/>
+          </a:xfrm>
+        </p:spPr>
+        <p:txBody>
+          <a:bodyPr>
+            <a:noAutofit/>
+          </a:bodyPr>
+          <a:lstStyle/>
+          <a:p>
+            <a:pPr marL="0" indent="0" algn="just">
+              <a:buNone/>
+            </a:pPr>
+            <a:r>
+              <a:rPr lang="pt-BR" sz="2200" dirty="0">
+                <a:latin typeface="Times New Roman" panose="02020603050405020304" pitchFamily="18" charset="0"/>
+                <a:cs typeface="Times New Roman" panose="02020603050405020304" pitchFamily="18" charset="0"/>
+              </a:rPr>
+              <a:t>[1] </a:t>
+            </a:r>
+            <a:r>
+              <a:rPr lang="pt-BR" sz="2200" b="1" dirty="0">
+                <a:latin typeface="Times New Roman" panose="02020603050405020304" pitchFamily="18" charset="0"/>
+                <a:cs typeface="Times New Roman" panose="02020603050405020304" pitchFamily="18" charset="0"/>
+              </a:rPr>
+              <a:t>Sistemas Supervisórios (SCADA)</a:t>
+            </a:r>
+            <a:endParaRPr lang="pt-BR" sz="2200" dirty="0">
+              <a:latin typeface="Times New Roman" panose="02020603050405020304" pitchFamily="18" charset="0"/>
+              <a:cs typeface="Times New Roman" panose="02020603050405020304" pitchFamily="18" charset="0"/>
+            </a:endParaRPr>
+          </a:p>
+          <a:p>
+            <a:pPr marL="0" indent="0" algn="just">
+              <a:buNone/>
+            </a:pPr>
+            <a:r>
+              <a:rPr lang="pt-BR" sz="2200" b="1" dirty="0">
+                <a:solidFill>
+                  <a:srgbClr val="FF0000"/>
+                </a:solidFill>
+                <a:latin typeface="Times New Roman" panose="02020603050405020304" pitchFamily="18" charset="0"/>
+                <a:cs typeface="Times New Roman" panose="02020603050405020304" pitchFamily="18" charset="0"/>
+              </a:rPr>
+              <a:t>Disponível em: </a:t>
+            </a:r>
+            <a:r>
+              <a:rPr lang="pt-BR" sz="2200" dirty="0">
+                <a:solidFill>
+                  <a:srgbClr val="FF0000"/>
+                </a:solidFill>
+                <a:latin typeface="Times New Roman" panose="02020603050405020304" pitchFamily="18" charset="0"/>
+                <a:cs typeface="Times New Roman" panose="02020603050405020304" pitchFamily="18" charset="0"/>
+                <a:hlinkClick r:id="rId3"/>
+              </a:rPr>
+              <a:t>https://materialpublic.imd.ufrn.br/curso/disciplina/1/55/1</a:t>
+            </a:r>
+            <a:r>
+              <a:rPr lang="pt-BR" sz="2200" dirty="0">
+                <a:solidFill>
+                  <a:srgbClr val="FF0000"/>
+                </a:solidFill>
+                <a:latin typeface="Times New Roman" panose="02020603050405020304" pitchFamily="18" charset="0"/>
+                <a:cs typeface="Times New Roman" panose="02020603050405020304" pitchFamily="18" charset="0"/>
+              </a:rPr>
+              <a:t>   </a:t>
+            </a:r>
+          </a:p>
+          <a:p>
+            <a:pPr marL="0" indent="0" algn="just">
+              <a:buNone/>
+            </a:pPr>
+            <a:endParaRPr lang="pt-BR" sz="2200" b="1" dirty="0">
+              <a:solidFill>
+                <a:srgbClr val="FF0000"/>
+              </a:solidFill>
+              <a:latin typeface="Times New Roman" panose="02020603050405020304" pitchFamily="18" charset="0"/>
+              <a:cs typeface="Times New Roman" panose="02020603050405020304" pitchFamily="18" charset="0"/>
+            </a:endParaRPr>
+          </a:p>
+          <a:p>
+            <a:pPr marL="0" indent="0" algn="just">
+              <a:buNone/>
+            </a:pPr>
+            <a:endParaRPr lang="pt-BR" sz="2200" dirty="0">
+              <a:latin typeface="Times New Roman" panose="02020603050405020304" pitchFamily="18" charset="0"/>
+              <a:cs typeface="Times New Roman" panose="02020603050405020304" pitchFamily="18" charset="0"/>
+            </a:endParaRPr>
+          </a:p>
+          <a:p>
+            <a:pPr marL="0" indent="0" algn="just">
+              <a:buNone/>
+            </a:pPr>
+            <a:r>
+              <a:rPr lang="pt-BR" sz="2200" dirty="0">
+                <a:latin typeface="Times New Roman" panose="02020603050405020304" pitchFamily="18" charset="0"/>
+                <a:cs typeface="Times New Roman" panose="02020603050405020304" pitchFamily="18" charset="0"/>
+              </a:rPr>
+              <a:t>[2] </a:t>
+            </a:r>
+            <a:r>
+              <a:rPr lang="pt-BR" sz="2200" b="1" dirty="0">
+                <a:latin typeface="Times New Roman" panose="02020603050405020304" pitchFamily="18" charset="0"/>
+                <a:cs typeface="Times New Roman" panose="02020603050405020304" pitchFamily="18" charset="0"/>
+              </a:rPr>
+              <a:t>Sistemas Supervisórios</a:t>
+            </a:r>
+            <a:endParaRPr lang="pt-BR" sz="2200" dirty="0">
+              <a:latin typeface="Times New Roman" panose="02020603050405020304" pitchFamily="18" charset="0"/>
+              <a:cs typeface="Times New Roman" panose="02020603050405020304" pitchFamily="18" charset="0"/>
+            </a:endParaRPr>
+          </a:p>
+          <a:p>
+            <a:pPr marL="0" indent="0" algn="just">
+              <a:buNone/>
+            </a:pPr>
+            <a:r>
+              <a:rPr lang="pt-BR" sz="2200" b="1" dirty="0">
+                <a:solidFill>
+                  <a:srgbClr val="FF0000"/>
+                </a:solidFill>
+                <a:latin typeface="Times New Roman" panose="02020603050405020304" pitchFamily="18" charset="0"/>
+                <a:cs typeface="Times New Roman" panose="02020603050405020304" pitchFamily="18" charset="0"/>
+              </a:rPr>
+              <a:t>Disponível em:</a:t>
+            </a:r>
+          </a:p>
+          <a:p>
+            <a:pPr marL="0" indent="0" algn="just">
+              <a:buNone/>
+            </a:pPr>
+            <a:r>
+              <a:rPr lang="pt-BR" sz="2200" dirty="0">
+                <a:solidFill>
+                  <a:srgbClr val="FF0000"/>
+                </a:solidFill>
+                <a:latin typeface="Times New Roman" panose="02020603050405020304" pitchFamily="18" charset="0"/>
+                <a:cs typeface="Times New Roman" panose="02020603050405020304" pitchFamily="18" charset="0"/>
+                <a:hlinkClick r:id="rId4"/>
+              </a:rPr>
+              <a:t>https://professorcesarcosta.com.br/upload/imagens_upload/Apostila_%20Sistema%20Supervis%C3%B3rio.pdf</a:t>
+            </a:r>
+            <a:r>
+              <a:rPr lang="pt-BR" sz="2200" dirty="0">
+                <a:solidFill>
+                  <a:srgbClr val="FF0000"/>
+                </a:solidFill>
+                <a:latin typeface="Times New Roman" panose="02020603050405020304" pitchFamily="18" charset="0"/>
+                <a:cs typeface="Times New Roman" panose="02020603050405020304" pitchFamily="18" charset="0"/>
+              </a:rPr>
+              <a:t>   </a:t>
+            </a:r>
+            <a:endParaRPr lang="pt-BR" sz="2200" dirty="0">
+              <a:latin typeface="Calibri" panose="020F0502020204030204" pitchFamily="34" charset="0"/>
+            </a:endParaRPr>
+          </a:p>
+        </p:txBody>
+      </p:sp>
+    </p:spTree>
+    <p:extLst>
+      <p:ext uri="{BB962C8B-B14F-4D97-AF65-F5344CB8AC3E}">
+        <p14:creationId xmlns:p14="http://schemas.microsoft.com/office/powerpoint/2010/main" val="3680270425"/>
+      </p:ext>
+    </p:extLst>
+  </p:cSld>
+  <p:clrMapOvr>
+    <a:masterClrMapping/>
+  </p:clrMapOvr>
+  <p:transition spd="med"/>
+</p:sld>
+</file>
+
+<file path=ppt/slides/slide13.xml><?xml version="1.0" encoding="utf-8"?>
+<p:sld xmlns:a="http://schemas.openxmlformats.org/drawingml/2006/main" xmlns:r="http://schemas.openxmlformats.org/officeDocument/2006/relationships" xmlns:p="http://schemas.openxmlformats.org/presentationml/2006/main">
+  <p:cSld>
+    <p:spTree>
+      <p:nvGrpSpPr>
+        <p:cNvPr id="1" name=""/>
+        <p:cNvGrpSpPr/>
+        <p:nvPr/>
+      </p:nvGrpSpPr>
+      <p:grpSpPr>
+        <a:xfrm>
+          <a:off x="0" y="0"/>
+          <a:ext cx="0" cy="0"/>
+          <a:chOff x="0" y="0"/>
+          <a:chExt cx="0" cy="0"/>
+        </a:xfrm>
+      </p:grpSpPr>
+      <p:sp>
+        <p:nvSpPr>
+          <p:cNvPr id="6" name="Title 1"/>
+          <p:cNvSpPr>
+            <a:spLocks noGrp="1"/>
+          </p:cNvSpPr>
+          <p:nvPr>
+            <p:ph type="title"/>
+          </p:nvPr>
+        </p:nvSpPr>
+        <p:spPr>
+          <a:xfrm>
+            <a:off x="457200" y="205980"/>
+            <a:ext cx="8229600" cy="857251"/>
+          </a:xfrm>
+        </p:spPr>
+        <p:txBody>
+          <a:bodyPr>
+            <a:normAutofit/>
+          </a:bodyPr>
+          <a:lstStyle/>
+          <a:p>
+            <a:r>
+              <a:rPr lang="en-US" b="1" dirty="0" err="1">
+                <a:solidFill>
+                  <a:srgbClr val="0070C0"/>
+                </a:solidFill>
+              </a:rPr>
+              <a:t>Aprenda</a:t>
+            </a:r>
+            <a:r>
+              <a:rPr lang="en-US" b="1" dirty="0">
+                <a:solidFill>
+                  <a:srgbClr val="0070C0"/>
+                </a:solidFill>
+              </a:rPr>
+              <a:t>+</a:t>
+            </a:r>
+          </a:p>
+        </p:txBody>
+      </p:sp>
+      <p:sp>
+        <p:nvSpPr>
+          <p:cNvPr id="8" name="Text Placeholder 2"/>
+          <p:cNvSpPr>
+            <a:spLocks noGrp="1"/>
+          </p:cNvSpPr>
+          <p:nvPr>
+            <p:ph type="body" sz="half" idx="1"/>
+          </p:nvPr>
+        </p:nvSpPr>
+        <p:spPr>
+          <a:xfrm>
+            <a:off x="142865" y="1200150"/>
+            <a:ext cx="8865056" cy="3737370"/>
+          </a:xfrm>
+        </p:spPr>
+        <p:txBody>
+          <a:bodyPr>
+            <a:noAutofit/>
+          </a:bodyPr>
+          <a:lstStyle/>
+          <a:p>
+            <a:pPr marL="0" indent="0" algn="just">
+              <a:buNone/>
+            </a:pPr>
+            <a:r>
+              <a:rPr lang="pt-BR" sz="2200" dirty="0">
+                <a:latin typeface="Times New Roman" panose="02020603050405020304" pitchFamily="18" charset="0"/>
+                <a:cs typeface="Times New Roman" panose="02020603050405020304" pitchFamily="18" charset="0"/>
+              </a:rPr>
+              <a:t>[1] </a:t>
+            </a:r>
+            <a:r>
+              <a:rPr lang="pt-BR" sz="2200" b="1" dirty="0">
+                <a:latin typeface="Times New Roman" panose="02020603050405020304" pitchFamily="18" charset="0"/>
+                <a:cs typeface="Times New Roman" panose="02020603050405020304" pitchFamily="18" charset="0"/>
+              </a:rPr>
+              <a:t>Sistemas Supervisórios (SCADA)</a:t>
+            </a:r>
+            <a:endParaRPr lang="pt-BR" sz="2200" dirty="0">
+              <a:latin typeface="Times New Roman" panose="02020603050405020304" pitchFamily="18" charset="0"/>
+              <a:cs typeface="Times New Roman" panose="02020603050405020304" pitchFamily="18" charset="0"/>
+            </a:endParaRPr>
+          </a:p>
+          <a:p>
+            <a:pPr marL="0" indent="0" algn="just">
+              <a:buNone/>
+            </a:pPr>
+            <a:r>
+              <a:rPr lang="pt-BR" sz="2200" b="1" dirty="0">
+                <a:solidFill>
+                  <a:srgbClr val="FF0000"/>
+                </a:solidFill>
+                <a:latin typeface="Times New Roman" panose="02020603050405020304" pitchFamily="18" charset="0"/>
+                <a:cs typeface="Times New Roman" panose="02020603050405020304" pitchFamily="18" charset="0"/>
+              </a:rPr>
+              <a:t>Disponível em: </a:t>
+            </a:r>
+            <a:r>
+              <a:rPr lang="pt-BR" sz="2200" dirty="0">
+                <a:solidFill>
+                  <a:srgbClr val="FF0000"/>
+                </a:solidFill>
+                <a:latin typeface="Times New Roman" panose="02020603050405020304" pitchFamily="18" charset="0"/>
+                <a:cs typeface="Times New Roman" panose="02020603050405020304" pitchFamily="18" charset="0"/>
+                <a:hlinkClick r:id="rId3"/>
+              </a:rPr>
+              <a:t>https://youtu.be/Job-KbLINZ4</a:t>
+            </a:r>
+            <a:r>
+              <a:rPr lang="pt-BR" sz="2200" dirty="0">
+                <a:solidFill>
+                  <a:srgbClr val="FF0000"/>
+                </a:solidFill>
+                <a:latin typeface="Times New Roman" panose="02020603050405020304" pitchFamily="18" charset="0"/>
+                <a:cs typeface="Times New Roman" panose="02020603050405020304" pitchFamily="18" charset="0"/>
+              </a:rPr>
+              <a:t> </a:t>
+            </a:r>
+            <a:endParaRPr lang="pt-BR" sz="2200" dirty="0">
+              <a:latin typeface="Times New Roman" panose="02020603050405020304" pitchFamily="18" charset="0"/>
+              <a:cs typeface="Times New Roman" panose="02020603050405020304" pitchFamily="18" charset="0"/>
+            </a:endParaRPr>
+          </a:p>
+          <a:p>
+            <a:pPr marL="0" indent="0" algn="just">
+              <a:buNone/>
+            </a:pPr>
+            <a:endParaRPr lang="pt-BR" sz="2200" dirty="0">
+              <a:latin typeface="Times New Roman" panose="02020603050405020304" pitchFamily="18" charset="0"/>
+              <a:cs typeface="Times New Roman" panose="02020603050405020304" pitchFamily="18" charset="0"/>
+            </a:endParaRPr>
+          </a:p>
+          <a:p>
+            <a:pPr marL="0" indent="0" algn="just">
+              <a:buNone/>
+            </a:pPr>
+            <a:endParaRPr lang="pt-BR" sz="2200" dirty="0">
+              <a:latin typeface="Times New Roman" panose="02020603050405020304" pitchFamily="18" charset="0"/>
+              <a:cs typeface="Times New Roman" panose="02020603050405020304" pitchFamily="18" charset="0"/>
+            </a:endParaRPr>
+          </a:p>
+          <a:p>
+            <a:pPr marL="0" indent="0" algn="just">
+              <a:buNone/>
+            </a:pPr>
+            <a:r>
+              <a:rPr lang="pt-BR" sz="2200" dirty="0">
+                <a:latin typeface="Times New Roman" panose="02020603050405020304" pitchFamily="18" charset="0"/>
+                <a:cs typeface="Times New Roman" panose="02020603050405020304" pitchFamily="18" charset="0"/>
+              </a:rPr>
+              <a:t>[2] </a:t>
+            </a:r>
+            <a:r>
+              <a:rPr lang="pt-BR" sz="2200" b="1" dirty="0">
+                <a:latin typeface="Times New Roman" panose="02020603050405020304" pitchFamily="18" charset="0"/>
+                <a:cs typeface="Times New Roman" panose="02020603050405020304" pitchFamily="18" charset="0"/>
+              </a:rPr>
+              <a:t>Sistemas Supervisórios</a:t>
+            </a:r>
+          </a:p>
+          <a:p>
+            <a:pPr marL="0" indent="0" algn="just">
+              <a:buNone/>
+            </a:pPr>
+            <a:r>
+              <a:rPr lang="pt-BR" sz="2200" b="1" dirty="0">
+                <a:solidFill>
+                  <a:srgbClr val="FF0000"/>
+                </a:solidFill>
+                <a:latin typeface="Times New Roman" panose="02020603050405020304" pitchFamily="18" charset="0"/>
+                <a:cs typeface="Times New Roman" panose="02020603050405020304" pitchFamily="18" charset="0"/>
+              </a:rPr>
+              <a:t>Disponível em: </a:t>
+            </a:r>
+            <a:r>
+              <a:rPr lang="pt-BR" sz="2200" dirty="0">
+                <a:solidFill>
+                  <a:srgbClr val="FF0000"/>
+                </a:solidFill>
+                <a:latin typeface="Times New Roman" panose="02020603050405020304" pitchFamily="18" charset="0"/>
+                <a:cs typeface="Times New Roman" panose="02020603050405020304" pitchFamily="18" charset="0"/>
+                <a:hlinkClick r:id="rId4"/>
+              </a:rPr>
+              <a:t>https://youtu.be/oOxL3L7ewzM</a:t>
+            </a:r>
+            <a:r>
+              <a:rPr lang="pt-BR" sz="2200" dirty="0">
+                <a:solidFill>
+                  <a:srgbClr val="FF0000"/>
+                </a:solidFill>
+                <a:latin typeface="Times New Roman" panose="02020603050405020304" pitchFamily="18" charset="0"/>
+                <a:cs typeface="Times New Roman" panose="02020603050405020304" pitchFamily="18" charset="0"/>
+              </a:rPr>
+              <a:t> </a:t>
+            </a:r>
+            <a:endParaRPr lang="pt-BR" sz="2200" dirty="0">
+              <a:latin typeface="Times New Roman" panose="02020603050405020304" pitchFamily="18" charset="0"/>
+              <a:cs typeface="Times New Roman" panose="02020603050405020304" pitchFamily="18" charset="0"/>
+            </a:endParaRPr>
+          </a:p>
+        </p:txBody>
+      </p:sp>
+    </p:spTree>
+    <p:extLst>
+      <p:ext uri="{BB962C8B-B14F-4D97-AF65-F5344CB8AC3E}">
+        <p14:creationId xmlns:p14="http://schemas.microsoft.com/office/powerpoint/2010/main" val="2747596967"/>
+      </p:ext>
+    </p:extLst>
+  </p:cSld>
+  <p:clrMapOvr>
+    <a:masterClrMapping/>
+  </p:clrMapOvr>
+  <p:transition spd="med"/>
+</p:sld>
+</file>
+
+<file path=ppt/slides/slide14.xml><?xml version="1.0" encoding="utf-8"?>
+<p:sld xmlns:a="http://schemas.openxmlformats.org/drawingml/2006/main" xmlns:r="http://schemas.openxmlformats.org/officeDocument/2006/relationships" xmlns:p="http://schemas.openxmlformats.org/presentationml/2006/main">
+  <p:cSld>
+    <p:spTree>
+      <p:nvGrpSpPr>
+        <p:cNvPr id="1" name="">
+          <a:extLst>
+            <a:ext uri="{FF2B5EF4-FFF2-40B4-BE49-F238E27FC236}">
+              <a16:creationId xmlns:a16="http://schemas.microsoft.com/office/drawing/2014/main" id="{2953AC7D-8CF9-A63F-57A2-D983DEB50039}"/>
+            </a:ext>
+          </a:extLst>
+        </p:cNvPr>
+        <p:cNvGrpSpPr/>
+        <p:nvPr/>
+      </p:nvGrpSpPr>
+      <p:grpSpPr>
+        <a:xfrm>
+          <a:off x="0" y="0"/>
+          <a:ext cx="0" cy="0"/>
+          <a:chOff x="0" y="0"/>
+          <a:chExt cx="0" cy="0"/>
+        </a:xfrm>
+      </p:grpSpPr>
+      <p:sp>
+        <p:nvSpPr>
+          <p:cNvPr id="6" name="Title 1">
+            <a:extLst>
+              <a:ext uri="{FF2B5EF4-FFF2-40B4-BE49-F238E27FC236}">
+                <a16:creationId xmlns:a16="http://schemas.microsoft.com/office/drawing/2014/main" id="{CC4C3A19-ED0C-1CE0-1512-03DBBA8E622A}"/>
+              </a:ext>
+            </a:extLst>
+          </p:cNvPr>
+          <p:cNvSpPr>
+            <a:spLocks noGrp="1"/>
+          </p:cNvSpPr>
+          <p:nvPr>
+            <p:ph type="title"/>
+          </p:nvPr>
+        </p:nvSpPr>
+        <p:spPr>
+          <a:xfrm>
+            <a:off x="457200" y="205980"/>
+            <a:ext cx="8229600" cy="857251"/>
+          </a:xfrm>
+        </p:spPr>
+        <p:txBody>
+          <a:bodyPr>
+            <a:normAutofit/>
+          </a:bodyPr>
+          <a:lstStyle/>
+          <a:p>
+            <a:r>
+              <a:rPr lang="en-US" b="1" dirty="0" err="1">
+                <a:solidFill>
+                  <a:srgbClr val="0070C0"/>
+                </a:solidFill>
+              </a:rPr>
+              <a:t>Dinâmica</a:t>
+            </a:r>
+            <a:r>
+              <a:rPr lang="en-US" b="1" dirty="0">
+                <a:solidFill>
+                  <a:srgbClr val="0070C0"/>
+                </a:solidFill>
+              </a:rPr>
+              <a:t>/Pesquisa</a:t>
+            </a:r>
+          </a:p>
+        </p:txBody>
+      </p:sp>
+      <p:sp>
+        <p:nvSpPr>
+          <p:cNvPr id="8" name="Text Placeholder 2">
+            <a:extLst>
+              <a:ext uri="{FF2B5EF4-FFF2-40B4-BE49-F238E27FC236}">
+                <a16:creationId xmlns:a16="http://schemas.microsoft.com/office/drawing/2014/main" id="{B45119E1-EF11-7248-2ADA-8776A0D7E7E3}"/>
+              </a:ext>
+            </a:extLst>
+          </p:cNvPr>
+          <p:cNvSpPr>
+            <a:spLocks noGrp="1"/>
+          </p:cNvSpPr>
+          <p:nvPr>
+            <p:ph type="body" sz="half" idx="1"/>
+          </p:nvPr>
+        </p:nvSpPr>
+        <p:spPr>
+          <a:xfrm>
+            <a:off x="142865" y="1035050"/>
+            <a:ext cx="8865056" cy="3994150"/>
+          </a:xfrm>
+        </p:spPr>
+        <p:txBody>
+          <a:bodyPr>
+            <a:noAutofit/>
+          </a:bodyPr>
+          <a:lstStyle/>
+          <a:p>
+            <a:pPr algn="just"/>
+            <a:r>
+              <a:rPr lang="pt-BR" sz="2400" b="1" dirty="0">
+                <a:solidFill>
+                  <a:schemeClr val="tx1"/>
+                </a:solidFill>
+                <a:latin typeface="Times New Roman" panose="02020603050405020304" pitchFamily="18" charset="0"/>
+                <a:cs typeface="Times New Roman" panose="02020603050405020304" pitchFamily="18" charset="0"/>
+              </a:rPr>
+              <a:t>Pesquisar</a:t>
+            </a:r>
+            <a:r>
+              <a:rPr lang="pt-BR" sz="2400" dirty="0">
+                <a:solidFill>
+                  <a:schemeClr val="tx1"/>
+                </a:solidFill>
+                <a:latin typeface="Times New Roman" panose="02020603050405020304" pitchFamily="18" charset="0"/>
+                <a:cs typeface="Times New Roman" panose="02020603050405020304" pitchFamily="18" charset="0"/>
+              </a:rPr>
+              <a:t> um exemplo de </a:t>
+            </a:r>
+            <a:r>
+              <a:rPr lang="pt-BR" sz="2400" b="1" dirty="0">
+                <a:solidFill>
+                  <a:schemeClr val="tx1"/>
+                </a:solidFill>
+                <a:latin typeface="Times New Roman" panose="02020603050405020304" pitchFamily="18" charset="0"/>
+                <a:cs typeface="Times New Roman" panose="02020603050405020304" pitchFamily="18" charset="0"/>
+              </a:rPr>
+              <a:t>aplicação real </a:t>
+            </a:r>
+            <a:r>
+              <a:rPr lang="pt-BR" sz="2400" dirty="0">
+                <a:solidFill>
+                  <a:schemeClr val="tx1"/>
+                </a:solidFill>
+                <a:latin typeface="Times New Roman" panose="02020603050405020304" pitchFamily="18" charset="0"/>
+                <a:cs typeface="Times New Roman" panose="02020603050405020304" pitchFamily="18" charset="0"/>
+              </a:rPr>
+              <a:t>de </a:t>
+            </a:r>
+            <a:r>
+              <a:rPr lang="pt-BR" sz="2400" b="1" dirty="0">
+                <a:solidFill>
+                  <a:srgbClr val="FF0000"/>
+                </a:solidFill>
+                <a:latin typeface="Times New Roman" panose="02020603050405020304" pitchFamily="18" charset="0"/>
+                <a:cs typeface="Times New Roman" panose="02020603050405020304" pitchFamily="18" charset="0"/>
+              </a:rPr>
+              <a:t>CLP + SCADA;</a:t>
+            </a:r>
+          </a:p>
+          <a:p>
+            <a:pPr algn="just"/>
+            <a:endParaRPr lang="pt-BR" sz="2400" dirty="0">
+              <a:solidFill>
+                <a:schemeClr val="tx1"/>
+              </a:solidFill>
+              <a:latin typeface="Times New Roman" panose="02020603050405020304" pitchFamily="18" charset="0"/>
+              <a:cs typeface="Times New Roman" panose="02020603050405020304" pitchFamily="18" charset="0"/>
+            </a:endParaRPr>
+          </a:p>
+          <a:p>
+            <a:pPr algn="just"/>
+            <a:r>
+              <a:rPr lang="pt-BR" sz="2400" dirty="0">
+                <a:solidFill>
+                  <a:schemeClr val="tx1"/>
+                </a:solidFill>
+                <a:latin typeface="Times New Roman" panose="02020603050405020304" pitchFamily="18" charset="0"/>
+                <a:cs typeface="Times New Roman" panose="02020603050405020304" pitchFamily="18" charset="0"/>
+              </a:rPr>
+              <a:t>Descreva o sistema e seus benefícios;</a:t>
+            </a:r>
+          </a:p>
+          <a:p>
+            <a:pPr algn="just"/>
+            <a:endParaRPr lang="pt-BR" sz="2400" dirty="0">
+              <a:solidFill>
+                <a:schemeClr val="tx1"/>
+              </a:solidFill>
+              <a:latin typeface="Times New Roman" panose="02020603050405020304" pitchFamily="18" charset="0"/>
+              <a:cs typeface="Times New Roman" panose="02020603050405020304" pitchFamily="18" charset="0"/>
+            </a:endParaRPr>
+          </a:p>
+          <a:p>
+            <a:pPr algn="just"/>
+            <a:r>
+              <a:rPr lang="pt-BR" sz="2400" dirty="0">
+                <a:solidFill>
+                  <a:schemeClr val="tx1"/>
+                </a:solidFill>
+                <a:latin typeface="Times New Roman" panose="02020603050405020304" pitchFamily="18" charset="0"/>
+                <a:cs typeface="Times New Roman" panose="02020603050405020304" pitchFamily="18" charset="0"/>
+              </a:rPr>
+              <a:t>Traga imagens/figuras do cenário real, se possível;</a:t>
+            </a:r>
+          </a:p>
+          <a:p>
+            <a:pPr algn="just"/>
+            <a:endParaRPr lang="pt-BR" sz="2400" dirty="0">
+              <a:solidFill>
+                <a:schemeClr val="tx1"/>
+              </a:solidFill>
+              <a:latin typeface="Times New Roman" panose="02020603050405020304" pitchFamily="18" charset="0"/>
+              <a:cs typeface="Times New Roman" panose="02020603050405020304" pitchFamily="18" charset="0"/>
+            </a:endParaRPr>
+          </a:p>
+          <a:p>
+            <a:pPr algn="just"/>
+            <a:r>
+              <a:rPr lang="pt-BR" sz="2400" dirty="0">
+                <a:solidFill>
+                  <a:schemeClr val="tx1"/>
+                </a:solidFill>
+                <a:latin typeface="Times New Roman" panose="02020603050405020304" pitchFamily="18" charset="0"/>
+                <a:cs typeface="Times New Roman" panose="02020603050405020304" pitchFamily="18" charset="0"/>
+              </a:rPr>
+              <a:t>Onde você acha que há </a:t>
+            </a:r>
+            <a:r>
+              <a:rPr lang="pt-BR" sz="2400" dirty="0" err="1">
+                <a:solidFill>
+                  <a:schemeClr val="tx1"/>
+                </a:solidFill>
+                <a:latin typeface="Times New Roman" panose="02020603050405020304" pitchFamily="18" charset="0"/>
+                <a:cs typeface="Times New Roman" panose="02020603050405020304" pitchFamily="18" charset="0"/>
+              </a:rPr>
+              <a:t>CLPs</a:t>
+            </a:r>
+            <a:r>
+              <a:rPr lang="pt-BR" sz="2400" dirty="0">
+                <a:solidFill>
+                  <a:schemeClr val="tx1"/>
+                </a:solidFill>
+                <a:latin typeface="Times New Roman" panose="02020603050405020304" pitchFamily="18" charset="0"/>
+                <a:cs typeface="Times New Roman" panose="02020603050405020304" pitchFamily="18" charset="0"/>
+              </a:rPr>
+              <a:t> no seu cotidiano?</a:t>
+            </a:r>
+          </a:p>
+          <a:p>
+            <a:pPr algn="just"/>
+            <a:endParaRPr lang="pt-BR" sz="2400" dirty="0">
+              <a:solidFill>
+                <a:schemeClr val="tx1"/>
+              </a:solidFill>
+              <a:latin typeface="Times New Roman" panose="02020603050405020304" pitchFamily="18" charset="0"/>
+              <a:cs typeface="Times New Roman" panose="02020603050405020304" pitchFamily="18" charset="0"/>
+            </a:endParaRPr>
+          </a:p>
+          <a:p>
+            <a:pPr algn="just"/>
+            <a:r>
+              <a:rPr lang="pt-BR" sz="2400" dirty="0">
+                <a:solidFill>
+                  <a:schemeClr val="tx1"/>
+                </a:solidFill>
+                <a:latin typeface="Times New Roman" panose="02020603050405020304" pitchFamily="18" charset="0"/>
+                <a:cs typeface="Times New Roman" panose="02020603050405020304" pitchFamily="18" charset="0"/>
+              </a:rPr>
+              <a:t>Que tipos de sistemas você acha que usam SCADA?</a:t>
+            </a:r>
+          </a:p>
+        </p:txBody>
+      </p:sp>
+    </p:spTree>
+    <p:extLst>
+      <p:ext uri="{BB962C8B-B14F-4D97-AF65-F5344CB8AC3E}">
+        <p14:creationId xmlns:p14="http://schemas.microsoft.com/office/powerpoint/2010/main" val="2976682751"/>
+      </p:ext>
+    </p:extLst>
+  </p:cSld>
+  <p:clrMapOvr>
+    <a:masterClrMapping/>
+  </p:clrMapOvr>
+  <p:transition spd="med"/>
+</p:sld>
+</file>
+
+<file path=ppt/slides/slide15.xml><?xml version="1.0" encoding="utf-8"?>
+<p:sld xmlns:a="http://schemas.openxmlformats.org/drawingml/2006/main" xmlns:r="http://schemas.openxmlformats.org/officeDocument/2006/relationships" xmlns:p="http://schemas.openxmlformats.org/presentationml/2006/main">
+  <p:cSld>
+    <p:spTree>
+      <p:nvGrpSpPr>
+        <p:cNvPr id="1" name="">
+          <a:extLst>
+            <a:ext uri="{FF2B5EF4-FFF2-40B4-BE49-F238E27FC236}">
+              <a16:creationId xmlns:a16="http://schemas.microsoft.com/office/drawing/2014/main" id="{7AE43B84-9EE6-2466-670D-940B1C6333B7}"/>
+            </a:ext>
+          </a:extLst>
+        </p:cNvPr>
+        <p:cNvGrpSpPr/>
+        <p:nvPr/>
+      </p:nvGrpSpPr>
+      <p:grpSpPr>
+        <a:xfrm>
+          <a:off x="0" y="0"/>
+          <a:ext cx="0" cy="0"/>
+          <a:chOff x="0" y="0"/>
+          <a:chExt cx="0" cy="0"/>
+        </a:xfrm>
+      </p:grpSpPr>
+      <p:sp>
+        <p:nvSpPr>
+          <p:cNvPr id="6" name="Title 1">
+            <a:extLst>
+              <a:ext uri="{FF2B5EF4-FFF2-40B4-BE49-F238E27FC236}">
+                <a16:creationId xmlns:a16="http://schemas.microsoft.com/office/drawing/2014/main" id="{827A7D17-0197-2908-CCFD-EE37FA9BC303}"/>
+              </a:ext>
+            </a:extLst>
+          </p:cNvPr>
+          <p:cNvSpPr>
+            <a:spLocks noGrp="1"/>
+          </p:cNvSpPr>
+          <p:nvPr>
+            <p:ph type="title"/>
+          </p:nvPr>
+        </p:nvSpPr>
+        <p:spPr>
+          <a:xfrm>
+            <a:off x="457200" y="205980"/>
+            <a:ext cx="8229600" cy="857251"/>
+          </a:xfrm>
+        </p:spPr>
+        <p:txBody>
+          <a:bodyPr>
+            <a:normAutofit/>
+          </a:bodyPr>
+          <a:lstStyle/>
+          <a:p>
+            <a:r>
+              <a:rPr lang="en-US" b="1" dirty="0" err="1">
+                <a:solidFill>
+                  <a:srgbClr val="0070C0"/>
+                </a:solidFill>
+              </a:rPr>
+              <a:t>Dinâmica</a:t>
+            </a:r>
+            <a:r>
+              <a:rPr lang="en-US" b="1" dirty="0">
+                <a:solidFill>
+                  <a:srgbClr val="0070C0"/>
+                </a:solidFill>
+              </a:rPr>
+              <a:t>/</a:t>
+            </a:r>
+            <a:r>
+              <a:rPr lang="en-US" b="1" dirty="0" err="1">
+                <a:solidFill>
+                  <a:srgbClr val="0070C0"/>
+                </a:solidFill>
+              </a:rPr>
+              <a:t>Prática</a:t>
+            </a:r>
+            <a:endParaRPr lang="en-US" b="1" dirty="0">
+              <a:solidFill>
+                <a:srgbClr val="0070C0"/>
+              </a:solidFill>
+            </a:endParaRPr>
+          </a:p>
+        </p:txBody>
+      </p:sp>
+      <p:sp>
+        <p:nvSpPr>
+          <p:cNvPr id="8" name="Text Placeholder 2">
+            <a:extLst>
+              <a:ext uri="{FF2B5EF4-FFF2-40B4-BE49-F238E27FC236}">
+                <a16:creationId xmlns:a16="http://schemas.microsoft.com/office/drawing/2014/main" id="{3F2E808E-0613-4FD2-02AD-C403D17664F5}"/>
+              </a:ext>
+            </a:extLst>
+          </p:cNvPr>
+          <p:cNvSpPr>
+            <a:spLocks noGrp="1"/>
+          </p:cNvSpPr>
+          <p:nvPr>
+            <p:ph type="body" sz="half" idx="1"/>
+          </p:nvPr>
+        </p:nvSpPr>
+        <p:spPr>
+          <a:xfrm>
+            <a:off x="142865" y="1035050"/>
+            <a:ext cx="8865056" cy="3994150"/>
+          </a:xfrm>
+        </p:spPr>
+        <p:txBody>
+          <a:bodyPr>
+            <a:noAutofit/>
+          </a:bodyPr>
+          <a:lstStyle/>
+          <a:p>
+            <a:pPr marL="0" indent="0" algn="just">
+              <a:buNone/>
+            </a:pPr>
+            <a:r>
+              <a:rPr lang="pt-BR" sz="2400" dirty="0">
+                <a:solidFill>
+                  <a:schemeClr val="tx1"/>
+                </a:solidFill>
+                <a:latin typeface="Times New Roman" panose="02020603050405020304" pitchFamily="18" charset="0"/>
+                <a:cs typeface="Times New Roman" panose="02020603050405020304" pitchFamily="18" charset="0"/>
+              </a:rPr>
+              <a:t>Exibição de um software de simulação (</a:t>
+            </a:r>
+            <a:r>
+              <a:rPr lang="pt-BR" sz="2400" b="1" dirty="0" err="1">
+                <a:solidFill>
+                  <a:schemeClr val="tx1"/>
+                </a:solidFill>
+                <a:latin typeface="Times New Roman" panose="02020603050405020304" pitchFamily="18" charset="0"/>
+                <a:cs typeface="Times New Roman" panose="02020603050405020304" pitchFamily="18" charset="0"/>
+              </a:rPr>
+              <a:t>ex</a:t>
+            </a:r>
+            <a:r>
+              <a:rPr lang="pt-BR" sz="2400" b="1" dirty="0">
+                <a:solidFill>
+                  <a:schemeClr val="tx1"/>
+                </a:solidFill>
+                <a:latin typeface="Times New Roman" panose="02020603050405020304" pitchFamily="18" charset="0"/>
+                <a:cs typeface="Times New Roman" panose="02020603050405020304" pitchFamily="18" charset="0"/>
+              </a:rPr>
+              <a:t>: </a:t>
+            </a:r>
+            <a:r>
+              <a:rPr lang="pt-BR" sz="2400" b="1" dirty="0" err="1">
+                <a:solidFill>
+                  <a:schemeClr val="tx1"/>
+                </a:solidFill>
+                <a:latin typeface="Times New Roman" panose="02020603050405020304" pitchFamily="18" charset="0"/>
+                <a:cs typeface="Times New Roman" panose="02020603050405020304" pitchFamily="18" charset="0"/>
+              </a:rPr>
+              <a:t>LogixPro</a:t>
+            </a:r>
+            <a:r>
+              <a:rPr lang="pt-BR" sz="2400" b="1" dirty="0">
+                <a:solidFill>
+                  <a:schemeClr val="tx1"/>
+                </a:solidFill>
+                <a:latin typeface="Times New Roman" panose="02020603050405020304" pitchFamily="18" charset="0"/>
+                <a:cs typeface="Times New Roman" panose="02020603050405020304" pitchFamily="18" charset="0"/>
+              </a:rPr>
+              <a:t>, Clic, </a:t>
+            </a:r>
+            <a:r>
+              <a:rPr lang="pt-BR" sz="2400" b="1" dirty="0" err="1">
+                <a:solidFill>
+                  <a:schemeClr val="tx1"/>
+                </a:solidFill>
+                <a:latin typeface="Times New Roman" panose="02020603050405020304" pitchFamily="18" charset="0"/>
+                <a:cs typeface="Times New Roman" panose="02020603050405020304" pitchFamily="18" charset="0"/>
+              </a:rPr>
+              <a:t>Factory</a:t>
+            </a:r>
+            <a:r>
+              <a:rPr lang="pt-BR" sz="2400" b="1" dirty="0">
+                <a:solidFill>
+                  <a:schemeClr val="tx1"/>
+                </a:solidFill>
+                <a:latin typeface="Times New Roman" panose="02020603050405020304" pitchFamily="18" charset="0"/>
+                <a:cs typeface="Times New Roman" panose="02020603050405020304" pitchFamily="18" charset="0"/>
+              </a:rPr>
+              <a:t> I/O, TIA Portal</a:t>
+            </a:r>
+            <a:r>
+              <a:rPr lang="pt-BR" sz="2400" dirty="0">
+                <a:solidFill>
+                  <a:schemeClr val="tx1"/>
+                </a:solidFill>
+                <a:latin typeface="Times New Roman" panose="02020603050405020304" pitchFamily="18" charset="0"/>
+                <a:cs typeface="Times New Roman" panose="02020603050405020304" pitchFamily="18" charset="0"/>
+              </a:rPr>
+              <a:t>);</a:t>
+            </a:r>
+          </a:p>
+          <a:p>
+            <a:pPr marL="0" indent="0" algn="just">
+              <a:buNone/>
+            </a:pPr>
+            <a:endParaRPr lang="pt-BR" sz="2400" dirty="0">
+              <a:solidFill>
+                <a:schemeClr val="tx1"/>
+              </a:solidFill>
+              <a:latin typeface="Times New Roman" panose="02020603050405020304" pitchFamily="18" charset="0"/>
+              <a:cs typeface="Times New Roman" panose="02020603050405020304" pitchFamily="18" charset="0"/>
+            </a:endParaRPr>
+          </a:p>
+          <a:p>
+            <a:pPr algn="just"/>
+            <a:r>
+              <a:rPr lang="pt-BR" sz="2400" dirty="0">
+                <a:solidFill>
+                  <a:schemeClr val="tx1"/>
+                </a:solidFill>
+                <a:latin typeface="Times New Roman" panose="02020603050405020304" pitchFamily="18" charset="0"/>
+                <a:cs typeface="Times New Roman" panose="02020603050405020304" pitchFamily="18" charset="0"/>
+              </a:rPr>
+              <a:t>Criar um programa simples em </a:t>
+            </a:r>
+            <a:r>
+              <a:rPr lang="pt-BR" sz="2400" b="1" dirty="0" err="1">
+                <a:solidFill>
+                  <a:schemeClr val="tx1"/>
+                </a:solidFill>
+                <a:latin typeface="Times New Roman" panose="02020603050405020304" pitchFamily="18" charset="0"/>
+                <a:cs typeface="Times New Roman" panose="02020603050405020304" pitchFamily="18" charset="0"/>
+              </a:rPr>
+              <a:t>Ladder</a:t>
+            </a:r>
+            <a:r>
+              <a:rPr lang="pt-BR" sz="2400" dirty="0">
+                <a:solidFill>
+                  <a:schemeClr val="tx1"/>
+                </a:solidFill>
+                <a:latin typeface="Times New Roman" panose="02020603050405020304" pitchFamily="18" charset="0"/>
+                <a:cs typeface="Times New Roman" panose="02020603050405020304" pitchFamily="18" charset="0"/>
+              </a:rPr>
+              <a:t> para acionar uma lâmpada comum botão.</a:t>
+            </a:r>
+          </a:p>
+        </p:txBody>
+      </p:sp>
+    </p:spTree>
+    <p:extLst>
+      <p:ext uri="{BB962C8B-B14F-4D97-AF65-F5344CB8AC3E}">
+        <p14:creationId xmlns:p14="http://schemas.microsoft.com/office/powerpoint/2010/main" val="789258403"/>
+      </p:ext>
+    </p:extLst>
+  </p:cSld>
+  <p:clrMapOvr>
+    <a:masterClrMapping/>
+  </p:clrMapOvr>
+  <p:transition spd="med"/>
+</p:sld>
+</file>
+
+<file path=ppt/slides/slide16.xml><?xml version="1.0" encoding="utf-8"?>
+<p:sld xmlns:a="http://schemas.openxmlformats.org/drawingml/2006/main" xmlns:r="http://schemas.openxmlformats.org/officeDocument/2006/relationships" xmlns:p="http://schemas.openxmlformats.org/presentationml/2006/main">
+  <p:cSld>
+    <p:spTree>
+      <p:nvGrpSpPr>
+        <p:cNvPr id="1" name=""/>
+        <p:cNvGrpSpPr/>
+        <p:nvPr/>
+      </p:nvGrpSpPr>
+      <p:grpSpPr>
+        <a:xfrm>
+          <a:off x="0" y="0"/>
+          <a:ext cx="0" cy="0"/>
+          <a:chOff x="0" y="0"/>
+          <a:chExt cx="0" cy="0"/>
+        </a:xfrm>
+      </p:grpSpPr>
+      <p:sp>
+        <p:nvSpPr>
+          <p:cNvPr id="6" name="Title 1"/>
+          <p:cNvSpPr>
+            <a:spLocks noGrp="1"/>
+          </p:cNvSpPr>
+          <p:nvPr>
+            <p:ph type="title"/>
+          </p:nvPr>
+        </p:nvSpPr>
+        <p:spPr>
+          <a:xfrm>
+            <a:off x="457200" y="205980"/>
+            <a:ext cx="8229600" cy="857251"/>
+          </a:xfrm>
+        </p:spPr>
+        <p:txBody>
+          <a:bodyPr>
+            <a:normAutofit/>
+          </a:bodyPr>
+          <a:lstStyle/>
+          <a:p>
+            <a:r>
+              <a:rPr lang="en-US" b="1" dirty="0" err="1">
+                <a:solidFill>
+                  <a:srgbClr val="0070C0"/>
+                </a:solidFill>
+              </a:rPr>
+              <a:t>Referências</a:t>
+            </a:r>
+            <a:r>
+              <a:rPr lang="en-US" b="1" dirty="0">
+                <a:solidFill>
+                  <a:srgbClr val="0070C0"/>
+                </a:solidFill>
+              </a:rPr>
+              <a:t> </a:t>
+            </a:r>
+            <a:r>
+              <a:rPr lang="en-US" b="1" dirty="0" err="1">
+                <a:solidFill>
+                  <a:srgbClr val="0070C0"/>
+                </a:solidFill>
+              </a:rPr>
+              <a:t>Bibliográficas</a:t>
+            </a:r>
+            <a:endParaRPr lang="en-US" b="1" dirty="0">
+              <a:solidFill>
+                <a:srgbClr val="0070C0"/>
+              </a:solidFill>
+            </a:endParaRPr>
+          </a:p>
+        </p:txBody>
+      </p:sp>
+      <p:sp>
+        <p:nvSpPr>
+          <p:cNvPr id="8" name="Text Placeholder 2"/>
+          <p:cNvSpPr>
+            <a:spLocks noGrp="1"/>
+          </p:cNvSpPr>
+          <p:nvPr>
+            <p:ph type="body" sz="half" idx="1"/>
+          </p:nvPr>
+        </p:nvSpPr>
+        <p:spPr>
+          <a:xfrm>
+            <a:off x="139472" y="1063230"/>
+            <a:ext cx="8865056" cy="3874289"/>
+          </a:xfrm>
+        </p:spPr>
+        <p:txBody>
+          <a:bodyPr>
+            <a:noAutofit/>
+          </a:bodyPr>
+          <a:lstStyle/>
+          <a:p>
+            <a:pPr marL="0" indent="0" algn="just">
+              <a:buNone/>
+            </a:pPr>
+            <a:r>
+              <a:rPr lang="pt-BR" sz="2400" dirty="0">
+                <a:latin typeface="Times New Roman" panose="02020603050405020304" pitchFamily="18" charset="0"/>
+                <a:cs typeface="Times New Roman" panose="02020603050405020304" pitchFamily="18" charset="0"/>
+              </a:rPr>
+              <a:t>[1] </a:t>
+            </a:r>
+            <a:r>
+              <a:rPr lang="pt-BR" sz="2400" b="1" dirty="0">
+                <a:solidFill>
+                  <a:srgbClr val="FF0000"/>
+                </a:solidFill>
+                <a:latin typeface="Times New Roman" panose="02020603050405020304" pitchFamily="18" charset="0"/>
+                <a:cs typeface="Times New Roman" panose="02020603050405020304" pitchFamily="18" charset="0"/>
+              </a:rPr>
+              <a:t>SOUZA, André Luiz de</a:t>
+            </a:r>
+            <a:r>
+              <a:rPr lang="pt-BR" sz="2400" dirty="0">
+                <a:latin typeface="Times New Roman" panose="02020603050405020304" pitchFamily="18" charset="0"/>
+                <a:cs typeface="Times New Roman" panose="02020603050405020304" pitchFamily="18" charset="0"/>
+              </a:rPr>
+              <a:t>. Automação industrial: sistemas de controle e supervisão em CLP. 2. ed. São Paulo: Editora </a:t>
+            </a:r>
+            <a:r>
+              <a:rPr lang="pt-BR" sz="2400" dirty="0" err="1">
+                <a:latin typeface="Times New Roman" panose="02020603050405020304" pitchFamily="18" charset="0"/>
+                <a:cs typeface="Times New Roman" panose="02020603050405020304" pitchFamily="18" charset="0"/>
+              </a:rPr>
+              <a:t>Blucher</a:t>
+            </a:r>
+            <a:r>
+              <a:rPr lang="pt-BR" sz="2400" dirty="0">
+                <a:latin typeface="Times New Roman" panose="02020603050405020304" pitchFamily="18" charset="0"/>
+                <a:cs typeface="Times New Roman" panose="02020603050405020304" pitchFamily="18" charset="0"/>
+              </a:rPr>
+              <a:t>, 2016.</a:t>
+            </a:r>
+            <a:endParaRPr lang="pt-BR" sz="2400" b="1" dirty="0">
+              <a:latin typeface="Times New Roman" panose="02020603050405020304" pitchFamily="18" charset="0"/>
+              <a:cs typeface="Times New Roman" panose="02020603050405020304" pitchFamily="18" charset="0"/>
+            </a:endParaRPr>
+          </a:p>
+          <a:p>
+            <a:pPr marL="0" indent="0" algn="just">
+              <a:buNone/>
+            </a:pPr>
+            <a:endParaRPr lang="en-US" sz="2400" dirty="0">
+              <a:latin typeface="Times New Roman" panose="02020603050405020304" pitchFamily="18" charset="0"/>
+              <a:cs typeface="Times New Roman" panose="02020603050405020304" pitchFamily="18" charset="0"/>
+            </a:endParaRPr>
+          </a:p>
+          <a:p>
+            <a:pPr marL="0" indent="0" algn="just">
+              <a:buNone/>
+            </a:pPr>
+            <a:endParaRPr lang="en-US" sz="2400" dirty="0">
+              <a:latin typeface="Times New Roman" panose="02020603050405020304" pitchFamily="18" charset="0"/>
+              <a:cs typeface="Times New Roman" panose="02020603050405020304" pitchFamily="18" charset="0"/>
+            </a:endParaRPr>
+          </a:p>
+          <a:p>
+            <a:pPr marL="0" indent="0" algn="just">
+              <a:buNone/>
+            </a:pPr>
+            <a:endParaRPr lang="en-US" sz="2400" dirty="0">
+              <a:latin typeface="Times New Roman" panose="02020603050405020304" pitchFamily="18" charset="0"/>
+              <a:cs typeface="Times New Roman" panose="02020603050405020304" pitchFamily="18" charset="0"/>
+            </a:endParaRPr>
+          </a:p>
+          <a:p>
+            <a:pPr marL="0" indent="0" algn="just">
+              <a:buNone/>
+            </a:pPr>
+            <a:r>
+              <a:rPr lang="pt-BR" sz="2400" dirty="0">
+                <a:latin typeface="Times New Roman" panose="02020603050405020304" pitchFamily="18" charset="0"/>
+                <a:cs typeface="Times New Roman" panose="02020603050405020304" pitchFamily="18" charset="0"/>
+              </a:rPr>
+              <a:t>[2] </a:t>
+            </a:r>
+            <a:r>
+              <a:rPr lang="pt-BR" sz="2400" b="1" dirty="0">
+                <a:solidFill>
+                  <a:srgbClr val="FF0000"/>
+                </a:solidFill>
+                <a:latin typeface="Times New Roman" panose="02020603050405020304" pitchFamily="18" charset="0"/>
+                <a:cs typeface="Times New Roman" panose="02020603050405020304" pitchFamily="18" charset="0"/>
+              </a:rPr>
+              <a:t>ALMEIDA, Rodrigo de. </a:t>
+            </a:r>
+            <a:r>
+              <a:rPr lang="pt-BR" sz="2400" dirty="0">
+                <a:latin typeface="Times New Roman" panose="02020603050405020304" pitchFamily="18" charset="0"/>
+                <a:cs typeface="Times New Roman" panose="02020603050405020304" pitchFamily="18" charset="0"/>
+              </a:rPr>
+              <a:t>Controle e automação: sistemas supervisórios e </a:t>
+            </a:r>
+            <a:r>
+              <a:rPr lang="pt-BR" sz="2400" dirty="0" err="1">
+                <a:latin typeface="Times New Roman" panose="02020603050405020304" pitchFamily="18" charset="0"/>
+                <a:cs typeface="Times New Roman" panose="02020603050405020304" pitchFamily="18" charset="0"/>
+              </a:rPr>
+              <a:t>CLP's</a:t>
+            </a:r>
+            <a:r>
+              <a:rPr lang="pt-BR" sz="2400" dirty="0">
+                <a:latin typeface="Times New Roman" panose="02020603050405020304" pitchFamily="18" charset="0"/>
+                <a:cs typeface="Times New Roman" panose="02020603050405020304" pitchFamily="18" charset="0"/>
+              </a:rPr>
+              <a:t>. Rio de Janeiro: LTC, 2018.</a:t>
+            </a:r>
+            <a:endParaRPr lang="pt-BR" sz="2400" b="1" dirty="0">
+              <a:latin typeface="Times New Roman" panose="02020603050405020304" pitchFamily="18" charset="0"/>
+              <a:cs typeface="Times New Roman" panose="02020603050405020304" pitchFamily="18" charset="0"/>
+            </a:endParaRPr>
+          </a:p>
+        </p:txBody>
+      </p:sp>
+    </p:spTree>
+    <p:extLst>
+      <p:ext uri="{BB962C8B-B14F-4D97-AF65-F5344CB8AC3E}">
+        <p14:creationId xmlns:p14="http://schemas.microsoft.com/office/powerpoint/2010/main" val="1115311843"/>
+      </p:ext>
+    </p:extLst>
+  </p:cSld>
+  <p:clrMapOvr>
+    <a:masterClrMapping/>
+  </p:clrMapOvr>
+  <p:transition spd="med"/>
+</p:sld>
+</file>
+
+<file path=ppt/slides/slide17.xml><?xml version="1.0" encoding="utf-8"?>
+<p:sld xmlns:a="http://schemas.openxmlformats.org/drawingml/2006/main" xmlns:r="http://schemas.openxmlformats.org/officeDocument/2006/relationships" xmlns:p="http://schemas.openxmlformats.org/presentationml/2006/main">
+  <p:cSld>
+    <p:spTree>
+      <p:nvGrpSpPr>
+        <p:cNvPr id="1" name=""/>
+        <p:cNvGrpSpPr/>
+        <p:nvPr/>
+      </p:nvGrpSpPr>
+      <p:grpSpPr>
+        <a:xfrm>
+          <a:off x="0" y="0"/>
+          <a:ext cx="0" cy="0"/>
+          <a:chOff x="0" y="0"/>
+          <a:chExt cx="0" cy="0"/>
+        </a:xfrm>
+      </p:grpSpPr>
+      <p:pic>
+        <p:nvPicPr>
+          <p:cNvPr id="112" name="Picture 6" descr="Picture 6"/>
+          <p:cNvPicPr>
+            <a:picLocks noChangeAspect="1"/>
+          </p:cNvPicPr>
+          <p:nvPr/>
+        </p:nvPicPr>
+        <p:blipFill>
+          <a:blip r:embed="rId2"/>
+          <a:stretch>
+            <a:fillRect/>
+          </a:stretch>
+        </p:blipFill>
+        <p:spPr>
+          <a:xfrm>
+            <a:off x="0" y="0"/>
+            <a:ext cx="9144000" cy="5143500"/>
+          </a:xfrm>
+          <a:prstGeom prst="rect">
+            <a:avLst/>
+          </a:prstGeom>
+          <a:ln w="12700">
+            <a:miter lim="400000"/>
+            <a:headEnd/>
+            <a:tailEnd/>
+          </a:ln>
+        </p:spPr>
+      </p:pic>
+      <p:pic>
+        <p:nvPicPr>
+          <p:cNvPr id="114" name="Picture 5" descr="Picture 5"/>
+          <p:cNvPicPr>
+            <a:picLocks noChangeAspect="1"/>
+          </p:cNvPicPr>
+          <p:nvPr/>
+        </p:nvPicPr>
+        <p:blipFill>
+          <a:blip r:embed="rId3"/>
+          <a:stretch>
+            <a:fillRect/>
+          </a:stretch>
+        </p:blipFill>
+        <p:spPr>
+          <a:xfrm>
+            <a:off x="469900" y="0"/>
+            <a:ext cx="4391984" cy="171450"/>
+          </a:xfrm>
+          <a:prstGeom prst="rect">
+            <a:avLst/>
+          </a:prstGeom>
+          <a:ln w="12700">
+            <a:miter lim="400000"/>
+            <a:headEnd/>
+            <a:tailEnd/>
+          </a:ln>
+        </p:spPr>
+      </p:pic>
+      <p:sp>
+        <p:nvSpPr>
+          <p:cNvPr id="3" name="Título 2"/>
+          <p:cNvSpPr>
+            <a:spLocks noGrp="1"/>
+          </p:cNvSpPr>
+          <p:nvPr>
+            <p:ph type="title"/>
+          </p:nvPr>
+        </p:nvSpPr>
+        <p:spPr>
+          <a:xfrm>
+            <a:off x="285751" y="2386770"/>
+            <a:ext cx="8615364" cy="1102519"/>
+          </a:xfrm>
+        </p:spPr>
+        <p:txBody>
+          <a:bodyPr>
+            <a:noAutofit/>
+          </a:bodyPr>
+          <a:lstStyle/>
+          <a:p>
+            <a:r>
+              <a:rPr lang="pt-BR" sz="4800" b="1" dirty="0">
+                <a:solidFill>
+                  <a:schemeClr val="bg1"/>
+                </a:solidFill>
+              </a:rPr>
+              <a:t>Controladores Lógicos e Programáveis (CLP)</a:t>
+            </a:r>
+          </a:p>
+        </p:txBody>
+      </p:sp>
+      <p:sp>
+        <p:nvSpPr>
+          <p:cNvPr id="6" name="Título 2"/>
+          <p:cNvSpPr txBox="1"/>
+          <p:nvPr/>
+        </p:nvSpPr>
+        <p:spPr>
+          <a:xfrm>
+            <a:off x="975683" y="3866663"/>
+            <a:ext cx="7772400" cy="1102519"/>
+          </a:xfrm>
+          <a:prstGeom prst="rect">
+            <a:avLst/>
+          </a:prstGeom>
+          <a:ln w="12700">
+            <a:miter lim="400000"/>
+          </a:ln>
+        </p:spPr>
+        <p:txBody>
+          <a:bodyPr lIns="45718" tIns="45718" rIns="45718" bIns="45718" anchor="ctr">
+            <a:noAutofit/>
+          </a:bodyPr>
+          <a:lstStyle>
+            <a:lvl1pPr marL="0" marR="0" indent="0" algn="ctr" defTabSz="457200" rtl="0" latinLnBrk="0">
+              <a:lnSpc>
+                <a:spcPct val="100000"/>
+              </a:lnSpc>
+              <a:spcBef>
+                <a:spcPts val="0"/>
+              </a:spcBef>
+              <a:spcAft>
+                <a:spcPts val="0"/>
+              </a:spcAft>
+              <a:buClrTx/>
+              <a:buSzTx/>
+              <a:buFontTx/>
+              <a:buNone/>
+              <a:defRPr sz="4400" b="0" i="0" u="none" strike="noStrike" cap="none" spc="0" baseline="0">
+                <a:ln>
+                  <a:noFill/>
+                </a:ln>
+                <a:solidFill>
+                  <a:srgbClr val="000000"/>
+                </a:solidFill>
+                <a:uFillTx/>
+                <a:latin typeface="+mj-lt"/>
+                <a:ea typeface="+mj-ea"/>
+                <a:cs typeface="+mj-cs"/>
+                <a:sym typeface="Calibri"/>
+              </a:defRPr>
+            </a:lvl1pPr>
+            <a:lvl2pPr marL="0" marR="0" indent="0" algn="ctr" defTabSz="457200" rtl="0" latinLnBrk="0">
+              <a:lnSpc>
+                <a:spcPct val="100000"/>
+              </a:lnSpc>
+              <a:spcBef>
+                <a:spcPts val="0"/>
+              </a:spcBef>
+              <a:spcAft>
+                <a:spcPts val="0"/>
+              </a:spcAft>
+              <a:buClrTx/>
+              <a:buSzTx/>
+              <a:buFontTx/>
+              <a:buNone/>
+              <a:defRPr sz="4400" b="0" i="0" u="none" strike="noStrike" cap="none" spc="0" baseline="0">
+                <a:ln>
+                  <a:noFill/>
+                </a:ln>
+                <a:solidFill>
+                  <a:srgbClr val="000000"/>
+                </a:solidFill>
+                <a:uFillTx/>
+                <a:latin typeface="+mj-lt"/>
+                <a:ea typeface="+mj-ea"/>
+                <a:cs typeface="+mj-cs"/>
+                <a:sym typeface="Calibri"/>
+              </a:defRPr>
+            </a:lvl2pPr>
+            <a:lvl3pPr marL="0" marR="0" indent="0" algn="ctr" defTabSz="457200" rtl="0" latinLnBrk="0">
+              <a:lnSpc>
+                <a:spcPct val="100000"/>
+              </a:lnSpc>
+              <a:spcBef>
+                <a:spcPts val="0"/>
+              </a:spcBef>
+              <a:spcAft>
+                <a:spcPts val="0"/>
+              </a:spcAft>
+              <a:buClrTx/>
+              <a:buSzTx/>
+              <a:buFontTx/>
+              <a:buNone/>
+              <a:defRPr sz="4400" b="0" i="0" u="none" strike="noStrike" cap="none" spc="0" baseline="0">
+                <a:ln>
+                  <a:noFill/>
+                </a:ln>
+                <a:solidFill>
+                  <a:srgbClr val="000000"/>
+                </a:solidFill>
+                <a:uFillTx/>
+                <a:latin typeface="+mj-lt"/>
+                <a:ea typeface="+mj-ea"/>
+                <a:cs typeface="+mj-cs"/>
+                <a:sym typeface="Calibri"/>
+              </a:defRPr>
+            </a:lvl3pPr>
+            <a:lvl4pPr marL="0" marR="0" indent="0" algn="ctr" defTabSz="457200" rtl="0" latinLnBrk="0">
+              <a:lnSpc>
+                <a:spcPct val="100000"/>
+              </a:lnSpc>
+              <a:spcBef>
+                <a:spcPts val="0"/>
+              </a:spcBef>
+              <a:spcAft>
+                <a:spcPts val="0"/>
+              </a:spcAft>
+              <a:buClrTx/>
+              <a:buSzTx/>
+              <a:buFontTx/>
+              <a:buNone/>
+              <a:defRPr sz="4400" b="0" i="0" u="none" strike="noStrike" cap="none" spc="0" baseline="0">
+                <a:ln>
+                  <a:noFill/>
+                </a:ln>
+                <a:solidFill>
+                  <a:srgbClr val="000000"/>
+                </a:solidFill>
+                <a:uFillTx/>
+                <a:latin typeface="+mj-lt"/>
+                <a:ea typeface="+mj-ea"/>
+                <a:cs typeface="+mj-cs"/>
+                <a:sym typeface="Calibri"/>
+              </a:defRPr>
+            </a:lvl4pPr>
+            <a:lvl5pPr marL="0" marR="0" indent="0" algn="ctr" defTabSz="457200" rtl="0" latinLnBrk="0">
+              <a:lnSpc>
+                <a:spcPct val="100000"/>
+              </a:lnSpc>
+              <a:spcBef>
+                <a:spcPts val="0"/>
+              </a:spcBef>
+              <a:spcAft>
+                <a:spcPts val="0"/>
+              </a:spcAft>
+              <a:buClrTx/>
+              <a:buSzTx/>
+              <a:buFontTx/>
+              <a:buNone/>
+              <a:defRPr sz="4400" b="0" i="0" u="none" strike="noStrike" cap="none" spc="0" baseline="0">
+                <a:ln>
+                  <a:noFill/>
+                </a:ln>
+                <a:solidFill>
+                  <a:srgbClr val="000000"/>
+                </a:solidFill>
+                <a:uFillTx/>
+                <a:latin typeface="+mj-lt"/>
+                <a:ea typeface="+mj-ea"/>
+                <a:cs typeface="+mj-cs"/>
+                <a:sym typeface="Calibri"/>
+              </a:defRPr>
+            </a:lvl5pPr>
+            <a:lvl6pPr marL="0" marR="0" indent="0" algn="ctr" defTabSz="457200" rtl="0" latinLnBrk="0">
+              <a:lnSpc>
+                <a:spcPct val="100000"/>
+              </a:lnSpc>
+              <a:spcBef>
+                <a:spcPts val="0"/>
+              </a:spcBef>
+              <a:spcAft>
+                <a:spcPts val="0"/>
+              </a:spcAft>
+              <a:buClrTx/>
+              <a:buSzTx/>
+              <a:buFontTx/>
+              <a:buNone/>
+              <a:defRPr sz="4400" b="0" i="0" u="none" strike="noStrike" cap="none" spc="0" baseline="0">
+                <a:ln>
+                  <a:noFill/>
+                </a:ln>
+                <a:solidFill>
+                  <a:srgbClr val="000000"/>
+                </a:solidFill>
+                <a:uFillTx/>
+                <a:latin typeface="+mj-lt"/>
+                <a:ea typeface="+mj-ea"/>
+                <a:cs typeface="+mj-cs"/>
+                <a:sym typeface="Calibri"/>
+              </a:defRPr>
+            </a:lvl6pPr>
+            <a:lvl7pPr marL="0" marR="0" indent="0" algn="ctr" defTabSz="457200" rtl="0" latinLnBrk="0">
+              <a:lnSpc>
+                <a:spcPct val="100000"/>
+              </a:lnSpc>
+              <a:spcBef>
+                <a:spcPts val="0"/>
+              </a:spcBef>
+              <a:spcAft>
+                <a:spcPts val="0"/>
+              </a:spcAft>
+              <a:buClrTx/>
+              <a:buSzTx/>
+              <a:buFontTx/>
+              <a:buNone/>
+              <a:defRPr sz="4400" b="0" i="0" u="none" strike="noStrike" cap="none" spc="0" baseline="0">
+                <a:ln>
+                  <a:noFill/>
+                </a:ln>
+                <a:solidFill>
+                  <a:srgbClr val="000000"/>
+                </a:solidFill>
+                <a:uFillTx/>
+                <a:latin typeface="+mj-lt"/>
+                <a:ea typeface="+mj-ea"/>
+                <a:cs typeface="+mj-cs"/>
+                <a:sym typeface="Calibri"/>
+              </a:defRPr>
+            </a:lvl7pPr>
+            <a:lvl8pPr marL="0" marR="0" indent="0" algn="ctr" defTabSz="457200" rtl="0" latinLnBrk="0">
+              <a:lnSpc>
+                <a:spcPct val="100000"/>
+              </a:lnSpc>
+              <a:spcBef>
+                <a:spcPts val="0"/>
+              </a:spcBef>
+              <a:spcAft>
+                <a:spcPts val="0"/>
+              </a:spcAft>
+              <a:buClrTx/>
+              <a:buSzTx/>
+              <a:buFontTx/>
+              <a:buNone/>
+              <a:defRPr sz="4400" b="0" i="0" u="none" strike="noStrike" cap="none" spc="0" baseline="0">
+                <a:ln>
+                  <a:noFill/>
+                </a:ln>
+                <a:solidFill>
+                  <a:srgbClr val="000000"/>
+                </a:solidFill>
+                <a:uFillTx/>
+                <a:latin typeface="+mj-lt"/>
+                <a:ea typeface="+mj-ea"/>
+                <a:cs typeface="+mj-cs"/>
+                <a:sym typeface="Calibri"/>
+              </a:defRPr>
+            </a:lvl8pPr>
+            <a:lvl9pPr marL="0" marR="0" indent="0" algn="ctr" defTabSz="457200" rtl="0" latinLnBrk="0">
+              <a:lnSpc>
+                <a:spcPct val="100000"/>
+              </a:lnSpc>
+              <a:spcBef>
+                <a:spcPts val="0"/>
+              </a:spcBef>
+              <a:spcAft>
+                <a:spcPts val="0"/>
+              </a:spcAft>
+              <a:buClrTx/>
+              <a:buSzTx/>
+              <a:buFontTx/>
+              <a:buNone/>
+              <a:defRPr sz="4400" b="0" i="0" u="none" strike="noStrike" cap="none" spc="0" baseline="0">
+                <a:ln>
+                  <a:noFill/>
+                </a:ln>
+                <a:solidFill>
+                  <a:srgbClr val="000000"/>
+                </a:solidFill>
+                <a:uFillTx/>
+                <a:latin typeface="+mj-lt"/>
+                <a:ea typeface="+mj-ea"/>
+                <a:cs typeface="+mj-cs"/>
+                <a:sym typeface="Calibri"/>
+              </a:defRPr>
+            </a:lvl9pPr>
+          </a:lstStyle>
+          <a:p>
+            <a:pPr algn="r" hangingPunct="1"/>
+            <a:r>
+              <a:rPr lang="pt-BR" sz="2000" b="1" dirty="0">
+                <a:solidFill>
+                  <a:schemeClr val="bg1"/>
+                </a:solidFill>
+              </a:rPr>
+              <a:t>Professor </a:t>
+            </a:r>
+            <a:r>
+              <a:rPr lang="pt-BR" sz="2000" b="1">
+                <a:solidFill>
+                  <a:schemeClr val="bg1"/>
+                </a:solidFill>
+              </a:rPr>
+              <a:t>M.Sc</a:t>
+            </a:r>
+            <a:r>
+              <a:rPr lang="pt-BR" sz="2000" b="1" dirty="0">
+                <a:solidFill>
+                  <a:schemeClr val="bg1"/>
+                </a:solidFill>
+              </a:rPr>
+              <a:t>. Heleno Cardoso</a:t>
+            </a:r>
+          </a:p>
+        </p:txBody>
+      </p:sp>
+      <p:pic>
+        <p:nvPicPr>
+          <p:cNvPr id="2" name="Google Shape;62;p1" descr="Imagem">
+            <a:extLst>
+              <a:ext uri="{FF2B5EF4-FFF2-40B4-BE49-F238E27FC236}">
+                <a16:creationId xmlns:a16="http://schemas.microsoft.com/office/drawing/2014/main" id="{9C895622-2963-024D-634E-EA58F5381D06}"/>
+              </a:ext>
+            </a:extLst>
+          </p:cNvPr>
+          <p:cNvPicPr preferRelativeResize="0"/>
+          <p:nvPr/>
+        </p:nvPicPr>
+        <p:blipFill rotWithShape="1">
+          <a:blip r:embed="rId4">
+            <a:alphaModFix/>
+          </a:blip>
+          <a:srcRect/>
+          <a:stretch/>
+        </p:blipFill>
+        <p:spPr>
+          <a:xfrm>
+            <a:off x="469898" y="343798"/>
+            <a:ext cx="2858518" cy="1338697"/>
+          </a:xfrm>
+          <a:prstGeom prst="rect">
+            <a:avLst/>
+          </a:prstGeom>
+          <a:noFill/>
+          <a:ln>
+            <a:noFill/>
+          </a:ln>
+        </p:spPr>
+      </p:pic>
+    </p:spTree>
+  </p:cSld>
+  <p:clrMapOvr>
+    <a:masterClrMapping/>
+  </p:clrMapOvr>
+  <p:transition spd="med"/>
+</p:sld>
+</file>
+
 <file path=ppt/slides/slide2.xml><?xml version="1.0" encoding="utf-8"?>
 <p:sld xmlns:a="http://schemas.openxmlformats.org/drawingml/2006/main" xmlns:r="http://schemas.openxmlformats.org/officeDocument/2006/relationships" xmlns:p="http://schemas.openxmlformats.org/presentationml/2006/main">
   <p:cSld>
@@ -3991,7 +6829,7 @@
                   <a:schemeClr val="bg1"/>
                 </a:solidFill>
               </a:rPr>
-              <a:t>	CLP – Sistemas Supervisórios</a:t>
+              <a:t>	CLP – Sistemas Supervisórios Automatizando e Monitorando Processos Industriais</a:t>
             </a:r>
           </a:p>
         </p:txBody>
@@ -4454,7 +7292,133 @@
                 <a:latin typeface="Times New Roman" panose="02020603050405020304" pitchFamily="18" charset="0"/>
                 <a:cs typeface="Times New Roman" panose="02020603050405020304" pitchFamily="18" charset="0"/>
               </a:rPr>
-              <a:t>....</a:t>
+              <a:t>	É um sistema que monitora e controla um processo industrial, utilizando </a:t>
+            </a:r>
+            <a:r>
+              <a:rPr lang="pt-BR" sz="2200" dirty="0" err="1">
+                <a:latin typeface="Times New Roman" panose="02020603050405020304" pitchFamily="18" charset="0"/>
+                <a:cs typeface="Times New Roman" panose="02020603050405020304" pitchFamily="18" charset="0"/>
+              </a:rPr>
+              <a:t>CLPs</a:t>
+            </a:r>
+            <a:r>
+              <a:rPr lang="pt-BR" sz="2200" dirty="0">
+                <a:latin typeface="Times New Roman" panose="02020603050405020304" pitchFamily="18" charset="0"/>
+                <a:cs typeface="Times New Roman" panose="02020603050405020304" pitchFamily="18" charset="0"/>
+              </a:rPr>
+              <a:t> como componentes físicos principais. </a:t>
+            </a:r>
+          </a:p>
+          <a:p>
+            <a:pPr marL="0" indent="0" algn="just">
+              <a:buNone/>
+            </a:pPr>
+            <a:endParaRPr lang="pt-BR" sz="2200" dirty="0">
+              <a:latin typeface="Times New Roman" panose="02020603050405020304" pitchFamily="18" charset="0"/>
+              <a:cs typeface="Times New Roman" panose="02020603050405020304" pitchFamily="18" charset="0"/>
+            </a:endParaRPr>
+          </a:p>
+          <a:p>
+            <a:pPr marL="0" indent="0" algn="just">
+              <a:buNone/>
+            </a:pPr>
+            <a:r>
+              <a:rPr lang="pt-BR" sz="2200" dirty="0">
+                <a:latin typeface="Times New Roman" panose="02020603050405020304" pitchFamily="18" charset="0"/>
+                <a:cs typeface="Times New Roman" panose="02020603050405020304" pitchFamily="18" charset="0"/>
+              </a:rPr>
+              <a:t>	Como exemplo, temos o </a:t>
+            </a:r>
+            <a:r>
+              <a:rPr lang="pt-BR" sz="2200" b="1" dirty="0">
+                <a:latin typeface="Times New Roman" panose="02020603050405020304" pitchFamily="18" charset="0"/>
+                <a:cs typeface="Times New Roman" panose="02020603050405020304" pitchFamily="18" charset="0"/>
+              </a:rPr>
+              <a:t>SCADA</a:t>
+            </a:r>
+            <a:r>
+              <a:rPr lang="pt-BR" sz="2200" dirty="0">
+                <a:latin typeface="Times New Roman" panose="02020603050405020304" pitchFamily="18" charset="0"/>
+                <a:cs typeface="Times New Roman" panose="02020603050405020304" pitchFamily="18" charset="0"/>
+              </a:rPr>
+              <a:t> (</a:t>
+            </a:r>
+            <a:r>
+              <a:rPr lang="pt-BR" sz="2200" b="1" dirty="0" err="1">
+                <a:solidFill>
+                  <a:srgbClr val="FF0000"/>
+                </a:solidFill>
+                <a:latin typeface="Times New Roman" panose="02020603050405020304" pitchFamily="18" charset="0"/>
+                <a:cs typeface="Times New Roman" panose="02020603050405020304" pitchFamily="18" charset="0"/>
+              </a:rPr>
+              <a:t>Supervisory</a:t>
+            </a:r>
+            <a:r>
+              <a:rPr lang="pt-BR" sz="2200" b="1" dirty="0">
+                <a:solidFill>
+                  <a:srgbClr val="FF0000"/>
+                </a:solidFill>
+                <a:latin typeface="Times New Roman" panose="02020603050405020304" pitchFamily="18" charset="0"/>
+                <a:cs typeface="Times New Roman" panose="02020603050405020304" pitchFamily="18" charset="0"/>
+              </a:rPr>
+              <a:t> </a:t>
+            </a:r>
+            <a:r>
+              <a:rPr lang="pt-BR" sz="2200" b="1" dirty="0" err="1">
+                <a:solidFill>
+                  <a:srgbClr val="FF0000"/>
+                </a:solidFill>
+                <a:latin typeface="Times New Roman" panose="02020603050405020304" pitchFamily="18" charset="0"/>
+                <a:cs typeface="Times New Roman" panose="02020603050405020304" pitchFamily="18" charset="0"/>
+              </a:rPr>
+              <a:t>Control</a:t>
+            </a:r>
+            <a:r>
+              <a:rPr lang="pt-BR" sz="2200" b="1" dirty="0">
+                <a:solidFill>
+                  <a:srgbClr val="FF0000"/>
+                </a:solidFill>
+                <a:latin typeface="Times New Roman" panose="02020603050405020304" pitchFamily="18" charset="0"/>
+                <a:cs typeface="Times New Roman" panose="02020603050405020304" pitchFamily="18" charset="0"/>
+              </a:rPr>
+              <a:t> </a:t>
+            </a:r>
+            <a:r>
+              <a:rPr lang="pt-BR" sz="2200" b="1" dirty="0" err="1">
+                <a:solidFill>
+                  <a:srgbClr val="FF0000"/>
+                </a:solidFill>
+                <a:latin typeface="Times New Roman" panose="02020603050405020304" pitchFamily="18" charset="0"/>
+                <a:cs typeface="Times New Roman" panose="02020603050405020304" pitchFamily="18" charset="0"/>
+              </a:rPr>
+              <a:t>and</a:t>
+            </a:r>
+            <a:r>
+              <a:rPr lang="pt-BR" sz="2200" b="1" dirty="0">
+                <a:solidFill>
+                  <a:srgbClr val="FF0000"/>
+                </a:solidFill>
+                <a:latin typeface="Times New Roman" panose="02020603050405020304" pitchFamily="18" charset="0"/>
+                <a:cs typeface="Times New Roman" panose="02020603050405020304" pitchFamily="18" charset="0"/>
+              </a:rPr>
+              <a:t> Data </a:t>
+            </a:r>
+            <a:r>
+              <a:rPr lang="pt-BR" sz="2200" b="1" dirty="0" err="1">
+                <a:solidFill>
+                  <a:srgbClr val="FF0000"/>
+                </a:solidFill>
+                <a:latin typeface="Times New Roman" panose="02020603050405020304" pitchFamily="18" charset="0"/>
+                <a:cs typeface="Times New Roman" panose="02020603050405020304" pitchFamily="18" charset="0"/>
+              </a:rPr>
+              <a:t>Acquisition</a:t>
+            </a:r>
+            <a:r>
+              <a:rPr lang="pt-BR" sz="2200" dirty="0">
+                <a:latin typeface="Times New Roman" panose="02020603050405020304" pitchFamily="18" charset="0"/>
+                <a:cs typeface="Times New Roman" panose="02020603050405020304" pitchFamily="18" charset="0"/>
+              </a:rPr>
+              <a:t>) que é um software que faz a coleta, armazenamento e exibição de dados em tempo real do processo, permitindo aos operadores monitorar e interagir com o sistema.</a:t>
             </a:r>
           </a:p>
         </p:txBody>
@@ -4478,461 +7442,10 @@
   <p:cSld>
     <p:spTree>
       <p:nvGrpSpPr>
-        <p:cNvPr id="1" name=""/>
-        <p:cNvGrpSpPr/>
-        <p:nvPr/>
-      </p:nvGrpSpPr>
-      <p:grpSpPr>
-        <a:xfrm>
-          <a:off x="0" y="0"/>
-          <a:ext cx="0" cy="0"/>
-          <a:chOff x="0" y="0"/>
-          <a:chExt cx="0" cy="0"/>
-        </a:xfrm>
-      </p:grpSpPr>
-      <p:sp>
-        <p:nvSpPr>
-          <p:cNvPr id="6" name="Title 1"/>
-          <p:cNvSpPr>
-            <a:spLocks noGrp="1"/>
-          </p:cNvSpPr>
-          <p:nvPr>
-            <p:ph type="title"/>
-          </p:nvPr>
-        </p:nvSpPr>
-        <p:spPr>
-          <a:xfrm>
-            <a:off x="457200" y="205980"/>
-            <a:ext cx="8229600" cy="857251"/>
-          </a:xfrm>
-        </p:spPr>
-        <p:txBody>
-          <a:bodyPr>
-            <a:normAutofit/>
-          </a:bodyPr>
-          <a:lstStyle/>
-          <a:p>
-            <a:r>
-              <a:rPr lang="en-US" b="1" dirty="0" err="1">
-                <a:solidFill>
-                  <a:srgbClr val="0070C0"/>
-                </a:solidFill>
-              </a:rPr>
-              <a:t>Leitura</a:t>
-            </a:r>
-            <a:r>
-              <a:rPr lang="en-US" b="1" dirty="0">
-                <a:solidFill>
-                  <a:srgbClr val="0070C0"/>
-                </a:solidFill>
-              </a:rPr>
-              <a:t> </a:t>
-            </a:r>
-            <a:r>
-              <a:rPr lang="en-US" b="1" dirty="0" err="1">
-                <a:solidFill>
-                  <a:srgbClr val="0070C0"/>
-                </a:solidFill>
-              </a:rPr>
-              <a:t>Específica</a:t>
-            </a:r>
-            <a:endParaRPr lang="en-US" b="1" dirty="0">
-              <a:solidFill>
-                <a:srgbClr val="0070C0"/>
-              </a:solidFill>
-            </a:endParaRPr>
-          </a:p>
-        </p:txBody>
-      </p:sp>
-      <p:sp>
-        <p:nvSpPr>
-          <p:cNvPr id="8" name="Text Placeholder 2"/>
-          <p:cNvSpPr>
-            <a:spLocks noGrp="1"/>
-          </p:cNvSpPr>
-          <p:nvPr>
-            <p:ph type="body" sz="half" idx="1"/>
-          </p:nvPr>
-        </p:nvSpPr>
-        <p:spPr>
-          <a:xfrm>
-            <a:off x="142865" y="1200150"/>
-            <a:ext cx="8865056" cy="3737369"/>
-          </a:xfrm>
-        </p:spPr>
-        <p:txBody>
-          <a:bodyPr>
-            <a:noAutofit/>
-          </a:bodyPr>
-          <a:lstStyle/>
-          <a:p>
-            <a:pPr marL="0" indent="0" algn="just">
-              <a:buNone/>
-            </a:pPr>
-            <a:r>
-              <a:rPr lang="pt-BR" sz="2200" dirty="0">
-                <a:latin typeface="Times New Roman" panose="02020603050405020304" pitchFamily="18" charset="0"/>
-                <a:cs typeface="Times New Roman" panose="02020603050405020304" pitchFamily="18" charset="0"/>
-              </a:rPr>
-              <a:t>[1] </a:t>
-            </a:r>
-            <a:r>
-              <a:rPr lang="pt-BR" sz="2200" b="1" dirty="0">
-                <a:latin typeface="Times New Roman" panose="02020603050405020304" pitchFamily="18" charset="0"/>
-                <a:cs typeface="Times New Roman" panose="02020603050405020304" pitchFamily="18" charset="0"/>
-              </a:rPr>
-              <a:t>CLP Sistemas Supervisórios 1</a:t>
-            </a:r>
-            <a:r>
-              <a:rPr lang="pt-BR" sz="2200" dirty="0">
-                <a:latin typeface="Times New Roman" panose="02020603050405020304" pitchFamily="18" charset="0"/>
-                <a:cs typeface="Times New Roman" panose="02020603050405020304" pitchFamily="18" charset="0"/>
-              </a:rPr>
-              <a:t>.</a:t>
-            </a:r>
-          </a:p>
-          <a:p>
-            <a:pPr marL="0" indent="0" algn="just">
-              <a:buNone/>
-            </a:pPr>
-            <a:r>
-              <a:rPr lang="pt-BR" sz="2200" b="1" dirty="0">
-                <a:solidFill>
-                  <a:srgbClr val="FF0000"/>
-                </a:solidFill>
-                <a:latin typeface="Times New Roman" panose="02020603050405020304" pitchFamily="18" charset="0"/>
-                <a:cs typeface="Times New Roman" panose="02020603050405020304" pitchFamily="18" charset="0"/>
-              </a:rPr>
-              <a:t>Disponível em: </a:t>
-            </a:r>
-            <a:r>
-              <a:rPr lang="pt-BR" sz="2200" dirty="0">
-                <a:solidFill>
-                  <a:srgbClr val="FF0000"/>
-                </a:solidFill>
-                <a:latin typeface="Times New Roman" panose="02020603050405020304" pitchFamily="18" charset="0"/>
-                <a:cs typeface="Times New Roman" panose="02020603050405020304" pitchFamily="18" charset="0"/>
-                <a:hlinkClick r:id="rId3"/>
-              </a:rPr>
-              <a:t>h</a:t>
-            </a:r>
-            <a:endParaRPr lang="pt-BR" sz="2200" dirty="0">
-              <a:solidFill>
-                <a:srgbClr val="FF0000"/>
-              </a:solidFill>
-              <a:latin typeface="Times New Roman" panose="02020603050405020304" pitchFamily="18" charset="0"/>
-              <a:cs typeface="Times New Roman" panose="02020603050405020304" pitchFamily="18" charset="0"/>
-            </a:endParaRPr>
-          </a:p>
-          <a:p>
-            <a:pPr marL="0" indent="0" algn="just">
-              <a:buNone/>
-            </a:pPr>
-            <a:endParaRPr lang="pt-BR" sz="2200" b="1" dirty="0">
-              <a:solidFill>
-                <a:srgbClr val="FF0000"/>
-              </a:solidFill>
-              <a:latin typeface="Times New Roman" panose="02020603050405020304" pitchFamily="18" charset="0"/>
-              <a:cs typeface="Times New Roman" panose="02020603050405020304" pitchFamily="18" charset="0"/>
-            </a:endParaRPr>
-          </a:p>
-          <a:p>
-            <a:pPr marL="0" indent="0" algn="just">
-              <a:buNone/>
-            </a:pPr>
-            <a:endParaRPr lang="pt-BR" sz="2200" dirty="0">
-              <a:latin typeface="Times New Roman" panose="02020603050405020304" pitchFamily="18" charset="0"/>
-              <a:cs typeface="Times New Roman" panose="02020603050405020304" pitchFamily="18" charset="0"/>
-            </a:endParaRPr>
-          </a:p>
-          <a:p>
-            <a:pPr marL="0" indent="0" algn="just">
-              <a:buNone/>
-            </a:pPr>
-            <a:r>
-              <a:rPr lang="pt-BR" sz="2200" dirty="0">
-                <a:latin typeface="Times New Roman" panose="02020603050405020304" pitchFamily="18" charset="0"/>
-                <a:cs typeface="Times New Roman" panose="02020603050405020304" pitchFamily="18" charset="0"/>
-              </a:rPr>
-              <a:t>[2] </a:t>
-            </a:r>
-            <a:r>
-              <a:rPr lang="pt-BR" sz="2200" b="1" dirty="0">
-                <a:latin typeface="Times New Roman" panose="02020603050405020304" pitchFamily="18" charset="0"/>
-                <a:cs typeface="Times New Roman" panose="02020603050405020304" pitchFamily="18" charset="0"/>
-              </a:rPr>
-              <a:t>CLP Sistemas Supervisórios 2</a:t>
-            </a:r>
-            <a:r>
-              <a:rPr lang="pt-BR" sz="2200" dirty="0">
-                <a:latin typeface="Times New Roman" panose="02020603050405020304" pitchFamily="18" charset="0"/>
-                <a:cs typeface="Times New Roman" panose="02020603050405020304" pitchFamily="18" charset="0"/>
-              </a:rPr>
-              <a:t>. </a:t>
-            </a:r>
-          </a:p>
-          <a:p>
-            <a:pPr marL="0" indent="0" algn="just">
-              <a:buNone/>
-            </a:pPr>
-            <a:r>
-              <a:rPr lang="pt-BR" sz="2200" b="1" dirty="0">
-                <a:solidFill>
-                  <a:srgbClr val="FF0000"/>
-                </a:solidFill>
-                <a:latin typeface="Times New Roman" panose="02020603050405020304" pitchFamily="18" charset="0"/>
-                <a:cs typeface="Times New Roman" panose="02020603050405020304" pitchFamily="18" charset="0"/>
-              </a:rPr>
-              <a:t>Disponível em: </a:t>
-            </a:r>
-            <a:r>
-              <a:rPr lang="pt-BR" sz="2200" dirty="0">
-                <a:solidFill>
-                  <a:srgbClr val="FF0000"/>
-                </a:solidFill>
-                <a:latin typeface="Times New Roman" panose="02020603050405020304" pitchFamily="18" charset="0"/>
-                <a:cs typeface="Times New Roman" panose="02020603050405020304" pitchFamily="18" charset="0"/>
-                <a:hlinkClick r:id="rId4"/>
-              </a:rPr>
-              <a:t>h</a:t>
-            </a:r>
-            <a:endParaRPr lang="pt-BR" sz="2200" dirty="0">
-              <a:latin typeface="Calibri" panose="020F0502020204030204" pitchFamily="34" charset="0"/>
-            </a:endParaRPr>
-          </a:p>
-        </p:txBody>
-      </p:sp>
-    </p:spTree>
-    <p:extLst>
-      <p:ext uri="{BB962C8B-B14F-4D97-AF65-F5344CB8AC3E}">
-        <p14:creationId xmlns:p14="http://schemas.microsoft.com/office/powerpoint/2010/main" val="3680270425"/>
-      </p:ext>
-    </p:extLst>
-  </p:cSld>
-  <p:clrMapOvr>
-    <a:masterClrMapping/>
-  </p:clrMapOvr>
-  <p:transition spd="med"/>
-</p:sld>
-</file>
-
-<file path=ppt/slides/slide5.xml><?xml version="1.0" encoding="utf-8"?>
-<p:sld xmlns:a="http://schemas.openxmlformats.org/drawingml/2006/main" xmlns:r="http://schemas.openxmlformats.org/officeDocument/2006/relationships" xmlns:p="http://schemas.openxmlformats.org/presentationml/2006/main">
-  <p:cSld>
-    <p:spTree>
-      <p:nvGrpSpPr>
-        <p:cNvPr id="1" name=""/>
-        <p:cNvGrpSpPr/>
-        <p:nvPr/>
-      </p:nvGrpSpPr>
-      <p:grpSpPr>
-        <a:xfrm>
-          <a:off x="0" y="0"/>
-          <a:ext cx="0" cy="0"/>
-          <a:chOff x="0" y="0"/>
-          <a:chExt cx="0" cy="0"/>
-        </a:xfrm>
-      </p:grpSpPr>
-      <p:sp>
-        <p:nvSpPr>
-          <p:cNvPr id="6" name="Title 1"/>
-          <p:cNvSpPr>
-            <a:spLocks noGrp="1"/>
-          </p:cNvSpPr>
-          <p:nvPr>
-            <p:ph type="title"/>
-          </p:nvPr>
-        </p:nvSpPr>
-        <p:spPr>
-          <a:xfrm>
-            <a:off x="457200" y="205980"/>
-            <a:ext cx="8229600" cy="857251"/>
-          </a:xfrm>
-        </p:spPr>
-        <p:txBody>
-          <a:bodyPr>
-            <a:normAutofit/>
-          </a:bodyPr>
-          <a:lstStyle/>
-          <a:p>
-            <a:r>
-              <a:rPr lang="en-US" b="1" dirty="0" err="1">
-                <a:solidFill>
-                  <a:srgbClr val="0070C0"/>
-                </a:solidFill>
-              </a:rPr>
-              <a:t>Aprenda</a:t>
-            </a:r>
-            <a:r>
-              <a:rPr lang="en-US" b="1" dirty="0">
-                <a:solidFill>
-                  <a:srgbClr val="0070C0"/>
-                </a:solidFill>
-              </a:rPr>
-              <a:t>+</a:t>
-            </a:r>
-          </a:p>
-        </p:txBody>
-      </p:sp>
-      <p:sp>
-        <p:nvSpPr>
-          <p:cNvPr id="8" name="Text Placeholder 2"/>
-          <p:cNvSpPr>
-            <a:spLocks noGrp="1"/>
-          </p:cNvSpPr>
-          <p:nvPr>
-            <p:ph type="body" sz="half" idx="1"/>
-          </p:nvPr>
-        </p:nvSpPr>
-        <p:spPr>
-          <a:xfrm>
-            <a:off x="142865" y="1200150"/>
-            <a:ext cx="8865056" cy="3737370"/>
-          </a:xfrm>
-        </p:spPr>
-        <p:txBody>
-          <a:bodyPr>
-            <a:noAutofit/>
-          </a:bodyPr>
-          <a:lstStyle/>
-          <a:p>
-            <a:pPr marL="0" indent="0" algn="just">
-              <a:buNone/>
-            </a:pPr>
-            <a:r>
-              <a:rPr lang="pt-BR" sz="2200" dirty="0">
-                <a:latin typeface="Times New Roman" panose="02020603050405020304" pitchFamily="18" charset="0"/>
-                <a:cs typeface="Times New Roman" panose="02020603050405020304" pitchFamily="18" charset="0"/>
-              </a:rPr>
-              <a:t>[1] </a:t>
-            </a:r>
-            <a:r>
-              <a:rPr lang="pt-BR" sz="2200" b="1" dirty="0">
-                <a:latin typeface="Times New Roman" panose="02020603050405020304" pitchFamily="18" charset="0"/>
-                <a:cs typeface="Times New Roman" panose="02020603050405020304" pitchFamily="18" charset="0"/>
-              </a:rPr>
-              <a:t>CLP Sistemas Supervisórios 1.</a:t>
-            </a:r>
-          </a:p>
-          <a:p>
-            <a:pPr marL="0" indent="0" algn="just">
-              <a:buNone/>
-            </a:pPr>
-            <a:r>
-              <a:rPr lang="pt-BR" sz="2200" b="1" dirty="0">
-                <a:solidFill>
-                  <a:srgbClr val="FF0000"/>
-                </a:solidFill>
-                <a:latin typeface="Times New Roman" panose="02020603050405020304" pitchFamily="18" charset="0"/>
-                <a:cs typeface="Times New Roman" panose="02020603050405020304" pitchFamily="18" charset="0"/>
-              </a:rPr>
-              <a:t>Disponível em: </a:t>
-            </a:r>
-            <a:r>
-              <a:rPr lang="pt-BR" sz="2200" dirty="0">
-                <a:latin typeface="Times New Roman" panose="02020603050405020304" pitchFamily="18" charset="0"/>
-                <a:cs typeface="Times New Roman" panose="02020603050405020304" pitchFamily="18" charset="0"/>
-                <a:hlinkClick r:id="rId3"/>
-              </a:rPr>
-              <a:t>https:</a:t>
-            </a:r>
-            <a:endParaRPr lang="pt-BR" sz="2200" dirty="0">
-              <a:latin typeface="Times New Roman" panose="02020603050405020304" pitchFamily="18" charset="0"/>
-              <a:cs typeface="Times New Roman" panose="02020603050405020304" pitchFamily="18" charset="0"/>
-            </a:endParaRPr>
-          </a:p>
-          <a:p>
-            <a:pPr marL="0" indent="0" algn="just">
-              <a:buNone/>
-            </a:pPr>
-            <a:endParaRPr lang="pt-BR" sz="2200" dirty="0">
-              <a:latin typeface="Times New Roman" panose="02020603050405020304" pitchFamily="18" charset="0"/>
-              <a:cs typeface="Times New Roman" panose="02020603050405020304" pitchFamily="18" charset="0"/>
-            </a:endParaRPr>
-          </a:p>
-          <a:p>
-            <a:pPr marL="0" indent="0" algn="just">
-              <a:buNone/>
-            </a:pPr>
-            <a:endParaRPr lang="pt-BR" sz="2200" dirty="0">
-              <a:latin typeface="Times New Roman" panose="02020603050405020304" pitchFamily="18" charset="0"/>
-              <a:cs typeface="Times New Roman" panose="02020603050405020304" pitchFamily="18" charset="0"/>
-            </a:endParaRPr>
-          </a:p>
-          <a:p>
-            <a:pPr marL="0" indent="0" algn="just">
-              <a:buNone/>
-            </a:pPr>
-            <a:r>
-              <a:rPr lang="pt-BR" sz="2200" dirty="0">
-                <a:latin typeface="Times New Roman" panose="02020603050405020304" pitchFamily="18" charset="0"/>
-                <a:cs typeface="Times New Roman" panose="02020603050405020304" pitchFamily="18" charset="0"/>
-              </a:rPr>
-              <a:t>[2] </a:t>
-            </a:r>
-            <a:r>
-              <a:rPr lang="pt-BR" sz="2200" b="1" dirty="0">
-                <a:latin typeface="Times New Roman" panose="02020603050405020304" pitchFamily="18" charset="0"/>
-                <a:cs typeface="Times New Roman" panose="02020603050405020304" pitchFamily="18" charset="0"/>
-              </a:rPr>
-              <a:t>CLP Sistemas Supervisórios 2.</a:t>
-            </a:r>
-          </a:p>
-          <a:p>
-            <a:pPr marL="0" indent="0" algn="just">
-              <a:buNone/>
-            </a:pPr>
-            <a:r>
-              <a:rPr lang="pt-BR" sz="2200" b="1" dirty="0">
-                <a:solidFill>
-                  <a:srgbClr val="FF0000"/>
-                </a:solidFill>
-                <a:latin typeface="Times New Roman" panose="02020603050405020304" pitchFamily="18" charset="0"/>
-                <a:cs typeface="Times New Roman" panose="02020603050405020304" pitchFamily="18" charset="0"/>
-              </a:rPr>
-              <a:t>Disponível em: </a:t>
-            </a:r>
-            <a:r>
-              <a:rPr lang="pt-BR" sz="2200" dirty="0">
-                <a:solidFill>
-                  <a:srgbClr val="FF0000"/>
-                </a:solidFill>
-                <a:latin typeface="Times New Roman" panose="02020603050405020304" pitchFamily="18" charset="0"/>
-                <a:cs typeface="Times New Roman" panose="02020603050405020304" pitchFamily="18" charset="0"/>
-                <a:hlinkClick r:id="rId4"/>
-              </a:rPr>
-              <a:t>https:</a:t>
-            </a:r>
-            <a:endParaRPr lang="pt-BR" sz="2200" dirty="0">
-              <a:latin typeface="Times New Roman" panose="02020603050405020304" pitchFamily="18" charset="0"/>
-              <a:cs typeface="Times New Roman" panose="02020603050405020304" pitchFamily="18" charset="0"/>
-            </a:endParaRPr>
-          </a:p>
-        </p:txBody>
-      </p:sp>
-    </p:spTree>
-    <p:extLst>
-      <p:ext uri="{BB962C8B-B14F-4D97-AF65-F5344CB8AC3E}">
-        <p14:creationId xmlns:p14="http://schemas.microsoft.com/office/powerpoint/2010/main" val="2747596967"/>
-      </p:ext>
-    </p:extLst>
-  </p:cSld>
-  <p:clrMapOvr>
-    <a:masterClrMapping/>
-  </p:clrMapOvr>
-  <p:transition spd="med"/>
-</p:sld>
-</file>
-
-<file path=ppt/slides/slide6.xml><?xml version="1.0" encoding="utf-8"?>
-<p:sld xmlns:a="http://schemas.openxmlformats.org/drawingml/2006/main" xmlns:r="http://schemas.openxmlformats.org/officeDocument/2006/relationships" xmlns:p="http://schemas.openxmlformats.org/presentationml/2006/main">
-  <p:cSld>
-    <p:spTree>
-      <p:nvGrpSpPr>
         <p:cNvPr id="1" name="">
           <a:extLst>
             <a:ext uri="{FF2B5EF4-FFF2-40B4-BE49-F238E27FC236}">
-              <a16:creationId xmlns:a16="http://schemas.microsoft.com/office/drawing/2014/main" id="{2953AC7D-8CF9-A63F-57A2-D983DEB50039}"/>
+              <a16:creationId xmlns:a16="http://schemas.microsoft.com/office/drawing/2014/main" id="{33ED2DCB-60E8-7E5E-AEE0-1FF6F3B41B51}"/>
             </a:ext>
           </a:extLst>
         </p:cNvPr>
@@ -4952,7 +7465,7 @@
           <p:cNvPr id="6" name="Title 1">
             <a:extLst>
               <a:ext uri="{FF2B5EF4-FFF2-40B4-BE49-F238E27FC236}">
-                <a16:creationId xmlns:a16="http://schemas.microsoft.com/office/drawing/2014/main" id="{CC4C3A19-ED0C-1CE0-1512-03DBBA8E622A}"/>
+                <a16:creationId xmlns:a16="http://schemas.microsoft.com/office/drawing/2014/main" id="{6F14FEAA-F1A7-B5E8-607D-14608B8525D2}"/>
               </a:ext>
             </a:extLst>
           </p:cNvPr>
@@ -4976,12 +7489,20 @@
           <a:lstStyle/>
           <a:p>
             <a:r>
+              <a:rPr lang="en-US" b="1" dirty="0">
+                <a:solidFill>
+                  <a:srgbClr val="0070C0"/>
+                </a:solidFill>
+              </a:rPr>
+              <a:t>CLP – </a:t>
+            </a:r>
+            <a:r>
               <a:rPr lang="en-US" b="1" dirty="0" err="1">
                 <a:solidFill>
                   <a:srgbClr val="0070C0"/>
                 </a:solidFill>
               </a:rPr>
-              <a:t>Dinâmica</a:t>
+              <a:t>Funções</a:t>
             </a:r>
             <a:r>
               <a:rPr lang="en-US" b="1" dirty="0">
@@ -4989,7 +7510,7 @@
                   <a:srgbClr val="0070C0"/>
                 </a:solidFill>
               </a:rPr>
-              <a:t>/</a:t>
+              <a:t> (</a:t>
             </a:r>
             <a:r>
               <a:rPr lang="en-US" b="1" dirty="0" err="1">
@@ -4997,13 +7518,16 @@
                   <a:srgbClr val="0070C0"/>
                 </a:solidFill>
               </a:rPr>
-              <a:t>Atividades</a:t>
-            </a:r>
-            <a:endParaRPr lang="en-US" b="1" dirty="0">
-              <a:solidFill>
-                <a:srgbClr val="0070C0"/>
-              </a:solidFill>
-            </a:endParaRPr>
+              <a:t>Supervisório</a:t>
+            </a:r>
+            <a:r>
+              <a:rPr lang="en-US" b="1" dirty="0">
+                <a:solidFill>
+                  <a:srgbClr val="0070C0"/>
+                </a:solidFill>
+              </a:rPr>
+              <a:t>)</a:t>
+            </a:r>
           </a:p>
         </p:txBody>
       </p:sp>
@@ -5012,7 +7536,7 @@
           <p:cNvPr id="8" name="Text Placeholder 2">
             <a:extLst>
               <a:ext uri="{FF2B5EF4-FFF2-40B4-BE49-F238E27FC236}">
-                <a16:creationId xmlns:a16="http://schemas.microsoft.com/office/drawing/2014/main" id="{B45119E1-EF11-7248-2ADA-8776A0D7E7E3}"/>
+                <a16:creationId xmlns:a16="http://schemas.microsoft.com/office/drawing/2014/main" id="{C1829F38-20CE-749C-F671-24D30D469B6B}"/>
               </a:ext>
             </a:extLst>
           </p:cNvPr>
@@ -5035,19 +7559,78 @@
           </a:bodyPr>
           <a:lstStyle/>
           <a:p>
-            <a:pPr algn="just">
-              <a:buFont typeface="Wingdings" panose="05000000000000000000" pitchFamily="2" charset="2"/>
-              <a:buChar char="q"/>
-            </a:pPr>
-            <a:r>
-              <a:rPr lang="pt-BR" sz="2200" b="1" dirty="0">
-                <a:solidFill>
-                  <a:srgbClr val="0070C0"/>
-                </a:solidFill>
-                <a:latin typeface="Times New Roman" panose="02020603050405020304" pitchFamily="18" charset="0"/>
-                <a:cs typeface="Times New Roman" panose="02020603050405020304" pitchFamily="18" charset="0"/>
-              </a:rPr>
-              <a:t>CLP</a:t>
+            <a:pPr algn="just"/>
+            <a:r>
+              <a:rPr lang="pt-BR" sz="2400" dirty="0">
+                <a:latin typeface="Times New Roman" panose="02020603050405020304" pitchFamily="18" charset="0"/>
+                <a:cs typeface="Times New Roman" panose="02020603050405020304" pitchFamily="18" charset="0"/>
+              </a:rPr>
+              <a:t>Supervisiona e controla processos em tempo real;</a:t>
+            </a:r>
+          </a:p>
+          <a:p>
+            <a:pPr algn="just"/>
+            <a:endParaRPr lang="pt-BR" sz="2400" dirty="0">
+              <a:latin typeface="Times New Roman" panose="02020603050405020304" pitchFamily="18" charset="0"/>
+              <a:cs typeface="Times New Roman" panose="02020603050405020304" pitchFamily="18" charset="0"/>
+            </a:endParaRPr>
+          </a:p>
+          <a:p>
+            <a:pPr algn="just"/>
+            <a:r>
+              <a:rPr lang="pt-BR" sz="2400" dirty="0">
+                <a:latin typeface="Times New Roman" panose="02020603050405020304" pitchFamily="18" charset="0"/>
+                <a:cs typeface="Times New Roman" panose="02020603050405020304" pitchFamily="18" charset="0"/>
+              </a:rPr>
+              <a:t>Exibe informações gráficas e dados;</a:t>
+            </a:r>
+          </a:p>
+          <a:p>
+            <a:pPr algn="just"/>
+            <a:endParaRPr lang="pt-BR" sz="2400" dirty="0">
+              <a:latin typeface="Times New Roman" panose="02020603050405020304" pitchFamily="18" charset="0"/>
+              <a:cs typeface="Times New Roman" panose="02020603050405020304" pitchFamily="18" charset="0"/>
+            </a:endParaRPr>
+          </a:p>
+          <a:p>
+            <a:pPr algn="just"/>
+            <a:r>
+              <a:rPr lang="pt-BR" sz="2400" dirty="0">
+                <a:latin typeface="Times New Roman" panose="02020603050405020304" pitchFamily="18" charset="0"/>
+                <a:cs typeface="Times New Roman" panose="02020603050405020304" pitchFamily="18" charset="0"/>
+              </a:rPr>
+              <a:t>Atua com banco de dados e redes;</a:t>
+            </a:r>
+          </a:p>
+          <a:p>
+            <a:pPr algn="just"/>
+            <a:endParaRPr lang="pt-BR" sz="2400" dirty="0">
+              <a:latin typeface="Times New Roman" panose="02020603050405020304" pitchFamily="18" charset="0"/>
+              <a:cs typeface="Times New Roman" panose="02020603050405020304" pitchFamily="18" charset="0"/>
+            </a:endParaRPr>
+          </a:p>
+          <a:p>
+            <a:pPr algn="just"/>
+            <a:r>
+              <a:rPr lang="pt-BR" sz="2400" dirty="0">
+                <a:latin typeface="Times New Roman" panose="02020603050405020304" pitchFamily="18" charset="0"/>
+                <a:cs typeface="Times New Roman" panose="02020603050405020304" pitchFamily="18" charset="0"/>
+              </a:rPr>
+              <a:t>Coleta, registra e exibe dados de </a:t>
+            </a:r>
+            <a:r>
+              <a:rPr lang="pt-BR" sz="2400" dirty="0" err="1">
+                <a:latin typeface="Times New Roman" panose="02020603050405020304" pitchFamily="18" charset="0"/>
+                <a:cs typeface="Times New Roman" panose="02020603050405020304" pitchFamily="18" charset="0"/>
+              </a:rPr>
+              <a:t>CLPs</a:t>
+            </a:r>
+            <a:r>
+              <a:rPr lang="pt-BR" sz="2400" dirty="0">
+                <a:latin typeface="Times New Roman" panose="02020603050405020304" pitchFamily="18" charset="0"/>
+                <a:cs typeface="Times New Roman" panose="02020603050405020304" pitchFamily="18" charset="0"/>
+              </a:rPr>
+              <a:t>.</a:t>
             </a:r>
           </a:p>
         </p:txBody>
@@ -5055,7 +7638,7 @@
     </p:spTree>
     <p:extLst>
       <p:ext uri="{BB962C8B-B14F-4D97-AF65-F5344CB8AC3E}">
-        <p14:creationId xmlns:p14="http://schemas.microsoft.com/office/powerpoint/2010/main" val="2976682751"/>
+        <p14:creationId xmlns:p14="http://schemas.microsoft.com/office/powerpoint/2010/main" val="1887480723"/>
       </p:ext>
     </p:extLst>
   </p:cSld>
@@ -5066,12 +7649,18 @@
 </p:sld>
 </file>
 
-<file path=ppt/slides/slide7.xml><?xml version="1.0" encoding="utf-8"?>
+<file path=ppt/slides/slide5.xml><?xml version="1.0" encoding="utf-8"?>
 <p:sld xmlns:a="http://schemas.openxmlformats.org/drawingml/2006/main" xmlns:r="http://schemas.openxmlformats.org/officeDocument/2006/relationships" xmlns:p="http://schemas.openxmlformats.org/presentationml/2006/main">
   <p:cSld>
     <p:spTree>
       <p:nvGrpSpPr>
-        <p:cNvPr id="1" name=""/>
+        <p:cNvPr id="1" name="">
+          <a:extLst>
+            <a:ext uri="{FF2B5EF4-FFF2-40B4-BE49-F238E27FC236}">
+              <a16:creationId xmlns:a16="http://schemas.microsoft.com/office/drawing/2014/main" id="{2007131B-9622-0B64-F32D-8A71A636740E}"/>
+            </a:ext>
+          </a:extLst>
+        </p:cNvPr>
         <p:cNvGrpSpPr/>
         <p:nvPr/>
       </p:nvGrpSpPr>
@@ -5085,7 +7674,13 @@
       </p:grpSpPr>
       <p:sp>
         <p:nvSpPr>
-          <p:cNvPr id="6" name="Title 1"/>
+          <p:cNvPr id="6" name="Title 1">
+            <a:extLst>
+              <a:ext uri="{FF2B5EF4-FFF2-40B4-BE49-F238E27FC236}">
+                <a16:creationId xmlns:a16="http://schemas.microsoft.com/office/drawing/2014/main" id="{5616127E-8664-6D71-61DA-B31C99E93716}"/>
+              </a:ext>
+            </a:extLst>
+          </p:cNvPr>
           <p:cNvSpPr>
             <a:spLocks noGrp="1"/>
           </p:cNvSpPr>
@@ -5106,12 +7701,20 @@
           <a:lstStyle/>
           <a:p>
             <a:r>
+              <a:rPr lang="en-US" b="1" dirty="0">
+                <a:solidFill>
+                  <a:srgbClr val="0070C0"/>
+                </a:solidFill>
+              </a:rPr>
+              <a:t>CLP – </a:t>
+            </a:r>
+            <a:r>
               <a:rPr lang="en-US" b="1" dirty="0" err="1">
                 <a:solidFill>
                   <a:srgbClr val="0070C0"/>
                 </a:solidFill>
               </a:rPr>
-              <a:t>Referências</a:t>
+              <a:t>Elementos</a:t>
             </a:r>
             <a:r>
               <a:rPr lang="en-US" b="1" dirty="0">
@@ -5119,7 +7722,7 @@
                   <a:srgbClr val="0070C0"/>
                 </a:solidFill>
               </a:rPr>
-              <a:t> </a:t>
+              <a:t> (</a:t>
             </a:r>
             <a:r>
               <a:rPr lang="en-US" b="1" dirty="0" err="1">
@@ -5127,19 +7730,28 @@
                   <a:srgbClr val="0070C0"/>
                 </a:solidFill>
               </a:rPr>
-              <a:t>Bibliográficas</a:t>
-            </a:r>
-            <a:endParaRPr lang="en-US" b="1" dirty="0">
-              <a:solidFill>
-                <a:srgbClr val="0070C0"/>
-              </a:solidFill>
-            </a:endParaRPr>
+              <a:t>Supervisório</a:t>
+            </a:r>
+            <a:r>
+              <a:rPr lang="en-US" b="1" dirty="0">
+                <a:solidFill>
+                  <a:srgbClr val="0070C0"/>
+                </a:solidFill>
+              </a:rPr>
+              <a:t>)</a:t>
+            </a:r>
           </a:p>
         </p:txBody>
       </p:sp>
       <p:sp>
         <p:nvSpPr>
-          <p:cNvPr id="8" name="Text Placeholder 2"/>
+          <p:cNvPr id="8" name="Text Placeholder 2">
+            <a:extLst>
+              <a:ext uri="{FF2B5EF4-FFF2-40B4-BE49-F238E27FC236}">
+                <a16:creationId xmlns:a16="http://schemas.microsoft.com/office/drawing/2014/main" id="{6C6735B6-20FC-F635-184A-7FC393EA9BA5}"/>
+              </a:ext>
+            </a:extLst>
+          </p:cNvPr>
           <p:cNvSpPr>
             <a:spLocks noGrp="1"/>
           </p:cNvSpPr>
@@ -5149,8 +7761,8 @@
         </p:nvSpPr>
         <p:spPr>
           <a:xfrm>
-            <a:off x="139472" y="1063230"/>
-            <a:ext cx="8865056" cy="3874289"/>
+            <a:off x="142865" y="1035050"/>
+            <a:ext cx="8865056" cy="3994150"/>
           </a:xfrm>
         </p:spPr>
         <p:txBody>
@@ -5159,79 +7771,571 @@
           </a:bodyPr>
           <a:lstStyle/>
           <a:p>
-            <a:pPr marL="0" indent="0" algn="just">
-              <a:buNone/>
-            </a:pPr>
-            <a:r>
-              <a:rPr lang="pt-BR" sz="2000" dirty="0">
-                <a:latin typeface="Times New Roman" panose="02020603050405020304" pitchFamily="18" charset="0"/>
-                <a:cs typeface="Times New Roman" panose="02020603050405020304" pitchFamily="18" charset="0"/>
-              </a:rPr>
-              <a:t>[1] </a:t>
-            </a:r>
-            <a:endParaRPr lang="pt-BR" sz="2000" b="1" dirty="0">
+            <a:pPr algn="just"/>
+            <a:r>
+              <a:rPr lang="pt-BR" sz="2400" dirty="0">
+                <a:latin typeface="Times New Roman" panose="02020603050405020304" pitchFamily="18" charset="0"/>
+                <a:cs typeface="Times New Roman" panose="02020603050405020304" pitchFamily="18" charset="0"/>
+              </a:rPr>
+              <a:t>Interface Homem-Máquina (IHM);</a:t>
+            </a:r>
+          </a:p>
+          <a:p>
+            <a:pPr algn="just"/>
+            <a:endParaRPr lang="pt-BR" sz="2400" dirty="0">
               <a:latin typeface="Times New Roman" panose="02020603050405020304" pitchFamily="18" charset="0"/>
               <a:cs typeface="Times New Roman" panose="02020603050405020304" pitchFamily="18" charset="0"/>
             </a:endParaRPr>
           </a:p>
           <a:p>
-            <a:pPr marL="0" indent="0" algn="just">
-              <a:buNone/>
-            </a:pPr>
-            <a:endParaRPr lang="en-US" sz="2000" dirty="0">
+            <a:pPr algn="just"/>
+            <a:r>
+              <a:rPr lang="pt-BR" sz="2400" dirty="0">
+                <a:latin typeface="Times New Roman" panose="02020603050405020304" pitchFamily="18" charset="0"/>
+                <a:cs typeface="Times New Roman" panose="02020603050405020304" pitchFamily="18" charset="0"/>
+              </a:rPr>
+              <a:t>Servidor de comunicação;</a:t>
+            </a:r>
+          </a:p>
+          <a:p>
+            <a:pPr algn="just"/>
+            <a:endParaRPr lang="pt-BR" sz="2400" dirty="0">
               <a:latin typeface="Times New Roman" panose="02020603050405020304" pitchFamily="18" charset="0"/>
               <a:cs typeface="Times New Roman" panose="02020603050405020304" pitchFamily="18" charset="0"/>
             </a:endParaRPr>
           </a:p>
           <a:p>
-            <a:pPr marL="0" indent="0" algn="just">
-              <a:buNone/>
-            </a:pPr>
-            <a:endParaRPr lang="en-US" sz="2000" dirty="0">
+            <a:pPr algn="just"/>
+            <a:r>
+              <a:rPr lang="pt-BR" sz="2400" dirty="0">
+                <a:latin typeface="Times New Roman" panose="02020603050405020304" pitchFamily="18" charset="0"/>
+                <a:cs typeface="Times New Roman" panose="02020603050405020304" pitchFamily="18" charset="0"/>
+              </a:rPr>
+              <a:t>Banco de dados;</a:t>
+            </a:r>
+          </a:p>
+          <a:p>
+            <a:pPr algn="just"/>
+            <a:endParaRPr lang="pt-BR" sz="2400" dirty="0">
               <a:latin typeface="Times New Roman" panose="02020603050405020304" pitchFamily="18" charset="0"/>
               <a:cs typeface="Times New Roman" panose="02020603050405020304" pitchFamily="18" charset="0"/>
             </a:endParaRPr>
           </a:p>
           <a:p>
-            <a:pPr marL="0" indent="0" algn="just">
-              <a:buNone/>
-            </a:pPr>
-            <a:endParaRPr lang="en-US" sz="2000" dirty="0">
+            <a:pPr algn="just"/>
+            <a:r>
+              <a:rPr lang="pt-BR" sz="2400" dirty="0">
+                <a:latin typeface="Times New Roman" panose="02020603050405020304" pitchFamily="18" charset="0"/>
+                <a:cs typeface="Times New Roman" panose="02020603050405020304" pitchFamily="18" charset="0"/>
+              </a:rPr>
+              <a:t>Redes;</a:t>
+            </a:r>
+          </a:p>
+          <a:p>
+            <a:pPr algn="just"/>
+            <a:endParaRPr lang="pt-BR" sz="2400" dirty="0">
               <a:latin typeface="Times New Roman" panose="02020603050405020304" pitchFamily="18" charset="0"/>
               <a:cs typeface="Times New Roman" panose="02020603050405020304" pitchFamily="18" charset="0"/>
             </a:endParaRPr>
           </a:p>
           <a:p>
-            <a:pPr marL="0" indent="0" algn="just">
-              <a:buNone/>
-            </a:pPr>
-            <a:endParaRPr lang="en-US" sz="2000" dirty="0">
-              <a:latin typeface="Times New Roman" panose="02020603050405020304" pitchFamily="18" charset="0"/>
-              <a:cs typeface="Times New Roman" panose="02020603050405020304" pitchFamily="18" charset="0"/>
-            </a:endParaRPr>
-          </a:p>
-          <a:p>
-            <a:pPr marL="0" indent="0" algn="just">
-              <a:buNone/>
-            </a:pPr>
-            <a:r>
-              <a:rPr lang="pt-BR" sz="2000" dirty="0">
-                <a:latin typeface="Times New Roman" panose="02020603050405020304" pitchFamily="18" charset="0"/>
-                <a:cs typeface="Times New Roman" panose="02020603050405020304" pitchFamily="18" charset="0"/>
-              </a:rPr>
-              <a:t>[2] </a:t>
-            </a:r>
-            <a:endParaRPr lang="pt-BR" sz="2000" b="1" dirty="0">
-              <a:latin typeface="Times New Roman" panose="02020603050405020304" pitchFamily="18" charset="0"/>
-              <a:cs typeface="Times New Roman" panose="02020603050405020304" pitchFamily="18" charset="0"/>
-            </a:endParaRPr>
+            <a:pPr algn="just"/>
+            <a:r>
+              <a:rPr lang="pt-BR" sz="2400" dirty="0">
+                <a:latin typeface="Times New Roman" panose="02020603050405020304" pitchFamily="18" charset="0"/>
+                <a:cs typeface="Times New Roman" panose="02020603050405020304" pitchFamily="18" charset="0"/>
+              </a:rPr>
+              <a:t>Clientes (usuários na rede).</a:t>
+            </a:r>
           </a:p>
         </p:txBody>
       </p:sp>
     </p:spTree>
     <p:extLst>
       <p:ext uri="{BB962C8B-B14F-4D97-AF65-F5344CB8AC3E}">
-        <p14:creationId xmlns:p14="http://schemas.microsoft.com/office/powerpoint/2010/main" val="1115311843"/>
+        <p14:creationId xmlns:p14="http://schemas.microsoft.com/office/powerpoint/2010/main" val="3029420751"/>
+      </p:ext>
+    </p:extLst>
+  </p:cSld>
+  <p:clrMapOvr>
+    <a:masterClrMapping/>
+  </p:clrMapOvr>
+  <p:transition spd="med"/>
+</p:sld>
+</file>
+
+<file path=ppt/slides/slide6.xml><?xml version="1.0" encoding="utf-8"?>
+<p:sld xmlns:a="http://schemas.openxmlformats.org/drawingml/2006/main" xmlns:r="http://schemas.openxmlformats.org/officeDocument/2006/relationships" xmlns:p="http://schemas.openxmlformats.org/presentationml/2006/main">
+  <p:cSld>
+    <p:spTree>
+      <p:nvGrpSpPr>
+        <p:cNvPr id="1" name="">
+          <a:extLst>
+            <a:ext uri="{FF2B5EF4-FFF2-40B4-BE49-F238E27FC236}">
+              <a16:creationId xmlns:a16="http://schemas.microsoft.com/office/drawing/2014/main" id="{C25585A3-055B-1F0A-9086-A52BE21A4949}"/>
+            </a:ext>
+          </a:extLst>
+        </p:cNvPr>
+        <p:cNvGrpSpPr/>
+        <p:nvPr/>
+      </p:nvGrpSpPr>
+      <p:grpSpPr>
+        <a:xfrm>
+          <a:off x="0" y="0"/>
+          <a:ext cx="0" cy="0"/>
+          <a:chOff x="0" y="0"/>
+          <a:chExt cx="0" cy="0"/>
+        </a:xfrm>
+      </p:grpSpPr>
+      <p:sp>
+        <p:nvSpPr>
+          <p:cNvPr id="6" name="Title 1">
+            <a:extLst>
+              <a:ext uri="{FF2B5EF4-FFF2-40B4-BE49-F238E27FC236}">
+                <a16:creationId xmlns:a16="http://schemas.microsoft.com/office/drawing/2014/main" id="{B1E994C7-EB35-8F4C-9FBF-2476E997D6D5}"/>
+              </a:ext>
+            </a:extLst>
+          </p:cNvPr>
+          <p:cNvSpPr>
+            <a:spLocks noGrp="1"/>
+          </p:cNvSpPr>
+          <p:nvPr>
+            <p:ph type="title"/>
+          </p:nvPr>
+        </p:nvSpPr>
+        <p:spPr>
+          <a:xfrm>
+            <a:off x="457200" y="205980"/>
+            <a:ext cx="8229600" cy="857251"/>
+          </a:xfrm>
+        </p:spPr>
+        <p:txBody>
+          <a:bodyPr>
+            <a:normAutofit/>
+          </a:bodyPr>
+          <a:lstStyle/>
+          <a:p>
+            <a:r>
+              <a:rPr lang="en-US" b="1" dirty="0">
+                <a:solidFill>
+                  <a:srgbClr val="0070C0"/>
+                </a:solidFill>
+              </a:rPr>
+              <a:t>CLP – </a:t>
+            </a:r>
+            <a:r>
+              <a:rPr lang="en-US" b="1" dirty="0" err="1">
+                <a:solidFill>
+                  <a:srgbClr val="0070C0"/>
+                </a:solidFill>
+              </a:rPr>
+              <a:t>Protocolos</a:t>
+            </a:r>
+            <a:r>
+              <a:rPr lang="en-US" b="1" dirty="0">
+                <a:solidFill>
+                  <a:srgbClr val="0070C0"/>
+                </a:solidFill>
+              </a:rPr>
+              <a:t> (</a:t>
+            </a:r>
+            <a:r>
+              <a:rPr lang="en-US" b="1" dirty="0" err="1">
+                <a:solidFill>
+                  <a:srgbClr val="0070C0"/>
+                </a:solidFill>
+              </a:rPr>
+              <a:t>Supervisório</a:t>
+            </a:r>
+            <a:r>
+              <a:rPr lang="en-US" b="1" dirty="0">
+                <a:solidFill>
+                  <a:srgbClr val="0070C0"/>
+                </a:solidFill>
+              </a:rPr>
+              <a:t>)</a:t>
+            </a:r>
+          </a:p>
+        </p:txBody>
+      </p:sp>
+      <p:sp>
+        <p:nvSpPr>
+          <p:cNvPr id="8" name="Text Placeholder 2">
+            <a:extLst>
+              <a:ext uri="{FF2B5EF4-FFF2-40B4-BE49-F238E27FC236}">
+                <a16:creationId xmlns:a16="http://schemas.microsoft.com/office/drawing/2014/main" id="{13284D0A-AA30-9B12-05F3-E8ABAD435627}"/>
+              </a:ext>
+            </a:extLst>
+          </p:cNvPr>
+          <p:cNvSpPr>
+            <a:spLocks noGrp="1"/>
+          </p:cNvSpPr>
+          <p:nvPr>
+            <p:ph type="body" sz="half" idx="1"/>
+          </p:nvPr>
+        </p:nvSpPr>
+        <p:spPr>
+          <a:xfrm>
+            <a:off x="142865" y="1035050"/>
+            <a:ext cx="8865056" cy="3994150"/>
+          </a:xfrm>
+        </p:spPr>
+        <p:txBody>
+          <a:bodyPr>
+            <a:noAutofit/>
+          </a:bodyPr>
+          <a:lstStyle/>
+          <a:p>
+            <a:pPr algn="just"/>
+            <a:r>
+              <a:rPr lang="pt-BR" sz="2400" dirty="0" err="1">
+                <a:latin typeface="Times New Roman" panose="02020603050405020304" pitchFamily="18" charset="0"/>
+                <a:cs typeface="Times New Roman" panose="02020603050405020304" pitchFamily="18" charset="0"/>
+              </a:rPr>
+              <a:t>Modbus</a:t>
+            </a:r>
+            <a:r>
+              <a:rPr lang="pt-BR" sz="2400" dirty="0">
+                <a:latin typeface="Times New Roman" panose="02020603050405020304" pitchFamily="18" charset="0"/>
+                <a:cs typeface="Times New Roman" panose="02020603050405020304" pitchFamily="18" charset="0"/>
+              </a:rPr>
+              <a:t>;</a:t>
+            </a:r>
+          </a:p>
+          <a:p>
+            <a:pPr algn="just"/>
+            <a:endParaRPr lang="pt-BR" sz="2400" dirty="0">
+              <a:latin typeface="Times New Roman" panose="02020603050405020304" pitchFamily="18" charset="0"/>
+              <a:cs typeface="Times New Roman" panose="02020603050405020304" pitchFamily="18" charset="0"/>
+            </a:endParaRPr>
+          </a:p>
+          <a:p>
+            <a:pPr algn="just"/>
+            <a:r>
+              <a:rPr lang="pt-BR" sz="2400" dirty="0" err="1">
+                <a:latin typeface="Times New Roman" panose="02020603050405020304" pitchFamily="18" charset="0"/>
+                <a:cs typeface="Times New Roman" panose="02020603050405020304" pitchFamily="18" charset="0"/>
+              </a:rPr>
+              <a:t>Profibus</a:t>
+            </a:r>
+            <a:r>
+              <a:rPr lang="pt-BR" sz="2400" dirty="0">
+                <a:latin typeface="Times New Roman" panose="02020603050405020304" pitchFamily="18" charset="0"/>
+                <a:cs typeface="Times New Roman" panose="02020603050405020304" pitchFamily="18" charset="0"/>
+              </a:rPr>
+              <a:t>;</a:t>
+            </a:r>
+          </a:p>
+          <a:p>
+            <a:pPr algn="just"/>
+            <a:endParaRPr lang="pt-BR" sz="2400" dirty="0">
+              <a:latin typeface="Times New Roman" panose="02020603050405020304" pitchFamily="18" charset="0"/>
+              <a:cs typeface="Times New Roman" panose="02020603050405020304" pitchFamily="18" charset="0"/>
+            </a:endParaRPr>
+          </a:p>
+          <a:p>
+            <a:pPr algn="just"/>
+            <a:r>
+              <a:rPr lang="pt-BR" sz="2400" dirty="0">
+                <a:latin typeface="Times New Roman" panose="02020603050405020304" pitchFamily="18" charset="0"/>
+                <a:cs typeface="Times New Roman" panose="02020603050405020304" pitchFamily="18" charset="0"/>
+              </a:rPr>
+              <a:t>OPC UA (</a:t>
+            </a:r>
+            <a:r>
+              <a:rPr lang="pt-BR" sz="2400" b="1" dirty="0">
+                <a:latin typeface="Times New Roman" panose="02020603050405020304" pitchFamily="18" charset="0"/>
+                <a:cs typeface="Times New Roman" panose="02020603050405020304" pitchFamily="18" charset="0"/>
+              </a:rPr>
+              <a:t>Open Platform Communications </a:t>
+            </a:r>
+            <a:r>
+              <a:rPr lang="pt-BR" sz="2400" dirty="0" err="1">
+                <a:solidFill>
+                  <a:srgbClr val="FF0000"/>
+                </a:solidFill>
+                <a:latin typeface="Times New Roman" panose="02020603050405020304" pitchFamily="18" charset="0"/>
+                <a:cs typeface="Times New Roman" panose="02020603050405020304" pitchFamily="18" charset="0"/>
+              </a:rPr>
+              <a:t>Unified</a:t>
+            </a:r>
+            <a:r>
+              <a:rPr lang="pt-BR" sz="2400" dirty="0">
+                <a:solidFill>
+                  <a:srgbClr val="FF0000"/>
+                </a:solidFill>
+                <a:latin typeface="Times New Roman" panose="02020603050405020304" pitchFamily="18" charset="0"/>
+                <a:cs typeface="Times New Roman" panose="02020603050405020304" pitchFamily="18" charset="0"/>
+              </a:rPr>
+              <a:t> </a:t>
+            </a:r>
+            <a:r>
+              <a:rPr lang="pt-BR" sz="2400" dirty="0" err="1">
+                <a:solidFill>
+                  <a:srgbClr val="FF0000"/>
+                </a:solidFill>
+                <a:latin typeface="Times New Roman" panose="02020603050405020304" pitchFamily="18" charset="0"/>
+                <a:cs typeface="Times New Roman" panose="02020603050405020304" pitchFamily="18" charset="0"/>
+              </a:rPr>
+              <a:t>Architecture</a:t>
+            </a:r>
+            <a:r>
+              <a:rPr lang="pt-BR" sz="2400" dirty="0">
+                <a:latin typeface="Times New Roman" panose="02020603050405020304" pitchFamily="18" charset="0"/>
+                <a:cs typeface="Times New Roman" panose="02020603050405020304" pitchFamily="18" charset="0"/>
+              </a:rPr>
+              <a:t>);</a:t>
+            </a:r>
+          </a:p>
+          <a:p>
+            <a:pPr algn="just"/>
+            <a:endParaRPr lang="pt-BR" sz="2400" dirty="0">
+              <a:latin typeface="Times New Roman" panose="02020603050405020304" pitchFamily="18" charset="0"/>
+              <a:cs typeface="Times New Roman" panose="02020603050405020304" pitchFamily="18" charset="0"/>
+            </a:endParaRPr>
+          </a:p>
+          <a:p>
+            <a:pPr algn="just"/>
+            <a:r>
+              <a:rPr lang="pt-BR" sz="2400" dirty="0">
+                <a:latin typeface="Times New Roman" panose="02020603050405020304" pitchFamily="18" charset="0"/>
+                <a:cs typeface="Times New Roman" panose="02020603050405020304" pitchFamily="18" charset="0"/>
+              </a:rPr>
+              <a:t>Ethernet/IP.</a:t>
+            </a:r>
+          </a:p>
+        </p:txBody>
+      </p:sp>
+    </p:spTree>
+    <p:extLst>
+      <p:ext uri="{BB962C8B-B14F-4D97-AF65-F5344CB8AC3E}">
+        <p14:creationId xmlns:p14="http://schemas.microsoft.com/office/powerpoint/2010/main" val="3511243726"/>
+      </p:ext>
+    </p:extLst>
+  </p:cSld>
+  <p:clrMapOvr>
+    <a:masterClrMapping/>
+  </p:clrMapOvr>
+  <p:transition spd="med"/>
+</p:sld>
+</file>
+
+<file path=ppt/slides/slide7.xml><?xml version="1.0" encoding="utf-8"?>
+<p:sld xmlns:a="http://schemas.openxmlformats.org/drawingml/2006/main" xmlns:r="http://schemas.openxmlformats.org/officeDocument/2006/relationships" xmlns:p="http://schemas.openxmlformats.org/presentationml/2006/main">
+  <p:cSld>
+    <p:spTree>
+      <p:nvGrpSpPr>
+        <p:cNvPr id="1" name="">
+          <a:extLst>
+            <a:ext uri="{FF2B5EF4-FFF2-40B4-BE49-F238E27FC236}">
+              <a16:creationId xmlns:a16="http://schemas.microsoft.com/office/drawing/2014/main" id="{9198BEC2-B0EB-5786-C4C9-166908492BC2}"/>
+            </a:ext>
+          </a:extLst>
+        </p:cNvPr>
+        <p:cNvGrpSpPr/>
+        <p:nvPr/>
+      </p:nvGrpSpPr>
+      <p:grpSpPr>
+        <a:xfrm>
+          <a:off x="0" y="0"/>
+          <a:ext cx="0" cy="0"/>
+          <a:chOff x="0" y="0"/>
+          <a:chExt cx="0" cy="0"/>
+        </a:xfrm>
+      </p:grpSpPr>
+      <p:sp>
+        <p:nvSpPr>
+          <p:cNvPr id="6" name="Title 1">
+            <a:extLst>
+              <a:ext uri="{FF2B5EF4-FFF2-40B4-BE49-F238E27FC236}">
+                <a16:creationId xmlns:a16="http://schemas.microsoft.com/office/drawing/2014/main" id="{6A1872A9-B6E8-1887-0815-BBCCF51CD2CE}"/>
+              </a:ext>
+            </a:extLst>
+          </p:cNvPr>
+          <p:cNvSpPr>
+            <a:spLocks noGrp="1"/>
+          </p:cNvSpPr>
+          <p:nvPr>
+            <p:ph type="title"/>
+          </p:nvPr>
+        </p:nvSpPr>
+        <p:spPr>
+          <a:xfrm>
+            <a:off x="457200" y="205980"/>
+            <a:ext cx="8229600" cy="857251"/>
+          </a:xfrm>
+        </p:spPr>
+        <p:txBody>
+          <a:bodyPr>
+            <a:normAutofit/>
+          </a:bodyPr>
+          <a:lstStyle/>
+          <a:p>
+            <a:r>
+              <a:rPr lang="en-US" b="1" dirty="0">
+                <a:solidFill>
+                  <a:srgbClr val="0070C0"/>
+                </a:solidFill>
+              </a:rPr>
+              <a:t>CLP – </a:t>
+            </a:r>
+            <a:r>
+              <a:rPr lang="en-US" b="1" dirty="0" err="1">
+                <a:solidFill>
+                  <a:srgbClr val="0070C0"/>
+                </a:solidFill>
+              </a:rPr>
+              <a:t>Softwares</a:t>
+            </a:r>
+            <a:r>
+              <a:rPr lang="en-US" b="1" dirty="0">
+                <a:solidFill>
+                  <a:srgbClr val="0070C0"/>
+                </a:solidFill>
+              </a:rPr>
+              <a:t> (</a:t>
+            </a:r>
+            <a:r>
+              <a:rPr lang="en-US" b="1" dirty="0" err="1">
+                <a:solidFill>
+                  <a:srgbClr val="0070C0"/>
+                </a:solidFill>
+              </a:rPr>
+              <a:t>Supervisório</a:t>
+            </a:r>
+            <a:r>
+              <a:rPr lang="en-US" b="1" dirty="0">
+                <a:solidFill>
+                  <a:srgbClr val="0070C0"/>
+                </a:solidFill>
+              </a:rPr>
+              <a:t>)</a:t>
+            </a:r>
+          </a:p>
+        </p:txBody>
+      </p:sp>
+      <p:sp>
+        <p:nvSpPr>
+          <p:cNvPr id="8" name="Text Placeholder 2">
+            <a:extLst>
+              <a:ext uri="{FF2B5EF4-FFF2-40B4-BE49-F238E27FC236}">
+                <a16:creationId xmlns:a16="http://schemas.microsoft.com/office/drawing/2014/main" id="{8516263A-11A0-44F5-52C9-04F213AFB7A2}"/>
+              </a:ext>
+            </a:extLst>
+          </p:cNvPr>
+          <p:cNvSpPr>
+            <a:spLocks noGrp="1"/>
+          </p:cNvSpPr>
+          <p:nvPr>
+            <p:ph type="body" sz="half" idx="1"/>
+          </p:nvPr>
+        </p:nvSpPr>
+        <p:spPr>
+          <a:xfrm>
+            <a:off x="142865" y="1035050"/>
+            <a:ext cx="8865056" cy="3994150"/>
+          </a:xfrm>
+        </p:spPr>
+        <p:txBody>
+          <a:bodyPr>
+            <a:noAutofit/>
+          </a:bodyPr>
+          <a:lstStyle/>
+          <a:p>
+            <a:pPr algn="just"/>
+            <a:r>
+              <a:rPr lang="pt-BR" sz="2400" dirty="0">
+                <a:latin typeface="Times New Roman" panose="02020603050405020304" pitchFamily="18" charset="0"/>
+                <a:cs typeface="Times New Roman" panose="02020603050405020304" pitchFamily="18" charset="0"/>
+              </a:rPr>
+              <a:t>Elipse E3;</a:t>
+            </a:r>
+          </a:p>
+          <a:p>
+            <a:pPr algn="just"/>
+            <a:endParaRPr lang="pt-BR" sz="2400" dirty="0">
+              <a:latin typeface="Times New Roman" panose="02020603050405020304" pitchFamily="18" charset="0"/>
+              <a:cs typeface="Times New Roman" panose="02020603050405020304" pitchFamily="18" charset="0"/>
+            </a:endParaRPr>
+          </a:p>
+          <a:p>
+            <a:pPr algn="just"/>
+            <a:r>
+              <a:rPr lang="pt-BR" sz="2400" dirty="0" err="1">
+                <a:latin typeface="Times New Roman" panose="02020603050405020304" pitchFamily="18" charset="0"/>
+                <a:cs typeface="Times New Roman" panose="02020603050405020304" pitchFamily="18" charset="0"/>
+              </a:rPr>
+              <a:t>InduSoft</a:t>
+            </a:r>
+            <a:r>
+              <a:rPr lang="pt-BR" sz="2400" dirty="0">
+                <a:latin typeface="Times New Roman" panose="02020603050405020304" pitchFamily="18" charset="0"/>
+                <a:cs typeface="Times New Roman" panose="02020603050405020304" pitchFamily="18" charset="0"/>
+              </a:rPr>
+              <a:t> Web Studio;</a:t>
+            </a:r>
+          </a:p>
+          <a:p>
+            <a:pPr algn="just"/>
+            <a:endParaRPr lang="pt-BR" sz="2400" dirty="0">
+              <a:latin typeface="Times New Roman" panose="02020603050405020304" pitchFamily="18" charset="0"/>
+              <a:cs typeface="Times New Roman" panose="02020603050405020304" pitchFamily="18" charset="0"/>
+            </a:endParaRPr>
+          </a:p>
+          <a:p>
+            <a:pPr algn="just"/>
+            <a:r>
+              <a:rPr lang="pt-BR" sz="2400" dirty="0">
+                <a:latin typeface="Times New Roman" panose="02020603050405020304" pitchFamily="18" charset="0"/>
+                <a:cs typeface="Times New Roman" panose="02020603050405020304" pitchFamily="18" charset="0"/>
+              </a:rPr>
+              <a:t>Siemens </a:t>
+            </a:r>
+            <a:r>
+              <a:rPr lang="pt-BR" sz="2400" dirty="0" err="1">
+                <a:latin typeface="Times New Roman" panose="02020603050405020304" pitchFamily="18" charset="0"/>
+                <a:cs typeface="Times New Roman" panose="02020603050405020304" pitchFamily="18" charset="0"/>
+              </a:rPr>
+              <a:t>WinCC</a:t>
+            </a:r>
+            <a:r>
+              <a:rPr lang="pt-BR" sz="2400" dirty="0">
+                <a:latin typeface="Times New Roman" panose="02020603050405020304" pitchFamily="18" charset="0"/>
+                <a:cs typeface="Times New Roman" panose="02020603050405020304" pitchFamily="18" charset="0"/>
+              </a:rPr>
+              <a:t>;</a:t>
+            </a:r>
+          </a:p>
+          <a:p>
+            <a:pPr algn="just"/>
+            <a:endParaRPr lang="pt-BR" sz="2400" dirty="0">
+              <a:latin typeface="Times New Roman" panose="02020603050405020304" pitchFamily="18" charset="0"/>
+              <a:cs typeface="Times New Roman" panose="02020603050405020304" pitchFamily="18" charset="0"/>
+            </a:endParaRPr>
+          </a:p>
+          <a:p>
+            <a:pPr algn="just"/>
+            <a:r>
+              <a:rPr lang="pt-BR" sz="2400" dirty="0" err="1">
+                <a:latin typeface="Times New Roman" panose="02020603050405020304" pitchFamily="18" charset="0"/>
+                <a:cs typeface="Times New Roman" panose="02020603050405020304" pitchFamily="18" charset="0"/>
+              </a:rPr>
+              <a:t>Ignition</a:t>
+            </a:r>
+            <a:r>
+              <a:rPr lang="pt-BR" sz="2400" dirty="0">
+                <a:latin typeface="Times New Roman" panose="02020603050405020304" pitchFamily="18" charset="0"/>
+                <a:cs typeface="Times New Roman" panose="02020603050405020304" pitchFamily="18" charset="0"/>
+              </a:rPr>
+              <a:t> SCADA.</a:t>
+            </a:r>
+          </a:p>
+        </p:txBody>
+      </p:sp>
+    </p:spTree>
+    <p:extLst>
+      <p:ext uri="{BB962C8B-B14F-4D97-AF65-F5344CB8AC3E}">
+        <p14:creationId xmlns:p14="http://schemas.microsoft.com/office/powerpoint/2010/main" val="2912902171"/>
       </p:ext>
     </p:extLst>
   </p:cSld>
@@ -5247,7 +8351,13 @@
   <p:cSld>
     <p:spTree>
       <p:nvGrpSpPr>
-        <p:cNvPr id="1" name=""/>
+        <p:cNvPr id="1" name="">
+          <a:extLst>
+            <a:ext uri="{FF2B5EF4-FFF2-40B4-BE49-F238E27FC236}">
+              <a16:creationId xmlns:a16="http://schemas.microsoft.com/office/drawing/2014/main" id="{6AB53AE8-26D3-4D41-9836-4D0B5DA1BDEB}"/>
+            </a:ext>
+          </a:extLst>
+        </p:cNvPr>
         <p:cNvGrpSpPr/>
         <p:nvPr/>
       </p:nvGrpSpPr>
@@ -5259,67 +8369,15 @@
           <a:chExt cx="0" cy="0"/>
         </a:xfrm>
       </p:grpSpPr>
-      <p:pic>
-        <p:nvPicPr>
-          <p:cNvPr id="112" name="Picture 6" descr="Picture 6"/>
-          <p:cNvPicPr>
-            <a:picLocks noChangeAspect="1"/>
-          </p:cNvPicPr>
-          <p:nvPr/>
-        </p:nvPicPr>
-        <p:blipFill>
-          <a:blip r:embed="rId2"/>
-          <a:stretch>
-            <a:fillRect/>
-          </a:stretch>
-        </p:blipFill>
-        <p:spPr>
-          <a:xfrm>
-            <a:off x="0" y="0"/>
-            <a:ext cx="9144000" cy="5143500"/>
-          </a:xfrm>
-          <a:prstGeom prst="rect">
-            <a:avLst/>
-          </a:prstGeom>
-          <a:ln w="12700">
-            <a:miter lim="400000"/>
-            <a:headEnd/>
-            <a:tailEnd/>
-          </a:ln>
-        </p:spPr>
-      </p:pic>
-      <p:pic>
-        <p:nvPicPr>
-          <p:cNvPr id="114" name="Picture 5" descr="Picture 5"/>
-          <p:cNvPicPr>
-            <a:picLocks noChangeAspect="1"/>
-          </p:cNvPicPr>
-          <p:nvPr/>
-        </p:nvPicPr>
-        <p:blipFill>
-          <a:blip r:embed="rId3"/>
-          <a:stretch>
-            <a:fillRect/>
-          </a:stretch>
-        </p:blipFill>
-        <p:spPr>
-          <a:xfrm>
-            <a:off x="469900" y="0"/>
-            <a:ext cx="4391984" cy="171450"/>
-          </a:xfrm>
-          <a:prstGeom prst="rect">
-            <a:avLst/>
-          </a:prstGeom>
-          <a:ln w="12700">
-            <a:miter lim="400000"/>
-            <a:headEnd/>
-            <a:tailEnd/>
-          </a:ln>
-        </p:spPr>
-      </p:pic>
       <p:sp>
         <p:nvSpPr>
-          <p:cNvPr id="3" name="Título 2"/>
+          <p:cNvPr id="6" name="Title 1">
+            <a:extLst>
+              <a:ext uri="{FF2B5EF4-FFF2-40B4-BE49-F238E27FC236}">
+                <a16:creationId xmlns:a16="http://schemas.microsoft.com/office/drawing/2014/main" id="{67F767D1-D05B-3BC9-09F5-42D9A5C6D687}"/>
+              </a:ext>
+            </a:extLst>
+          </p:cNvPr>
           <p:cNvSpPr>
             <a:spLocks noGrp="1"/>
           </p:cNvSpPr>
@@ -5329,8 +8387,63 @@
         </p:nvSpPr>
         <p:spPr>
           <a:xfrm>
-            <a:off x="285751" y="2386770"/>
-            <a:ext cx="8615364" cy="1102519"/>
+            <a:off x="457200" y="205980"/>
+            <a:ext cx="8229600" cy="857251"/>
+          </a:xfrm>
+        </p:spPr>
+        <p:txBody>
+          <a:bodyPr>
+            <a:normAutofit/>
+          </a:bodyPr>
+          <a:lstStyle/>
+          <a:p>
+            <a:r>
+              <a:rPr lang="en-US" b="1" dirty="0">
+                <a:solidFill>
+                  <a:srgbClr val="0070C0"/>
+                </a:solidFill>
+              </a:rPr>
+              <a:t>CLP – </a:t>
+            </a:r>
+            <a:r>
+              <a:rPr lang="en-US" b="1" dirty="0" err="1">
+                <a:solidFill>
+                  <a:srgbClr val="0070C0"/>
+                </a:solidFill>
+              </a:rPr>
+              <a:t>Integração</a:t>
+            </a:r>
+            <a:r>
+              <a:rPr lang="en-US" b="1" dirty="0">
+                <a:solidFill>
+                  <a:srgbClr val="0070C0"/>
+                </a:solidFill>
+              </a:rPr>
+              <a:t> CLP + SCADA</a:t>
+            </a:r>
+          </a:p>
+        </p:txBody>
+      </p:sp>
+      <p:sp>
+        <p:nvSpPr>
+          <p:cNvPr id="8" name="Text Placeholder 2">
+            <a:extLst>
+              <a:ext uri="{FF2B5EF4-FFF2-40B4-BE49-F238E27FC236}">
+                <a16:creationId xmlns:a16="http://schemas.microsoft.com/office/drawing/2014/main" id="{D8BAC4D7-9E5C-1644-72FF-99678B20620F}"/>
+              </a:ext>
+            </a:extLst>
+          </p:cNvPr>
+          <p:cNvSpPr>
+            <a:spLocks noGrp="1"/>
+          </p:cNvSpPr>
+          <p:nvPr>
+            <p:ph type="body" sz="half" idx="1"/>
+          </p:nvPr>
+        </p:nvSpPr>
+        <p:spPr>
+          <a:xfrm>
+            <a:off x="142865" y="1035050"/>
+            <a:ext cx="8865056" cy="3994150"/>
           </a:xfrm>
         </p:spPr>
         <p:txBody>
@@ -5339,356 +8452,331 @@
           </a:bodyPr>
           <a:lstStyle/>
           <a:p>
-            <a:r>
-              <a:rPr lang="pt-BR" sz="4800" b="1" dirty="0">
-                <a:solidFill>
-                  <a:schemeClr val="bg1"/>
-                </a:solidFill>
-              </a:rPr>
-              <a:t>Controladores Lógicos e Programáveis (CLP)</a:t>
+            <a:pPr algn="just"/>
+            <a:r>
+              <a:rPr lang="pt-BR" sz="2400" dirty="0">
+                <a:latin typeface="Times New Roman" panose="02020603050405020304" pitchFamily="18" charset="0"/>
+                <a:cs typeface="Times New Roman" panose="02020603050405020304" pitchFamily="18" charset="0"/>
+              </a:rPr>
+              <a:t>Elipse E3;</a:t>
+            </a:r>
+          </a:p>
+          <a:p>
+            <a:pPr algn="just"/>
+            <a:endParaRPr lang="pt-BR" sz="2400" dirty="0">
+              <a:latin typeface="Times New Roman" panose="02020603050405020304" pitchFamily="18" charset="0"/>
+              <a:cs typeface="Times New Roman" panose="02020603050405020304" pitchFamily="18" charset="0"/>
+            </a:endParaRPr>
+          </a:p>
+          <a:p>
+            <a:pPr algn="just"/>
+            <a:r>
+              <a:rPr lang="pt-BR" sz="2400" dirty="0" err="1">
+                <a:latin typeface="Times New Roman" panose="02020603050405020304" pitchFamily="18" charset="0"/>
+                <a:cs typeface="Times New Roman" panose="02020603050405020304" pitchFamily="18" charset="0"/>
+              </a:rPr>
+              <a:t>InduSoft</a:t>
+            </a:r>
+            <a:r>
+              <a:rPr lang="pt-BR" sz="2400" dirty="0">
+                <a:latin typeface="Times New Roman" panose="02020603050405020304" pitchFamily="18" charset="0"/>
+                <a:cs typeface="Times New Roman" panose="02020603050405020304" pitchFamily="18" charset="0"/>
+              </a:rPr>
+              <a:t> Web Studio;</a:t>
+            </a:r>
+          </a:p>
+          <a:p>
+            <a:pPr algn="just"/>
+            <a:endParaRPr lang="pt-BR" sz="2400" dirty="0">
+              <a:latin typeface="Times New Roman" panose="02020603050405020304" pitchFamily="18" charset="0"/>
+              <a:cs typeface="Times New Roman" panose="02020603050405020304" pitchFamily="18" charset="0"/>
+            </a:endParaRPr>
+          </a:p>
+          <a:p>
+            <a:pPr algn="just"/>
+            <a:r>
+              <a:rPr lang="pt-BR" sz="2400" dirty="0">
+                <a:latin typeface="Times New Roman" panose="02020603050405020304" pitchFamily="18" charset="0"/>
+                <a:cs typeface="Times New Roman" panose="02020603050405020304" pitchFamily="18" charset="0"/>
+              </a:rPr>
+              <a:t>Siemens </a:t>
+            </a:r>
+            <a:r>
+              <a:rPr lang="pt-BR" sz="2400" dirty="0" err="1">
+                <a:latin typeface="Times New Roman" panose="02020603050405020304" pitchFamily="18" charset="0"/>
+                <a:cs typeface="Times New Roman" panose="02020603050405020304" pitchFamily="18" charset="0"/>
+              </a:rPr>
+              <a:t>WinCC</a:t>
+            </a:r>
+            <a:r>
+              <a:rPr lang="pt-BR" sz="2400" dirty="0">
+                <a:latin typeface="Times New Roman" panose="02020603050405020304" pitchFamily="18" charset="0"/>
+                <a:cs typeface="Times New Roman" panose="02020603050405020304" pitchFamily="18" charset="0"/>
+              </a:rPr>
+              <a:t>;</a:t>
+            </a:r>
+          </a:p>
+          <a:p>
+            <a:pPr algn="just"/>
+            <a:endParaRPr lang="pt-BR" sz="2400" dirty="0">
+              <a:latin typeface="Times New Roman" panose="02020603050405020304" pitchFamily="18" charset="0"/>
+              <a:cs typeface="Times New Roman" panose="02020603050405020304" pitchFamily="18" charset="0"/>
+            </a:endParaRPr>
+          </a:p>
+          <a:p>
+            <a:pPr algn="just"/>
+            <a:r>
+              <a:rPr lang="pt-BR" sz="2400" dirty="0" err="1">
+                <a:latin typeface="Times New Roman" panose="02020603050405020304" pitchFamily="18" charset="0"/>
+                <a:cs typeface="Times New Roman" panose="02020603050405020304" pitchFamily="18" charset="0"/>
+              </a:rPr>
+              <a:t>Ignition</a:t>
+            </a:r>
+            <a:r>
+              <a:rPr lang="pt-BR" sz="2400" dirty="0">
+                <a:latin typeface="Times New Roman" panose="02020603050405020304" pitchFamily="18" charset="0"/>
+                <a:cs typeface="Times New Roman" panose="02020603050405020304" pitchFamily="18" charset="0"/>
+              </a:rPr>
+              <a:t> SCADA.</a:t>
+            </a:r>
+          </a:p>
+        </p:txBody>
+      </p:sp>
+    </p:spTree>
+    <p:extLst>
+      <p:ext uri="{BB962C8B-B14F-4D97-AF65-F5344CB8AC3E}">
+        <p14:creationId xmlns:p14="http://schemas.microsoft.com/office/powerpoint/2010/main" val="3080876776"/>
+      </p:ext>
+    </p:extLst>
+  </p:cSld>
+  <p:clrMapOvr>
+    <a:masterClrMapping/>
+  </p:clrMapOvr>
+  <p:transition spd="med"/>
+</p:sld>
+</file>
+
+<file path=ppt/slides/slide9.xml><?xml version="1.0" encoding="utf-8"?>
+<p:sld xmlns:a="http://schemas.openxmlformats.org/drawingml/2006/main" xmlns:r="http://schemas.openxmlformats.org/officeDocument/2006/relationships" xmlns:p="http://schemas.openxmlformats.org/presentationml/2006/main">
+  <p:cSld>
+    <p:spTree>
+      <p:nvGrpSpPr>
+        <p:cNvPr id="1" name="">
+          <a:extLst>
+            <a:ext uri="{FF2B5EF4-FFF2-40B4-BE49-F238E27FC236}">
+              <a16:creationId xmlns:a16="http://schemas.microsoft.com/office/drawing/2014/main" id="{69DC2CCA-5B1D-21E0-745D-70AAF1E6C27A}"/>
+            </a:ext>
+          </a:extLst>
+        </p:cNvPr>
+        <p:cNvGrpSpPr/>
+        <p:nvPr/>
+      </p:nvGrpSpPr>
+      <p:grpSpPr>
+        <a:xfrm>
+          <a:off x="0" y="0"/>
+          <a:ext cx="0" cy="0"/>
+          <a:chOff x="0" y="0"/>
+          <a:chExt cx="0" cy="0"/>
+        </a:xfrm>
+      </p:grpSpPr>
+      <p:sp>
+        <p:nvSpPr>
+          <p:cNvPr id="6" name="Title 1">
+            <a:extLst>
+              <a:ext uri="{FF2B5EF4-FFF2-40B4-BE49-F238E27FC236}">
+                <a16:creationId xmlns:a16="http://schemas.microsoft.com/office/drawing/2014/main" id="{CF455AEE-336E-0FB9-B475-4F57A42802FC}"/>
+              </a:ext>
+            </a:extLst>
+          </p:cNvPr>
+          <p:cNvSpPr>
+            <a:spLocks noGrp="1"/>
+          </p:cNvSpPr>
+          <p:nvPr>
+            <p:ph type="title"/>
+          </p:nvPr>
+        </p:nvSpPr>
+        <p:spPr>
+          <a:xfrm>
+            <a:off x="457200" y="205980"/>
+            <a:ext cx="8229600" cy="857251"/>
+          </a:xfrm>
+        </p:spPr>
+        <p:txBody>
+          <a:bodyPr>
+            <a:normAutofit/>
+          </a:bodyPr>
+          <a:lstStyle/>
+          <a:p>
+            <a:r>
+              <a:rPr lang="en-US" b="1" dirty="0">
+                <a:solidFill>
+                  <a:srgbClr val="0070C0"/>
+                </a:solidFill>
+              </a:rPr>
+              <a:t>CLP – </a:t>
+            </a:r>
+            <a:r>
+              <a:rPr lang="en-US" b="1" dirty="0" err="1">
+                <a:solidFill>
+                  <a:srgbClr val="0070C0"/>
+                </a:solidFill>
+              </a:rPr>
+              <a:t>Integração</a:t>
+            </a:r>
+            <a:r>
+              <a:rPr lang="en-US" b="1" dirty="0">
+                <a:solidFill>
+                  <a:srgbClr val="0070C0"/>
+                </a:solidFill>
+              </a:rPr>
+              <a:t> CLP + SCADA</a:t>
             </a:r>
           </a:p>
         </p:txBody>
       </p:sp>
       <p:sp>
         <p:nvSpPr>
-          <p:cNvPr id="6" name="Título 2"/>
-          <p:cNvSpPr txBox="1"/>
-          <p:nvPr/>
+          <p:cNvPr id="8" name="Text Placeholder 2">
+            <a:extLst>
+              <a:ext uri="{FF2B5EF4-FFF2-40B4-BE49-F238E27FC236}">
+                <a16:creationId xmlns:a16="http://schemas.microsoft.com/office/drawing/2014/main" id="{DC551142-CA47-AF06-E933-67FB8B7D9C63}"/>
+              </a:ext>
+            </a:extLst>
+          </p:cNvPr>
+          <p:cNvSpPr>
+            <a:spLocks noGrp="1"/>
+          </p:cNvSpPr>
+          <p:nvPr>
+            <p:ph type="body" sz="half" idx="1"/>
+          </p:nvPr>
         </p:nvSpPr>
         <p:spPr>
           <a:xfrm>
-            <a:off x="975683" y="3866663"/>
-            <a:ext cx="7772400" cy="1102519"/>
+            <a:off x="142865" y="1035050"/>
+            <a:ext cx="8865056" cy="3994150"/>
           </a:xfrm>
-          <a:prstGeom prst="rect">
-            <a:avLst/>
-          </a:prstGeom>
-          <a:ln w="12700">
-            <a:miter lim="400000"/>
-          </a:ln>
         </p:spPr>
         <p:txBody>
-          <a:bodyPr lIns="45718" tIns="45718" rIns="45718" bIns="45718" anchor="ctr">
+          <a:bodyPr>
             <a:noAutofit/>
           </a:bodyPr>
-          <a:lstStyle>
-            <a:lvl1pPr marL="0" marR="0" indent="0" algn="ctr" defTabSz="457200" rtl="0" latinLnBrk="0">
-              <a:lnSpc>
-                <a:spcPct val="100000"/>
-              </a:lnSpc>
-              <a:spcBef>
-                <a:spcPts val="0"/>
-              </a:spcBef>
-              <a:spcAft>
-                <a:spcPts val="0"/>
-              </a:spcAft>
-              <a:buClrTx/>
-              <a:buSzTx/>
-              <a:buFontTx/>
+          <a:lstStyle/>
+          <a:p>
+            <a:pPr algn="just"/>
+            <a:r>
+              <a:rPr lang="pt-BR" sz="2200" dirty="0">
+                <a:latin typeface="Times New Roman" panose="02020603050405020304" pitchFamily="18" charset="0"/>
+                <a:cs typeface="Times New Roman" panose="02020603050405020304" pitchFamily="18" charset="0"/>
+              </a:rPr>
+              <a:t>CLP coleta dados em campo;</a:t>
+            </a:r>
+          </a:p>
+          <a:p>
+            <a:pPr algn="just"/>
+            <a:r>
+              <a:rPr lang="pt-BR" sz="2200" dirty="0">
+                <a:latin typeface="Times New Roman" panose="02020603050405020304" pitchFamily="18" charset="0"/>
+                <a:cs typeface="Times New Roman" panose="02020603050405020304" pitchFamily="18" charset="0"/>
+              </a:rPr>
+              <a:t>SCADA recebe, armazena e apresenta;</a:t>
+            </a:r>
+          </a:p>
+          <a:p>
+            <a:pPr algn="just"/>
+            <a:r>
+              <a:rPr lang="pt-BR" sz="2200" dirty="0">
+                <a:latin typeface="Times New Roman" panose="02020603050405020304" pitchFamily="18" charset="0"/>
+                <a:cs typeface="Times New Roman" panose="02020603050405020304" pitchFamily="18" charset="0"/>
+              </a:rPr>
+              <a:t>Operação manual via IHM;</a:t>
+            </a:r>
+          </a:p>
+          <a:p>
+            <a:pPr algn="just"/>
+            <a:r>
+              <a:rPr lang="pt-BR" sz="2200" dirty="0">
+                <a:latin typeface="Times New Roman" panose="02020603050405020304" pitchFamily="18" charset="0"/>
+                <a:cs typeface="Times New Roman" panose="02020603050405020304" pitchFamily="18" charset="0"/>
+              </a:rPr>
+              <a:t>Alarmes, gráficos e relatórios.</a:t>
+            </a:r>
+          </a:p>
+          <a:p>
+            <a:pPr marL="0" indent="0" algn="just">
               <a:buNone/>
-              <a:defRPr sz="4400" b="0" i="0" u="none" strike="noStrike" cap="none" spc="0" baseline="0">
-                <a:ln>
-                  <a:noFill/>
-                </a:ln>
-                <a:solidFill>
-                  <a:srgbClr val="000000"/>
-                </a:solidFill>
-                <a:uFillTx/>
-                <a:latin typeface="+mj-lt"/>
-                <a:ea typeface="+mj-ea"/>
-                <a:cs typeface="+mj-cs"/>
-                <a:sym typeface="Calibri"/>
-              </a:defRPr>
-            </a:lvl1pPr>
-            <a:lvl2pPr marL="0" marR="0" indent="0" algn="ctr" defTabSz="457200" rtl="0" latinLnBrk="0">
-              <a:lnSpc>
-                <a:spcPct val="100000"/>
-              </a:lnSpc>
-              <a:spcBef>
-                <a:spcPts val="0"/>
-              </a:spcBef>
-              <a:spcAft>
-                <a:spcPts val="0"/>
-              </a:spcAft>
-              <a:buClrTx/>
-              <a:buSzTx/>
-              <a:buFontTx/>
+            </a:pPr>
+            <a:endParaRPr lang="pt-BR" sz="2400" dirty="0">
+              <a:latin typeface="Times New Roman" panose="02020603050405020304" pitchFamily="18" charset="0"/>
+              <a:cs typeface="Times New Roman" panose="02020603050405020304" pitchFamily="18" charset="0"/>
+            </a:endParaRPr>
+          </a:p>
+          <a:p>
+            <a:pPr marL="0" indent="0" algn="just">
               <a:buNone/>
-              <a:defRPr sz="4400" b="0" i="0" u="none" strike="noStrike" cap="none" spc="0" baseline="0">
-                <a:ln>
-                  <a:noFill/>
-                </a:ln>
-                <a:solidFill>
-                  <a:srgbClr val="000000"/>
-                </a:solidFill>
-                <a:uFillTx/>
-                <a:latin typeface="+mj-lt"/>
-                <a:ea typeface="+mj-ea"/>
-                <a:cs typeface="+mj-cs"/>
-                <a:sym typeface="Calibri"/>
-              </a:defRPr>
-            </a:lvl2pPr>
-            <a:lvl3pPr marL="0" marR="0" indent="0" algn="ctr" defTabSz="457200" rtl="0" latinLnBrk="0">
-              <a:lnSpc>
-                <a:spcPct val="100000"/>
-              </a:lnSpc>
-              <a:spcBef>
-                <a:spcPts val="0"/>
-              </a:spcBef>
-              <a:spcAft>
-                <a:spcPts val="0"/>
-              </a:spcAft>
-              <a:buClrTx/>
-              <a:buSzTx/>
-              <a:buFontTx/>
-              <a:buNone/>
-              <a:defRPr sz="4400" b="0" i="0" u="none" strike="noStrike" cap="none" spc="0" baseline="0">
-                <a:ln>
-                  <a:noFill/>
-                </a:ln>
-                <a:solidFill>
-                  <a:srgbClr val="000000"/>
-                </a:solidFill>
-                <a:uFillTx/>
-                <a:latin typeface="+mj-lt"/>
-                <a:ea typeface="+mj-ea"/>
-                <a:cs typeface="+mj-cs"/>
-                <a:sym typeface="Calibri"/>
-              </a:defRPr>
-            </a:lvl3pPr>
-            <a:lvl4pPr marL="0" marR="0" indent="0" algn="ctr" defTabSz="457200" rtl="0" latinLnBrk="0">
-              <a:lnSpc>
-                <a:spcPct val="100000"/>
-              </a:lnSpc>
-              <a:spcBef>
-                <a:spcPts val="0"/>
-              </a:spcBef>
-              <a:spcAft>
-                <a:spcPts val="0"/>
-              </a:spcAft>
-              <a:buClrTx/>
-              <a:buSzTx/>
-              <a:buFontTx/>
-              <a:buNone/>
-              <a:defRPr sz="4400" b="0" i="0" u="none" strike="noStrike" cap="none" spc="0" baseline="0">
-                <a:ln>
-                  <a:noFill/>
-                </a:ln>
-                <a:solidFill>
-                  <a:srgbClr val="000000"/>
-                </a:solidFill>
-                <a:uFillTx/>
-                <a:latin typeface="+mj-lt"/>
-                <a:ea typeface="+mj-ea"/>
-                <a:cs typeface="+mj-cs"/>
-                <a:sym typeface="Calibri"/>
-              </a:defRPr>
-            </a:lvl4pPr>
-            <a:lvl5pPr marL="0" marR="0" indent="0" algn="ctr" defTabSz="457200" rtl="0" latinLnBrk="0">
-              <a:lnSpc>
-                <a:spcPct val="100000"/>
-              </a:lnSpc>
-              <a:spcBef>
-                <a:spcPts val="0"/>
-              </a:spcBef>
-              <a:spcAft>
-                <a:spcPts val="0"/>
-              </a:spcAft>
-              <a:buClrTx/>
-              <a:buSzTx/>
-              <a:buFontTx/>
-              <a:buNone/>
-              <a:defRPr sz="4400" b="0" i="0" u="none" strike="noStrike" cap="none" spc="0" baseline="0">
-                <a:ln>
-                  <a:noFill/>
-                </a:ln>
-                <a:solidFill>
-                  <a:srgbClr val="000000"/>
-                </a:solidFill>
-                <a:uFillTx/>
-                <a:latin typeface="+mj-lt"/>
-                <a:ea typeface="+mj-ea"/>
-                <a:cs typeface="+mj-cs"/>
-                <a:sym typeface="Calibri"/>
-              </a:defRPr>
-            </a:lvl5pPr>
-            <a:lvl6pPr marL="0" marR="0" indent="0" algn="ctr" defTabSz="457200" rtl="0" latinLnBrk="0">
-              <a:lnSpc>
-                <a:spcPct val="100000"/>
-              </a:lnSpc>
-              <a:spcBef>
-                <a:spcPts val="0"/>
-              </a:spcBef>
-              <a:spcAft>
-                <a:spcPts val="0"/>
-              </a:spcAft>
-              <a:buClrTx/>
-              <a:buSzTx/>
-              <a:buFontTx/>
-              <a:buNone/>
-              <a:defRPr sz="4400" b="0" i="0" u="none" strike="noStrike" cap="none" spc="0" baseline="0">
-                <a:ln>
-                  <a:noFill/>
-                </a:ln>
-                <a:solidFill>
-                  <a:srgbClr val="000000"/>
-                </a:solidFill>
-                <a:uFillTx/>
-                <a:latin typeface="+mj-lt"/>
-                <a:ea typeface="+mj-ea"/>
-                <a:cs typeface="+mj-cs"/>
-                <a:sym typeface="Calibri"/>
-              </a:defRPr>
-            </a:lvl6pPr>
-            <a:lvl7pPr marL="0" marR="0" indent="0" algn="ctr" defTabSz="457200" rtl="0" latinLnBrk="0">
-              <a:lnSpc>
-                <a:spcPct val="100000"/>
-              </a:lnSpc>
-              <a:spcBef>
-                <a:spcPts val="0"/>
-              </a:spcBef>
-              <a:spcAft>
-                <a:spcPts val="0"/>
-              </a:spcAft>
-              <a:buClrTx/>
-              <a:buSzTx/>
-              <a:buFontTx/>
-              <a:buNone/>
-              <a:defRPr sz="4400" b="0" i="0" u="none" strike="noStrike" cap="none" spc="0" baseline="0">
-                <a:ln>
-                  <a:noFill/>
-                </a:ln>
-                <a:solidFill>
-                  <a:srgbClr val="000000"/>
-                </a:solidFill>
-                <a:uFillTx/>
-                <a:latin typeface="+mj-lt"/>
-                <a:ea typeface="+mj-ea"/>
-                <a:cs typeface="+mj-cs"/>
-                <a:sym typeface="Calibri"/>
-              </a:defRPr>
-            </a:lvl7pPr>
-            <a:lvl8pPr marL="0" marR="0" indent="0" algn="ctr" defTabSz="457200" rtl="0" latinLnBrk="0">
-              <a:lnSpc>
-                <a:spcPct val="100000"/>
-              </a:lnSpc>
-              <a:spcBef>
-                <a:spcPts val="0"/>
-              </a:spcBef>
-              <a:spcAft>
-                <a:spcPts val="0"/>
-              </a:spcAft>
-              <a:buClrTx/>
-              <a:buSzTx/>
-              <a:buFontTx/>
-              <a:buNone/>
-              <a:defRPr sz="4400" b="0" i="0" u="none" strike="noStrike" cap="none" spc="0" baseline="0">
-                <a:ln>
-                  <a:noFill/>
-                </a:ln>
-                <a:solidFill>
-                  <a:srgbClr val="000000"/>
-                </a:solidFill>
-                <a:uFillTx/>
-                <a:latin typeface="+mj-lt"/>
-                <a:ea typeface="+mj-ea"/>
-                <a:cs typeface="+mj-cs"/>
-                <a:sym typeface="Calibri"/>
-              </a:defRPr>
-            </a:lvl8pPr>
-            <a:lvl9pPr marL="0" marR="0" indent="0" algn="ctr" defTabSz="457200" rtl="0" latinLnBrk="0">
-              <a:lnSpc>
-                <a:spcPct val="100000"/>
-              </a:lnSpc>
-              <a:spcBef>
-                <a:spcPts val="0"/>
-              </a:spcBef>
-              <a:spcAft>
-                <a:spcPts val="0"/>
-              </a:spcAft>
-              <a:buClrTx/>
-              <a:buSzTx/>
-              <a:buFontTx/>
-              <a:buNone/>
-              <a:defRPr sz="4400" b="0" i="0" u="none" strike="noStrike" cap="none" spc="0" baseline="0">
-                <a:ln>
-                  <a:noFill/>
-                </a:ln>
-                <a:solidFill>
-                  <a:srgbClr val="000000"/>
-                </a:solidFill>
-                <a:uFillTx/>
-                <a:latin typeface="+mj-lt"/>
-                <a:ea typeface="+mj-ea"/>
-                <a:cs typeface="+mj-cs"/>
-                <a:sym typeface="Calibri"/>
-              </a:defRPr>
-            </a:lvl9pPr>
-          </a:lstStyle>
-          <a:p>
-            <a:pPr algn="r" hangingPunct="1"/>
-            <a:r>
-              <a:rPr lang="pt-BR" sz="2000" b="1" dirty="0">
-                <a:solidFill>
-                  <a:schemeClr val="bg1"/>
-                </a:solidFill>
-              </a:rPr>
-              <a:t>Professor </a:t>
-            </a:r>
-            <a:r>
-              <a:rPr lang="pt-BR" sz="2000" b="1">
-                <a:solidFill>
-                  <a:schemeClr val="bg1"/>
-                </a:solidFill>
-              </a:rPr>
-              <a:t>M.Sc</a:t>
-            </a:r>
-            <a:r>
-              <a:rPr lang="pt-BR" sz="2000" b="1" dirty="0">
-                <a:solidFill>
-                  <a:schemeClr val="bg1"/>
-                </a:solidFill>
-              </a:rPr>
-              <a:t>. Heleno Cardoso</a:t>
+            </a:pPr>
+            <a:r>
+              <a:rPr lang="pt-BR" sz="2400" b="1" dirty="0">
+                <a:solidFill>
+                  <a:srgbClr val="FF0000"/>
+                </a:solidFill>
+                <a:latin typeface="Times New Roman" panose="02020603050405020304" pitchFamily="18" charset="0"/>
+                <a:cs typeface="Times New Roman" panose="02020603050405020304" pitchFamily="18" charset="0"/>
+              </a:rPr>
+              <a:t>Vantagens dessa integração</a:t>
+            </a:r>
+            <a:endParaRPr lang="pt-BR" sz="2400" dirty="0">
+              <a:latin typeface="Times New Roman" panose="02020603050405020304" pitchFamily="18" charset="0"/>
+              <a:cs typeface="Times New Roman" panose="02020603050405020304" pitchFamily="18" charset="0"/>
+            </a:endParaRPr>
+          </a:p>
+          <a:p>
+            <a:pPr algn="just"/>
+            <a:r>
+              <a:rPr lang="pt-BR" sz="2000" dirty="0">
+                <a:latin typeface="Times New Roman" panose="02020603050405020304" pitchFamily="18" charset="0"/>
+                <a:cs typeface="Times New Roman" panose="02020603050405020304" pitchFamily="18" charset="0"/>
+              </a:rPr>
+              <a:t>Monitoramento em tempo real;</a:t>
+            </a:r>
+          </a:p>
+          <a:p>
+            <a:pPr algn="just"/>
+            <a:r>
+              <a:rPr lang="pt-BR" sz="2000" dirty="0">
+                <a:latin typeface="Times New Roman" panose="02020603050405020304" pitchFamily="18" charset="0"/>
+                <a:cs typeface="Times New Roman" panose="02020603050405020304" pitchFamily="18" charset="0"/>
+              </a:rPr>
+              <a:t>Alarmes e notificações;</a:t>
+            </a:r>
+          </a:p>
+          <a:p>
+            <a:pPr algn="just"/>
+            <a:r>
+              <a:rPr lang="pt-BR" sz="2000" dirty="0">
+                <a:latin typeface="Times New Roman" panose="02020603050405020304" pitchFamily="18" charset="0"/>
+                <a:cs typeface="Times New Roman" panose="02020603050405020304" pitchFamily="18" charset="0"/>
+              </a:rPr>
+              <a:t>Armazenamento de histórico;</a:t>
+            </a:r>
+          </a:p>
+          <a:p>
+            <a:pPr algn="just"/>
+            <a:r>
+              <a:rPr lang="pt-BR" sz="2000" dirty="0">
+                <a:latin typeface="Times New Roman" panose="02020603050405020304" pitchFamily="18" charset="0"/>
+                <a:cs typeface="Times New Roman" panose="02020603050405020304" pitchFamily="18" charset="0"/>
+              </a:rPr>
+              <a:t>Tomada de decisão baseada em dados.</a:t>
             </a:r>
           </a:p>
         </p:txBody>
       </p:sp>
-      <p:pic>
-        <p:nvPicPr>
-          <p:cNvPr id="2" name="Google Shape;62;p1" descr="Imagem">
-            <a:extLst>
-              <a:ext uri="{FF2B5EF4-FFF2-40B4-BE49-F238E27FC236}">
-                <a16:creationId xmlns:a16="http://schemas.microsoft.com/office/drawing/2014/main" id="{9C895622-2963-024D-634E-EA58F5381D06}"/>
-              </a:ext>
-            </a:extLst>
-          </p:cNvPr>
-          <p:cNvPicPr preferRelativeResize="0"/>
-          <p:nvPr/>
-        </p:nvPicPr>
-        <p:blipFill rotWithShape="1">
-          <a:blip r:embed="rId4">
-            <a:alphaModFix/>
-          </a:blip>
-          <a:srcRect/>
-          <a:stretch/>
-        </p:blipFill>
-        <p:spPr>
-          <a:xfrm>
-            <a:off x="469898" y="343798"/>
-            <a:ext cx="2858518" cy="1338697"/>
-          </a:xfrm>
-          <a:prstGeom prst="rect">
-            <a:avLst/>
-          </a:prstGeom>
-          <a:noFill/>
-          <a:ln>
-            <a:noFill/>
-          </a:ln>
-        </p:spPr>
-      </p:pic>
     </p:spTree>
+    <p:extLst>
+      <p:ext uri="{BB962C8B-B14F-4D97-AF65-F5344CB8AC3E}">
+        <p14:creationId xmlns:p14="http://schemas.microsoft.com/office/powerpoint/2010/main" val="1478561031"/>
+      </p:ext>
+    </p:extLst>
   </p:cSld>
   <p:clrMapOvr>
     <a:masterClrMapping/>

--- a/01 Classes/Aula8 - CLP - Sistemas Supervisórios.pptx
+++ b/01 Classes/Aula8 - CLP - Sistemas Supervisórios.pptx
@@ -5,7 +5,7 @@
     <p:sldMasterId id="2147483648" r:id="rId1"/>
   </p:sldMasterIdLst>
   <p:notesMasterIdLst>
-    <p:notesMasterId r:id="rId19"/>
+    <p:notesMasterId r:id="rId18"/>
   </p:notesMasterIdLst>
   <p:sldIdLst>
     <p:sldId id="256" r:id="rId2"/>
@@ -15,16 +15,15 @@
     <p:sldId id="362" r:id="rId6"/>
     <p:sldId id="363" r:id="rId7"/>
     <p:sldId id="364" r:id="rId8"/>
-    <p:sldId id="365" r:id="rId9"/>
-    <p:sldId id="366" r:id="rId10"/>
-    <p:sldId id="367" r:id="rId11"/>
-    <p:sldId id="368" r:id="rId12"/>
-    <p:sldId id="333" r:id="rId13"/>
-    <p:sldId id="323" r:id="rId14"/>
-    <p:sldId id="360" r:id="rId15"/>
-    <p:sldId id="369" r:id="rId16"/>
-    <p:sldId id="337" r:id="rId17"/>
-    <p:sldId id="309" r:id="rId18"/>
+    <p:sldId id="366" r:id="rId9"/>
+    <p:sldId id="367" r:id="rId10"/>
+    <p:sldId id="368" r:id="rId11"/>
+    <p:sldId id="333" r:id="rId12"/>
+    <p:sldId id="323" r:id="rId13"/>
+    <p:sldId id="360" r:id="rId14"/>
+    <p:sldId id="369" r:id="rId15"/>
+    <p:sldId id="337" r:id="rId16"/>
+    <p:sldId id="309" r:id="rId17"/>
   </p:sldIdLst>
   <p:sldSz cx="9144000" cy="5143500" type="screen16x9"/>
   <p:notesSz cx="6858000" cy="9144000"/>
@@ -576,13 +575,7 @@
   <p:cSld>
     <p:spTree>
       <p:nvGrpSpPr>
-        <p:cNvPr id="1" name="">
-          <a:extLst>
-            <a:ext uri="{FF2B5EF4-FFF2-40B4-BE49-F238E27FC236}">
-              <a16:creationId xmlns:a16="http://schemas.microsoft.com/office/drawing/2014/main" id="{6E28AB8C-9E23-3AB8-930A-125D05996B52}"/>
-            </a:ext>
-          </a:extLst>
-        </p:cNvPr>
+        <p:cNvPr id="1" name=""/>
         <p:cNvGrpSpPr/>
         <p:nvPr/>
       </p:nvGrpSpPr>
@@ -596,13 +589,7 @@
       </p:grpSpPr>
       <p:sp>
         <p:nvSpPr>
-          <p:cNvPr id="2" name="Espaço Reservado para Imagem de Slide 1">
-            <a:extLst>
-              <a:ext uri="{FF2B5EF4-FFF2-40B4-BE49-F238E27FC236}">
-                <a16:creationId xmlns:a16="http://schemas.microsoft.com/office/drawing/2014/main" id="{FAC217D2-3C94-F53A-549F-13D34B08944E}"/>
-              </a:ext>
-            </a:extLst>
-          </p:cNvPr>
+          <p:cNvPr id="2" name="Espaço Reservado para Imagem de Slide 1"/>
           <p:cNvSpPr>
             <a:spLocks noGrp="1" noRot="1" noChangeAspect="1"/>
           </p:cNvSpPr>
@@ -619,13 +606,7 @@
       </p:sp>
       <p:sp>
         <p:nvSpPr>
-          <p:cNvPr id="3" name="Espaço Reservado para Anotações 2">
-            <a:extLst>
-              <a:ext uri="{FF2B5EF4-FFF2-40B4-BE49-F238E27FC236}">
-                <a16:creationId xmlns:a16="http://schemas.microsoft.com/office/drawing/2014/main" id="{3A3E07FB-C816-90C5-7F76-F9718D952AB9}"/>
-              </a:ext>
-            </a:extLst>
-          </p:cNvPr>
+          <p:cNvPr id="3" name="Espaço Reservado para Anotações 2"/>
           <p:cNvSpPr>
             <a:spLocks noGrp="1"/>
           </p:cNvSpPr>
@@ -645,7 +626,7 @@
     </p:spTree>
     <p:extLst>
       <p:ext uri="{BB962C8B-B14F-4D97-AF65-F5344CB8AC3E}">
-        <p14:creationId xmlns:p14="http://schemas.microsoft.com/office/powerpoint/2010/main" val="665075800"/>
+        <p14:creationId xmlns:p14="http://schemas.microsoft.com/office/powerpoint/2010/main" val="585304384"/>
       </p:ext>
     </p:extLst>
   </p:cSld>
@@ -711,7 +692,7 @@
     </p:spTree>
     <p:extLst>
       <p:ext uri="{BB962C8B-B14F-4D97-AF65-F5344CB8AC3E}">
-        <p14:creationId xmlns:p14="http://schemas.microsoft.com/office/powerpoint/2010/main" val="585304384"/>
+        <p14:creationId xmlns:p14="http://schemas.microsoft.com/office/powerpoint/2010/main" val="2709569597"/>
       </p:ext>
     </p:extLst>
   </p:cSld>
@@ -722,72 +703,6 @@
 </file>
 
 <file path=ppt/notesSlides/notesSlide12.xml><?xml version="1.0" encoding="utf-8"?>
-<p:notes xmlns:a="http://schemas.openxmlformats.org/drawingml/2006/main" xmlns:r="http://schemas.openxmlformats.org/officeDocument/2006/relationships" xmlns:p="http://schemas.openxmlformats.org/presentationml/2006/main">
-  <p:cSld>
-    <p:spTree>
-      <p:nvGrpSpPr>
-        <p:cNvPr id="1" name=""/>
-        <p:cNvGrpSpPr/>
-        <p:nvPr/>
-      </p:nvGrpSpPr>
-      <p:grpSpPr>
-        <a:xfrm>
-          <a:off x="0" y="0"/>
-          <a:ext cx="0" cy="0"/>
-          <a:chOff x="0" y="0"/>
-          <a:chExt cx="0" cy="0"/>
-        </a:xfrm>
-      </p:grpSpPr>
-      <p:sp>
-        <p:nvSpPr>
-          <p:cNvPr id="2" name="Espaço Reservado para Imagem de Slide 1"/>
-          <p:cNvSpPr>
-            <a:spLocks noGrp="1" noRot="1" noChangeAspect="1"/>
-          </p:cNvSpPr>
-          <p:nvPr>
-            <p:ph type="sldImg"/>
-          </p:nvPr>
-        </p:nvSpPr>
-        <p:spPr>
-          <a:xfrm>
-            <a:off x="381000" y="685800"/>
-            <a:ext cx="6096000" cy="3429000"/>
-          </a:xfrm>
-        </p:spPr>
-      </p:sp>
-      <p:sp>
-        <p:nvSpPr>
-          <p:cNvPr id="3" name="Espaço Reservado para Anotações 2"/>
-          <p:cNvSpPr>
-            <a:spLocks noGrp="1"/>
-          </p:cNvSpPr>
-          <p:nvPr>
-            <p:ph type="body" idx="1"/>
-          </p:nvPr>
-        </p:nvSpPr>
-        <p:spPr/>
-        <p:txBody>
-          <a:bodyPr/>
-          <a:lstStyle/>
-          <a:p>
-            <a:endParaRPr lang="pt-BR" dirty="0"/>
-          </a:p>
-        </p:txBody>
-      </p:sp>
-    </p:spTree>
-    <p:extLst>
-      <p:ext uri="{BB962C8B-B14F-4D97-AF65-F5344CB8AC3E}">
-        <p14:creationId xmlns:p14="http://schemas.microsoft.com/office/powerpoint/2010/main" val="2709569597"/>
-      </p:ext>
-    </p:extLst>
-  </p:cSld>
-  <p:clrMapOvr>
-    <a:masterClrMapping/>
-  </p:clrMapOvr>
-</p:notes>
-</file>
-
-<file path=ppt/notesSlides/notesSlide13.xml><?xml version="1.0" encoding="utf-8"?>
 <p:notes xmlns:a="http://schemas.openxmlformats.org/drawingml/2006/main" xmlns:r="http://schemas.openxmlformats.org/officeDocument/2006/relationships" xmlns:p="http://schemas.openxmlformats.org/presentationml/2006/main">
   <p:cSld>
     <p:spTree>
@@ -871,7 +786,7 @@
 </p:notes>
 </file>
 
-<file path=ppt/notesSlides/notesSlide14.xml><?xml version="1.0" encoding="utf-8"?>
+<file path=ppt/notesSlides/notesSlide13.xml><?xml version="1.0" encoding="utf-8"?>
 <p:notes xmlns:a="http://schemas.openxmlformats.org/drawingml/2006/main" xmlns:r="http://schemas.openxmlformats.org/officeDocument/2006/relationships" xmlns:p="http://schemas.openxmlformats.org/presentationml/2006/main">
   <p:cSld>
     <p:spTree>
@@ -955,7 +870,7 @@
 </p:notes>
 </file>
 
-<file path=ppt/notesSlides/notesSlide15.xml><?xml version="1.0" encoding="utf-8"?>
+<file path=ppt/notesSlides/notesSlide14.xml><?xml version="1.0" encoding="utf-8"?>
 <p:notes xmlns:a="http://schemas.openxmlformats.org/drawingml/2006/main" xmlns:r="http://schemas.openxmlformats.org/officeDocument/2006/relationships" xmlns:p="http://schemas.openxmlformats.org/presentationml/2006/main">
   <p:cSld>
     <p:spTree>
@@ -1449,90 +1364,6 @@
         <p:cNvPr id="1" name="">
           <a:extLst>
             <a:ext uri="{FF2B5EF4-FFF2-40B4-BE49-F238E27FC236}">
-              <a16:creationId xmlns:a16="http://schemas.microsoft.com/office/drawing/2014/main" id="{20CEC1DD-ECB1-A32E-1725-E7C8C99CC636}"/>
-            </a:ext>
-          </a:extLst>
-        </p:cNvPr>
-        <p:cNvGrpSpPr/>
-        <p:nvPr/>
-      </p:nvGrpSpPr>
-      <p:grpSpPr>
-        <a:xfrm>
-          <a:off x="0" y="0"/>
-          <a:ext cx="0" cy="0"/>
-          <a:chOff x="0" y="0"/>
-          <a:chExt cx="0" cy="0"/>
-        </a:xfrm>
-      </p:grpSpPr>
-      <p:sp>
-        <p:nvSpPr>
-          <p:cNvPr id="2" name="Espaço Reservado para Imagem de Slide 1">
-            <a:extLst>
-              <a:ext uri="{FF2B5EF4-FFF2-40B4-BE49-F238E27FC236}">
-                <a16:creationId xmlns:a16="http://schemas.microsoft.com/office/drawing/2014/main" id="{6992341D-5176-AE24-71D4-4E8121C990E4}"/>
-              </a:ext>
-            </a:extLst>
-          </p:cNvPr>
-          <p:cNvSpPr>
-            <a:spLocks noGrp="1" noRot="1" noChangeAspect="1"/>
-          </p:cNvSpPr>
-          <p:nvPr>
-            <p:ph type="sldImg"/>
-          </p:nvPr>
-        </p:nvSpPr>
-        <p:spPr>
-          <a:xfrm>
-            <a:off x="381000" y="685800"/>
-            <a:ext cx="6096000" cy="3429000"/>
-          </a:xfrm>
-        </p:spPr>
-      </p:sp>
-      <p:sp>
-        <p:nvSpPr>
-          <p:cNvPr id="3" name="Espaço Reservado para Anotações 2">
-            <a:extLst>
-              <a:ext uri="{FF2B5EF4-FFF2-40B4-BE49-F238E27FC236}">
-                <a16:creationId xmlns:a16="http://schemas.microsoft.com/office/drawing/2014/main" id="{AEE61CE9-4563-B679-5B71-C883D2495462}"/>
-              </a:ext>
-            </a:extLst>
-          </p:cNvPr>
-          <p:cNvSpPr>
-            <a:spLocks noGrp="1"/>
-          </p:cNvSpPr>
-          <p:nvPr>
-            <p:ph type="body" idx="1"/>
-          </p:nvPr>
-        </p:nvSpPr>
-        <p:spPr/>
-        <p:txBody>
-          <a:bodyPr/>
-          <a:lstStyle/>
-          <a:p>
-            <a:endParaRPr lang="pt-BR" dirty="0"/>
-          </a:p>
-        </p:txBody>
-      </p:sp>
-    </p:spTree>
-    <p:extLst>
-      <p:ext uri="{BB962C8B-B14F-4D97-AF65-F5344CB8AC3E}">
-        <p14:creationId xmlns:p14="http://schemas.microsoft.com/office/powerpoint/2010/main" val="936743719"/>
-      </p:ext>
-    </p:extLst>
-  </p:cSld>
-  <p:clrMapOvr>
-    <a:masterClrMapping/>
-  </p:clrMapOvr>
-</p:notes>
-</file>
-
-<file path=ppt/notesSlides/notesSlide8.xml><?xml version="1.0" encoding="utf-8"?>
-<p:notes xmlns:a="http://schemas.openxmlformats.org/drawingml/2006/main" xmlns:r="http://schemas.openxmlformats.org/officeDocument/2006/relationships" xmlns:p="http://schemas.openxmlformats.org/presentationml/2006/main">
-  <p:cSld>
-    <p:spTree>
-      <p:nvGrpSpPr>
-        <p:cNvPr id="1" name="">
-          <a:extLst>
-            <a:ext uri="{FF2B5EF4-FFF2-40B4-BE49-F238E27FC236}">
               <a16:creationId xmlns:a16="http://schemas.microsoft.com/office/drawing/2014/main" id="{0A73B9A4-A6E3-F3C2-4629-BBFACD7AAE8E}"/>
             </a:ext>
           </a:extLst>
@@ -1609,7 +1440,7 @@
 </p:notes>
 </file>
 
-<file path=ppt/notesSlides/notesSlide9.xml><?xml version="1.0" encoding="utf-8"?>
+<file path=ppt/notesSlides/notesSlide8.xml><?xml version="1.0" encoding="utf-8"?>
 <p:notes xmlns:a="http://schemas.openxmlformats.org/drawingml/2006/main" xmlns:r="http://schemas.openxmlformats.org/officeDocument/2006/relationships" xmlns:p="http://schemas.openxmlformats.org/presentationml/2006/main">
   <p:cSld>
     <p:spTree>
@@ -1684,6 +1515,90 @@
     <p:extLst>
       <p:ext uri="{BB962C8B-B14F-4D97-AF65-F5344CB8AC3E}">
         <p14:creationId xmlns:p14="http://schemas.microsoft.com/office/powerpoint/2010/main" val="1256270396"/>
+      </p:ext>
+    </p:extLst>
+  </p:cSld>
+  <p:clrMapOvr>
+    <a:masterClrMapping/>
+  </p:clrMapOvr>
+</p:notes>
+</file>
+
+<file path=ppt/notesSlides/notesSlide9.xml><?xml version="1.0" encoding="utf-8"?>
+<p:notes xmlns:a="http://schemas.openxmlformats.org/drawingml/2006/main" xmlns:r="http://schemas.openxmlformats.org/officeDocument/2006/relationships" xmlns:p="http://schemas.openxmlformats.org/presentationml/2006/main">
+  <p:cSld>
+    <p:spTree>
+      <p:nvGrpSpPr>
+        <p:cNvPr id="1" name="">
+          <a:extLst>
+            <a:ext uri="{FF2B5EF4-FFF2-40B4-BE49-F238E27FC236}">
+              <a16:creationId xmlns:a16="http://schemas.microsoft.com/office/drawing/2014/main" id="{6E28AB8C-9E23-3AB8-930A-125D05996B52}"/>
+            </a:ext>
+          </a:extLst>
+        </p:cNvPr>
+        <p:cNvGrpSpPr/>
+        <p:nvPr/>
+      </p:nvGrpSpPr>
+      <p:grpSpPr>
+        <a:xfrm>
+          <a:off x="0" y="0"/>
+          <a:ext cx="0" cy="0"/>
+          <a:chOff x="0" y="0"/>
+          <a:chExt cx="0" cy="0"/>
+        </a:xfrm>
+      </p:grpSpPr>
+      <p:sp>
+        <p:nvSpPr>
+          <p:cNvPr id="2" name="Espaço Reservado para Imagem de Slide 1">
+            <a:extLst>
+              <a:ext uri="{FF2B5EF4-FFF2-40B4-BE49-F238E27FC236}">
+                <a16:creationId xmlns:a16="http://schemas.microsoft.com/office/drawing/2014/main" id="{FAC217D2-3C94-F53A-549F-13D34B08944E}"/>
+              </a:ext>
+            </a:extLst>
+          </p:cNvPr>
+          <p:cNvSpPr>
+            <a:spLocks noGrp="1" noRot="1" noChangeAspect="1"/>
+          </p:cNvSpPr>
+          <p:nvPr>
+            <p:ph type="sldImg"/>
+          </p:nvPr>
+        </p:nvSpPr>
+        <p:spPr>
+          <a:xfrm>
+            <a:off x="381000" y="685800"/>
+            <a:ext cx="6096000" cy="3429000"/>
+          </a:xfrm>
+        </p:spPr>
+      </p:sp>
+      <p:sp>
+        <p:nvSpPr>
+          <p:cNvPr id="3" name="Espaço Reservado para Anotações 2">
+            <a:extLst>
+              <a:ext uri="{FF2B5EF4-FFF2-40B4-BE49-F238E27FC236}">
+                <a16:creationId xmlns:a16="http://schemas.microsoft.com/office/drawing/2014/main" id="{3A3E07FB-C816-90C5-7F76-F9718D952AB9}"/>
+              </a:ext>
+            </a:extLst>
+          </p:cNvPr>
+          <p:cNvSpPr>
+            <a:spLocks noGrp="1"/>
+          </p:cNvSpPr>
+          <p:nvPr>
+            <p:ph type="body" idx="1"/>
+          </p:nvPr>
+        </p:nvSpPr>
+        <p:spPr/>
+        <p:txBody>
+          <a:bodyPr/>
+          <a:lstStyle/>
+          <a:p>
+            <a:endParaRPr lang="pt-BR" dirty="0"/>
+          </a:p>
+        </p:txBody>
+      </p:sp>
+    </p:spTree>
+    <p:extLst>
+      <p:ext uri="{BB962C8B-B14F-4D97-AF65-F5344CB8AC3E}">
+        <p14:creationId xmlns:p14="http://schemas.microsoft.com/office/powerpoint/2010/main" val="665075800"/>
       </p:ext>
     </p:extLst>
   </p:cSld>
@@ -4638,188 +4553,6 @@
         <p:cNvPr id="1" name="">
           <a:extLst>
             <a:ext uri="{FF2B5EF4-FFF2-40B4-BE49-F238E27FC236}">
-              <a16:creationId xmlns:a16="http://schemas.microsoft.com/office/drawing/2014/main" id="{77C0A85F-5105-E4D4-05FD-8E50F296A104}"/>
-            </a:ext>
-          </a:extLst>
-        </p:cNvPr>
-        <p:cNvGrpSpPr/>
-        <p:nvPr/>
-      </p:nvGrpSpPr>
-      <p:grpSpPr>
-        <a:xfrm>
-          <a:off x="0" y="0"/>
-          <a:ext cx="0" cy="0"/>
-          <a:chOff x="0" y="0"/>
-          <a:chExt cx="0" cy="0"/>
-        </a:xfrm>
-      </p:grpSpPr>
-      <p:sp>
-        <p:nvSpPr>
-          <p:cNvPr id="6" name="Title 1">
-            <a:extLst>
-              <a:ext uri="{FF2B5EF4-FFF2-40B4-BE49-F238E27FC236}">
-                <a16:creationId xmlns:a16="http://schemas.microsoft.com/office/drawing/2014/main" id="{110FA62F-6156-EDB2-EA80-AB262D49D65D}"/>
-              </a:ext>
-            </a:extLst>
-          </p:cNvPr>
-          <p:cNvSpPr>
-            <a:spLocks noGrp="1"/>
-          </p:cNvSpPr>
-          <p:nvPr>
-            <p:ph type="title"/>
-          </p:nvPr>
-        </p:nvSpPr>
-        <p:spPr>
-          <a:xfrm>
-            <a:off x="457200" y="205980"/>
-            <a:ext cx="8229600" cy="857251"/>
-          </a:xfrm>
-        </p:spPr>
-        <p:txBody>
-          <a:bodyPr>
-            <a:normAutofit/>
-          </a:bodyPr>
-          <a:lstStyle/>
-          <a:p>
-            <a:r>
-              <a:rPr lang="en-US" b="1" dirty="0">
-                <a:solidFill>
-                  <a:srgbClr val="0070C0"/>
-                </a:solidFill>
-              </a:rPr>
-              <a:t>CLP – </a:t>
-            </a:r>
-            <a:r>
-              <a:rPr lang="en-US" b="1" dirty="0" err="1">
-                <a:solidFill>
-                  <a:srgbClr val="0070C0"/>
-                </a:solidFill>
-              </a:rPr>
-              <a:t>Benefícios</a:t>
-            </a:r>
-            <a:r>
-              <a:rPr lang="en-US" b="1" dirty="0">
-                <a:solidFill>
-                  <a:srgbClr val="0070C0"/>
-                </a:solidFill>
-              </a:rPr>
-              <a:t> Indústria</a:t>
-            </a:r>
-          </a:p>
-        </p:txBody>
-      </p:sp>
-      <p:sp>
-        <p:nvSpPr>
-          <p:cNvPr id="8" name="Text Placeholder 2">
-            <a:extLst>
-              <a:ext uri="{FF2B5EF4-FFF2-40B4-BE49-F238E27FC236}">
-                <a16:creationId xmlns:a16="http://schemas.microsoft.com/office/drawing/2014/main" id="{3360E74A-B32F-449F-B4AC-57893B2EFE74}"/>
-              </a:ext>
-            </a:extLst>
-          </p:cNvPr>
-          <p:cNvSpPr>
-            <a:spLocks noGrp="1"/>
-          </p:cNvSpPr>
-          <p:nvPr>
-            <p:ph type="body" sz="half" idx="1"/>
-          </p:nvPr>
-        </p:nvSpPr>
-        <p:spPr>
-          <a:xfrm>
-            <a:off x="142865" y="1035050"/>
-            <a:ext cx="8865056" cy="3994150"/>
-          </a:xfrm>
-        </p:spPr>
-        <p:txBody>
-          <a:bodyPr>
-            <a:noAutofit/>
-          </a:bodyPr>
-          <a:lstStyle/>
-          <a:p>
-            <a:pPr algn="just"/>
-            <a:r>
-              <a:rPr lang="pt-BR" sz="2400" dirty="0">
-                <a:latin typeface="Times New Roman" panose="02020603050405020304" pitchFamily="18" charset="0"/>
-                <a:cs typeface="Times New Roman" panose="02020603050405020304" pitchFamily="18" charset="0"/>
-              </a:rPr>
-              <a:t>Redução de erros e custos;</a:t>
-            </a:r>
-          </a:p>
-          <a:p>
-            <a:pPr algn="just"/>
-            <a:endParaRPr lang="pt-BR" sz="2400" dirty="0">
-              <a:latin typeface="Times New Roman" panose="02020603050405020304" pitchFamily="18" charset="0"/>
-              <a:cs typeface="Times New Roman" panose="02020603050405020304" pitchFamily="18" charset="0"/>
-            </a:endParaRPr>
-          </a:p>
-          <a:p>
-            <a:pPr algn="just"/>
-            <a:r>
-              <a:rPr lang="pt-BR" sz="2400" dirty="0">
-                <a:latin typeface="Times New Roman" panose="02020603050405020304" pitchFamily="18" charset="0"/>
-                <a:cs typeface="Times New Roman" panose="02020603050405020304" pitchFamily="18" charset="0"/>
-              </a:rPr>
-              <a:t>Maior segurança e eficiência;</a:t>
-            </a:r>
-          </a:p>
-          <a:p>
-            <a:pPr algn="just"/>
-            <a:endParaRPr lang="pt-BR" sz="2400" dirty="0">
-              <a:latin typeface="Times New Roman" panose="02020603050405020304" pitchFamily="18" charset="0"/>
-              <a:cs typeface="Times New Roman" panose="02020603050405020304" pitchFamily="18" charset="0"/>
-            </a:endParaRPr>
-          </a:p>
-          <a:p>
-            <a:pPr algn="just"/>
-            <a:r>
-              <a:rPr lang="pt-BR" sz="2400" dirty="0">
-                <a:latin typeface="Times New Roman" panose="02020603050405020304" pitchFamily="18" charset="0"/>
-                <a:cs typeface="Times New Roman" panose="02020603050405020304" pitchFamily="18" charset="0"/>
-              </a:rPr>
-              <a:t>Monitoramento em tempo real;</a:t>
-            </a:r>
-          </a:p>
-          <a:p>
-            <a:pPr algn="just"/>
-            <a:endParaRPr lang="pt-BR" sz="2400" dirty="0">
-              <a:latin typeface="Times New Roman" panose="02020603050405020304" pitchFamily="18" charset="0"/>
-              <a:cs typeface="Times New Roman" panose="02020603050405020304" pitchFamily="18" charset="0"/>
-            </a:endParaRPr>
-          </a:p>
-          <a:p>
-            <a:pPr algn="just"/>
-            <a:r>
-              <a:rPr lang="pt-BR" sz="2400" dirty="0">
-                <a:latin typeface="Times New Roman" panose="02020603050405020304" pitchFamily="18" charset="0"/>
-                <a:cs typeface="Times New Roman" panose="02020603050405020304" pitchFamily="18" charset="0"/>
-              </a:rPr>
-              <a:t>Facilidade de manutenção e diagnóstico.</a:t>
-            </a:r>
-          </a:p>
-        </p:txBody>
-      </p:sp>
-    </p:spTree>
-    <p:extLst>
-      <p:ext uri="{BB962C8B-B14F-4D97-AF65-F5344CB8AC3E}">
-        <p14:creationId xmlns:p14="http://schemas.microsoft.com/office/powerpoint/2010/main" val="230798156"/>
-      </p:ext>
-    </p:extLst>
-  </p:cSld>
-  <p:clrMapOvr>
-    <a:masterClrMapping/>
-  </p:clrMapOvr>
-  <p:transition spd="med"/>
-</p:sld>
-</file>
-
-<file path=ppt/slides/slide11.xml><?xml version="1.0" encoding="utf-8"?>
-<p:sld xmlns:a="http://schemas.openxmlformats.org/drawingml/2006/main" xmlns:r="http://schemas.openxmlformats.org/officeDocument/2006/relationships" xmlns:p="http://schemas.openxmlformats.org/presentationml/2006/main">
-  <p:cSld>
-    <p:spTree>
-      <p:nvGrpSpPr>
-        <p:cNvPr id="1" name="">
-          <a:extLst>
-            <a:ext uri="{FF2B5EF4-FFF2-40B4-BE49-F238E27FC236}">
               <a16:creationId xmlns:a16="http://schemas.microsoft.com/office/drawing/2014/main" id="{83474365-05DE-543C-7170-430C3CF265C2}"/>
             </a:ext>
           </a:extLst>
@@ -4918,6 +4651,18 @@
             <a:pPr marL="0" indent="0" algn="just">
               <a:buNone/>
             </a:pPr>
+            <a:endParaRPr lang="pt-BR" sz="2400" b="1" dirty="0">
+              <a:solidFill>
+                <a:srgbClr val="FF0000"/>
+              </a:solidFill>
+              <a:latin typeface="Times New Roman" panose="02020603050405020304" pitchFamily="18" charset="0"/>
+              <a:cs typeface="Times New Roman" panose="02020603050405020304" pitchFamily="18" charset="0"/>
+            </a:endParaRPr>
+          </a:p>
+          <a:p>
+            <a:pPr marL="0" indent="0" algn="just">
+              <a:buNone/>
+            </a:pPr>
             <a:r>
               <a:rPr lang="pt-BR" sz="2400" b="1" dirty="0">
                 <a:solidFill>
@@ -4985,6 +4730,261 @@
     <p:extLst>
       <p:ext uri="{BB962C8B-B14F-4D97-AF65-F5344CB8AC3E}">
         <p14:creationId xmlns:p14="http://schemas.microsoft.com/office/powerpoint/2010/main" val="2186385597"/>
+      </p:ext>
+    </p:extLst>
+  </p:cSld>
+  <p:clrMapOvr>
+    <a:masterClrMapping/>
+  </p:clrMapOvr>
+  <p:transition spd="med"/>
+</p:sld>
+</file>
+
+<file path=ppt/slides/slide11.xml><?xml version="1.0" encoding="utf-8"?>
+<p:sld xmlns:a="http://schemas.openxmlformats.org/drawingml/2006/main" xmlns:r="http://schemas.openxmlformats.org/officeDocument/2006/relationships" xmlns:p="http://schemas.openxmlformats.org/presentationml/2006/main">
+  <p:cSld>
+    <p:spTree>
+      <p:nvGrpSpPr>
+        <p:cNvPr id="1" name=""/>
+        <p:cNvGrpSpPr/>
+        <p:nvPr/>
+      </p:nvGrpSpPr>
+      <p:grpSpPr>
+        <a:xfrm>
+          <a:off x="0" y="0"/>
+          <a:ext cx="0" cy="0"/>
+          <a:chOff x="0" y="0"/>
+          <a:chExt cx="0" cy="0"/>
+        </a:xfrm>
+      </p:grpSpPr>
+      <p:sp>
+        <p:nvSpPr>
+          <p:cNvPr id="6" name="Title 1"/>
+          <p:cNvSpPr>
+            <a:spLocks noGrp="1"/>
+          </p:cNvSpPr>
+          <p:nvPr>
+            <p:ph type="title"/>
+          </p:nvPr>
+        </p:nvSpPr>
+        <p:spPr>
+          <a:xfrm>
+            <a:off x="457200" y="205980"/>
+            <a:ext cx="8229600" cy="857251"/>
+          </a:xfrm>
+        </p:spPr>
+        <p:txBody>
+          <a:bodyPr>
+            <a:normAutofit/>
+          </a:bodyPr>
+          <a:lstStyle/>
+          <a:p>
+            <a:r>
+              <a:rPr lang="en-US" b="1" dirty="0" err="1">
+                <a:solidFill>
+                  <a:srgbClr val="0070C0"/>
+                </a:solidFill>
+              </a:rPr>
+              <a:t>Leitura</a:t>
+            </a:r>
+            <a:r>
+              <a:rPr lang="en-US" b="1" dirty="0">
+                <a:solidFill>
+                  <a:srgbClr val="0070C0"/>
+                </a:solidFill>
+              </a:rPr>
+              <a:t> </a:t>
+            </a:r>
+            <a:r>
+              <a:rPr lang="en-US" b="1" dirty="0" err="1">
+                <a:solidFill>
+                  <a:srgbClr val="0070C0"/>
+                </a:solidFill>
+              </a:rPr>
+              <a:t>Específica</a:t>
+            </a:r>
+            <a:endParaRPr lang="en-US" b="1" dirty="0">
+              <a:solidFill>
+                <a:srgbClr val="0070C0"/>
+              </a:solidFill>
+            </a:endParaRPr>
+          </a:p>
+        </p:txBody>
+      </p:sp>
+      <p:sp>
+        <p:nvSpPr>
+          <p:cNvPr id="8" name="Text Placeholder 2"/>
+          <p:cNvSpPr>
+            <a:spLocks noGrp="1"/>
+          </p:cNvSpPr>
+          <p:nvPr>
+            <p:ph type="body" sz="half" idx="1"/>
+          </p:nvPr>
+        </p:nvSpPr>
+        <p:spPr>
+          <a:xfrm>
+            <a:off x="142865" y="1200150"/>
+            <a:ext cx="8865056" cy="3737369"/>
+          </a:xfrm>
+        </p:spPr>
+        <p:txBody>
+          <a:bodyPr>
+            <a:noAutofit/>
+          </a:bodyPr>
+          <a:lstStyle/>
+          <a:p>
+            <a:pPr marL="0" indent="0" algn="just">
+              <a:buNone/>
+            </a:pPr>
+            <a:r>
+              <a:rPr lang="pt-BR" sz="2200" dirty="0">
+                <a:latin typeface="Times New Roman" panose="02020603050405020304" pitchFamily="18" charset="0"/>
+                <a:cs typeface="Times New Roman" panose="02020603050405020304" pitchFamily="18" charset="0"/>
+              </a:rPr>
+              <a:t>[1] </a:t>
+            </a:r>
+            <a:r>
+              <a:rPr lang="pt-BR" sz="2200" b="1" dirty="0">
+                <a:latin typeface="Times New Roman" panose="02020603050405020304" pitchFamily="18" charset="0"/>
+                <a:cs typeface="Times New Roman" panose="02020603050405020304" pitchFamily="18" charset="0"/>
+              </a:rPr>
+              <a:t>Sistemas Supervisórios (SCADA)</a:t>
+            </a:r>
+            <a:endParaRPr lang="pt-BR" sz="2200" dirty="0">
+              <a:latin typeface="Times New Roman" panose="02020603050405020304" pitchFamily="18" charset="0"/>
+              <a:cs typeface="Times New Roman" panose="02020603050405020304" pitchFamily="18" charset="0"/>
+            </a:endParaRPr>
+          </a:p>
+          <a:p>
+            <a:pPr marL="0" indent="0" algn="just">
+              <a:buNone/>
+            </a:pPr>
+            <a:r>
+              <a:rPr lang="pt-BR" sz="2200" b="1" dirty="0">
+                <a:solidFill>
+                  <a:srgbClr val="FF0000"/>
+                </a:solidFill>
+                <a:latin typeface="Times New Roman" panose="02020603050405020304" pitchFamily="18" charset="0"/>
+                <a:cs typeface="Times New Roman" panose="02020603050405020304" pitchFamily="18" charset="0"/>
+              </a:rPr>
+              <a:t>Disponível em: </a:t>
+            </a:r>
+            <a:r>
+              <a:rPr lang="pt-BR" sz="2200" dirty="0">
+                <a:solidFill>
+                  <a:srgbClr val="FF0000"/>
+                </a:solidFill>
+                <a:latin typeface="Times New Roman" panose="02020603050405020304" pitchFamily="18" charset="0"/>
+                <a:cs typeface="Times New Roman" panose="02020603050405020304" pitchFamily="18" charset="0"/>
+                <a:hlinkClick r:id="rId3"/>
+              </a:rPr>
+              <a:t>https://materialpublic.imd.ufrn.br/curso/disciplina/1/55/1</a:t>
+            </a:r>
+            <a:r>
+              <a:rPr lang="pt-BR" sz="2200" dirty="0">
+                <a:solidFill>
+                  <a:srgbClr val="FF0000"/>
+                </a:solidFill>
+                <a:latin typeface="Times New Roman" panose="02020603050405020304" pitchFamily="18" charset="0"/>
+                <a:cs typeface="Times New Roman" panose="02020603050405020304" pitchFamily="18" charset="0"/>
+              </a:rPr>
+              <a:t>   </a:t>
+            </a:r>
+          </a:p>
+          <a:p>
+            <a:pPr marL="0" indent="0" algn="just">
+              <a:buNone/>
+            </a:pPr>
+            <a:endParaRPr lang="pt-BR" sz="2200" b="1" dirty="0">
+              <a:solidFill>
+                <a:srgbClr val="FF0000"/>
+              </a:solidFill>
+              <a:latin typeface="Times New Roman" panose="02020603050405020304" pitchFamily="18" charset="0"/>
+              <a:cs typeface="Times New Roman" panose="02020603050405020304" pitchFamily="18" charset="0"/>
+            </a:endParaRPr>
+          </a:p>
+          <a:p>
+            <a:pPr marL="0" indent="0" algn="just">
+              <a:buNone/>
+            </a:pPr>
+            <a:endParaRPr lang="pt-BR" sz="2200" dirty="0">
+              <a:latin typeface="Times New Roman" panose="02020603050405020304" pitchFamily="18" charset="0"/>
+              <a:cs typeface="Times New Roman" panose="02020603050405020304" pitchFamily="18" charset="0"/>
+            </a:endParaRPr>
+          </a:p>
+          <a:p>
+            <a:pPr marL="0" indent="0" algn="just">
+              <a:buNone/>
+            </a:pPr>
+            <a:r>
+              <a:rPr lang="pt-BR" sz="2200" dirty="0">
+                <a:latin typeface="Times New Roman" panose="02020603050405020304" pitchFamily="18" charset="0"/>
+                <a:cs typeface="Times New Roman" panose="02020603050405020304" pitchFamily="18" charset="0"/>
+              </a:rPr>
+              <a:t>[2] </a:t>
+            </a:r>
+            <a:r>
+              <a:rPr lang="pt-BR" sz="2200" b="1" dirty="0">
+                <a:latin typeface="Times New Roman" panose="02020603050405020304" pitchFamily="18" charset="0"/>
+                <a:cs typeface="Times New Roman" panose="02020603050405020304" pitchFamily="18" charset="0"/>
+              </a:rPr>
+              <a:t>Sistemas Supervisórios</a:t>
+            </a:r>
+            <a:endParaRPr lang="pt-BR" sz="2200" dirty="0">
+              <a:latin typeface="Times New Roman" panose="02020603050405020304" pitchFamily="18" charset="0"/>
+              <a:cs typeface="Times New Roman" panose="02020603050405020304" pitchFamily="18" charset="0"/>
+            </a:endParaRPr>
+          </a:p>
+          <a:p>
+            <a:pPr marL="0" indent="0" algn="just">
+              <a:buNone/>
+            </a:pPr>
+            <a:r>
+              <a:rPr lang="pt-BR" sz="2200" b="1" dirty="0">
+                <a:solidFill>
+                  <a:srgbClr val="FF0000"/>
+                </a:solidFill>
+                <a:latin typeface="Times New Roman" panose="02020603050405020304" pitchFamily="18" charset="0"/>
+                <a:cs typeface="Times New Roman" panose="02020603050405020304" pitchFamily="18" charset="0"/>
+              </a:rPr>
+              <a:t>Disponível em:</a:t>
+            </a:r>
+          </a:p>
+          <a:p>
+            <a:pPr marL="0" indent="0" algn="just">
+              <a:buNone/>
+            </a:pPr>
+            <a:r>
+              <a:rPr lang="pt-BR" sz="2200" dirty="0">
+                <a:solidFill>
+                  <a:srgbClr val="FF0000"/>
+                </a:solidFill>
+                <a:latin typeface="Times New Roman" panose="02020603050405020304" pitchFamily="18" charset="0"/>
+                <a:cs typeface="Times New Roman" panose="02020603050405020304" pitchFamily="18" charset="0"/>
+                <a:hlinkClick r:id="rId4"/>
+              </a:rPr>
+              <a:t>https://professorcesarcosta.com.br/upload/imagens_upload/Apostila_%20Sistema%20Supervis%C3%B3rio.pdf</a:t>
+            </a:r>
+            <a:r>
+              <a:rPr lang="pt-BR" sz="2200" dirty="0">
+                <a:solidFill>
+                  <a:srgbClr val="FF0000"/>
+                </a:solidFill>
+                <a:latin typeface="Times New Roman" panose="02020603050405020304" pitchFamily="18" charset="0"/>
+                <a:cs typeface="Times New Roman" panose="02020603050405020304" pitchFamily="18" charset="0"/>
+              </a:rPr>
+              <a:t>   </a:t>
+            </a:r>
+            <a:endParaRPr lang="pt-BR" sz="2200" dirty="0">
+              <a:latin typeface="Calibri" panose="020F0502020204030204" pitchFamily="34" charset="0"/>
+            </a:endParaRPr>
+          </a:p>
+        </p:txBody>
+      </p:sp>
+    </p:spTree>
+    <p:extLst>
+      <p:ext uri="{BB962C8B-B14F-4D97-AF65-F5344CB8AC3E}">
+        <p14:creationId xmlns:p14="http://schemas.microsoft.com/office/powerpoint/2010/main" val="3680270425"/>
       </p:ext>
     </p:extLst>
   </p:cSld>
@@ -5040,261 +5040,6 @@
                   <a:srgbClr val="0070C0"/>
                 </a:solidFill>
               </a:rPr>
-              <a:t>Leitura</a:t>
-            </a:r>
-            <a:r>
-              <a:rPr lang="en-US" b="1" dirty="0">
-                <a:solidFill>
-                  <a:srgbClr val="0070C0"/>
-                </a:solidFill>
-              </a:rPr>
-              <a:t> </a:t>
-            </a:r>
-            <a:r>
-              <a:rPr lang="en-US" b="1" dirty="0" err="1">
-                <a:solidFill>
-                  <a:srgbClr val="0070C0"/>
-                </a:solidFill>
-              </a:rPr>
-              <a:t>Específica</a:t>
-            </a:r>
-            <a:endParaRPr lang="en-US" b="1" dirty="0">
-              <a:solidFill>
-                <a:srgbClr val="0070C0"/>
-              </a:solidFill>
-            </a:endParaRPr>
-          </a:p>
-        </p:txBody>
-      </p:sp>
-      <p:sp>
-        <p:nvSpPr>
-          <p:cNvPr id="8" name="Text Placeholder 2"/>
-          <p:cNvSpPr>
-            <a:spLocks noGrp="1"/>
-          </p:cNvSpPr>
-          <p:nvPr>
-            <p:ph type="body" sz="half" idx="1"/>
-          </p:nvPr>
-        </p:nvSpPr>
-        <p:spPr>
-          <a:xfrm>
-            <a:off x="142865" y="1200150"/>
-            <a:ext cx="8865056" cy="3737369"/>
-          </a:xfrm>
-        </p:spPr>
-        <p:txBody>
-          <a:bodyPr>
-            <a:noAutofit/>
-          </a:bodyPr>
-          <a:lstStyle/>
-          <a:p>
-            <a:pPr marL="0" indent="0" algn="just">
-              <a:buNone/>
-            </a:pPr>
-            <a:r>
-              <a:rPr lang="pt-BR" sz="2200" dirty="0">
-                <a:latin typeface="Times New Roman" panose="02020603050405020304" pitchFamily="18" charset="0"/>
-                <a:cs typeface="Times New Roman" panose="02020603050405020304" pitchFamily="18" charset="0"/>
-              </a:rPr>
-              <a:t>[1] </a:t>
-            </a:r>
-            <a:r>
-              <a:rPr lang="pt-BR" sz="2200" b="1" dirty="0">
-                <a:latin typeface="Times New Roman" panose="02020603050405020304" pitchFamily="18" charset="0"/>
-                <a:cs typeface="Times New Roman" panose="02020603050405020304" pitchFamily="18" charset="0"/>
-              </a:rPr>
-              <a:t>Sistemas Supervisórios (SCADA)</a:t>
-            </a:r>
-            <a:endParaRPr lang="pt-BR" sz="2200" dirty="0">
-              <a:latin typeface="Times New Roman" panose="02020603050405020304" pitchFamily="18" charset="0"/>
-              <a:cs typeface="Times New Roman" panose="02020603050405020304" pitchFamily="18" charset="0"/>
-            </a:endParaRPr>
-          </a:p>
-          <a:p>
-            <a:pPr marL="0" indent="0" algn="just">
-              <a:buNone/>
-            </a:pPr>
-            <a:r>
-              <a:rPr lang="pt-BR" sz="2200" b="1" dirty="0">
-                <a:solidFill>
-                  <a:srgbClr val="FF0000"/>
-                </a:solidFill>
-                <a:latin typeface="Times New Roman" panose="02020603050405020304" pitchFamily="18" charset="0"/>
-                <a:cs typeface="Times New Roman" panose="02020603050405020304" pitchFamily="18" charset="0"/>
-              </a:rPr>
-              <a:t>Disponível em: </a:t>
-            </a:r>
-            <a:r>
-              <a:rPr lang="pt-BR" sz="2200" dirty="0">
-                <a:solidFill>
-                  <a:srgbClr val="FF0000"/>
-                </a:solidFill>
-                <a:latin typeface="Times New Roman" panose="02020603050405020304" pitchFamily="18" charset="0"/>
-                <a:cs typeface="Times New Roman" panose="02020603050405020304" pitchFamily="18" charset="0"/>
-                <a:hlinkClick r:id="rId3"/>
-              </a:rPr>
-              <a:t>https://materialpublic.imd.ufrn.br/curso/disciplina/1/55/1</a:t>
-            </a:r>
-            <a:r>
-              <a:rPr lang="pt-BR" sz="2200" dirty="0">
-                <a:solidFill>
-                  <a:srgbClr val="FF0000"/>
-                </a:solidFill>
-                <a:latin typeface="Times New Roman" panose="02020603050405020304" pitchFamily="18" charset="0"/>
-                <a:cs typeface="Times New Roman" panose="02020603050405020304" pitchFamily="18" charset="0"/>
-              </a:rPr>
-              <a:t>   </a:t>
-            </a:r>
-          </a:p>
-          <a:p>
-            <a:pPr marL="0" indent="0" algn="just">
-              <a:buNone/>
-            </a:pPr>
-            <a:endParaRPr lang="pt-BR" sz="2200" b="1" dirty="0">
-              <a:solidFill>
-                <a:srgbClr val="FF0000"/>
-              </a:solidFill>
-              <a:latin typeface="Times New Roman" panose="02020603050405020304" pitchFamily="18" charset="0"/>
-              <a:cs typeface="Times New Roman" panose="02020603050405020304" pitchFamily="18" charset="0"/>
-            </a:endParaRPr>
-          </a:p>
-          <a:p>
-            <a:pPr marL="0" indent="0" algn="just">
-              <a:buNone/>
-            </a:pPr>
-            <a:endParaRPr lang="pt-BR" sz="2200" dirty="0">
-              <a:latin typeface="Times New Roman" panose="02020603050405020304" pitchFamily="18" charset="0"/>
-              <a:cs typeface="Times New Roman" panose="02020603050405020304" pitchFamily="18" charset="0"/>
-            </a:endParaRPr>
-          </a:p>
-          <a:p>
-            <a:pPr marL="0" indent="0" algn="just">
-              <a:buNone/>
-            </a:pPr>
-            <a:r>
-              <a:rPr lang="pt-BR" sz="2200" dirty="0">
-                <a:latin typeface="Times New Roman" panose="02020603050405020304" pitchFamily="18" charset="0"/>
-                <a:cs typeface="Times New Roman" panose="02020603050405020304" pitchFamily="18" charset="0"/>
-              </a:rPr>
-              <a:t>[2] </a:t>
-            </a:r>
-            <a:r>
-              <a:rPr lang="pt-BR" sz="2200" b="1" dirty="0">
-                <a:latin typeface="Times New Roman" panose="02020603050405020304" pitchFamily="18" charset="0"/>
-                <a:cs typeface="Times New Roman" panose="02020603050405020304" pitchFamily="18" charset="0"/>
-              </a:rPr>
-              <a:t>Sistemas Supervisórios</a:t>
-            </a:r>
-            <a:endParaRPr lang="pt-BR" sz="2200" dirty="0">
-              <a:latin typeface="Times New Roman" panose="02020603050405020304" pitchFamily="18" charset="0"/>
-              <a:cs typeface="Times New Roman" panose="02020603050405020304" pitchFamily="18" charset="0"/>
-            </a:endParaRPr>
-          </a:p>
-          <a:p>
-            <a:pPr marL="0" indent="0" algn="just">
-              <a:buNone/>
-            </a:pPr>
-            <a:r>
-              <a:rPr lang="pt-BR" sz="2200" b="1" dirty="0">
-                <a:solidFill>
-                  <a:srgbClr val="FF0000"/>
-                </a:solidFill>
-                <a:latin typeface="Times New Roman" panose="02020603050405020304" pitchFamily="18" charset="0"/>
-                <a:cs typeface="Times New Roman" panose="02020603050405020304" pitchFamily="18" charset="0"/>
-              </a:rPr>
-              <a:t>Disponível em:</a:t>
-            </a:r>
-          </a:p>
-          <a:p>
-            <a:pPr marL="0" indent="0" algn="just">
-              <a:buNone/>
-            </a:pPr>
-            <a:r>
-              <a:rPr lang="pt-BR" sz="2200" dirty="0">
-                <a:solidFill>
-                  <a:srgbClr val="FF0000"/>
-                </a:solidFill>
-                <a:latin typeface="Times New Roman" panose="02020603050405020304" pitchFamily="18" charset="0"/>
-                <a:cs typeface="Times New Roman" panose="02020603050405020304" pitchFamily="18" charset="0"/>
-                <a:hlinkClick r:id="rId4"/>
-              </a:rPr>
-              <a:t>https://professorcesarcosta.com.br/upload/imagens_upload/Apostila_%20Sistema%20Supervis%C3%B3rio.pdf</a:t>
-            </a:r>
-            <a:r>
-              <a:rPr lang="pt-BR" sz="2200" dirty="0">
-                <a:solidFill>
-                  <a:srgbClr val="FF0000"/>
-                </a:solidFill>
-                <a:latin typeface="Times New Roman" panose="02020603050405020304" pitchFamily="18" charset="0"/>
-                <a:cs typeface="Times New Roman" panose="02020603050405020304" pitchFamily="18" charset="0"/>
-              </a:rPr>
-              <a:t>   </a:t>
-            </a:r>
-            <a:endParaRPr lang="pt-BR" sz="2200" dirty="0">
-              <a:latin typeface="Calibri" panose="020F0502020204030204" pitchFamily="34" charset="0"/>
-            </a:endParaRPr>
-          </a:p>
-        </p:txBody>
-      </p:sp>
-    </p:spTree>
-    <p:extLst>
-      <p:ext uri="{BB962C8B-B14F-4D97-AF65-F5344CB8AC3E}">
-        <p14:creationId xmlns:p14="http://schemas.microsoft.com/office/powerpoint/2010/main" val="3680270425"/>
-      </p:ext>
-    </p:extLst>
-  </p:cSld>
-  <p:clrMapOvr>
-    <a:masterClrMapping/>
-  </p:clrMapOvr>
-  <p:transition spd="med"/>
-</p:sld>
-</file>
-
-<file path=ppt/slides/slide13.xml><?xml version="1.0" encoding="utf-8"?>
-<p:sld xmlns:a="http://schemas.openxmlformats.org/drawingml/2006/main" xmlns:r="http://schemas.openxmlformats.org/officeDocument/2006/relationships" xmlns:p="http://schemas.openxmlformats.org/presentationml/2006/main">
-  <p:cSld>
-    <p:spTree>
-      <p:nvGrpSpPr>
-        <p:cNvPr id="1" name=""/>
-        <p:cNvGrpSpPr/>
-        <p:nvPr/>
-      </p:nvGrpSpPr>
-      <p:grpSpPr>
-        <a:xfrm>
-          <a:off x="0" y="0"/>
-          <a:ext cx="0" cy="0"/>
-          <a:chOff x="0" y="0"/>
-          <a:chExt cx="0" cy="0"/>
-        </a:xfrm>
-      </p:grpSpPr>
-      <p:sp>
-        <p:nvSpPr>
-          <p:cNvPr id="6" name="Title 1"/>
-          <p:cNvSpPr>
-            <a:spLocks noGrp="1"/>
-          </p:cNvSpPr>
-          <p:nvPr>
-            <p:ph type="title"/>
-          </p:nvPr>
-        </p:nvSpPr>
-        <p:spPr>
-          <a:xfrm>
-            <a:off x="457200" y="205980"/>
-            <a:ext cx="8229600" cy="857251"/>
-          </a:xfrm>
-        </p:spPr>
-        <p:txBody>
-          <a:bodyPr>
-            <a:normAutofit/>
-          </a:bodyPr>
-          <a:lstStyle/>
-          <a:p>
-            <a:r>
-              <a:rPr lang="en-US" b="1" dirty="0" err="1">
-                <a:solidFill>
-                  <a:srgbClr val="0070C0"/>
-                </a:solidFill>
-              </a:rPr>
               <a:t>Aprenda</a:t>
             </a:r>
             <a:r>
@@ -5485,7 +5230,7 @@
 </p:sld>
 </file>
 
-<file path=ppt/slides/slide14.xml><?xml version="1.0" encoding="utf-8"?>
+<file path=ppt/slides/slide13.xml><?xml version="1.0" encoding="utf-8"?>
 <p:sld xmlns:a="http://schemas.openxmlformats.org/drawingml/2006/main" xmlns:r="http://schemas.openxmlformats.org/officeDocument/2006/relationships" xmlns:p="http://schemas.openxmlformats.org/presentationml/2006/main">
   <p:cSld>
     <p:spTree>
@@ -5763,7 +5508,7 @@
 </p:sld>
 </file>
 
-<file path=ppt/slides/slide15.xml><?xml version="1.0" encoding="utf-8"?>
+<file path=ppt/slides/slide14.xml><?xml version="1.0" encoding="utf-8"?>
 <p:sld xmlns:a="http://schemas.openxmlformats.org/drawingml/2006/main" xmlns:r="http://schemas.openxmlformats.org/officeDocument/2006/relationships" xmlns:p="http://schemas.openxmlformats.org/presentationml/2006/main">
   <p:cSld>
     <p:spTree>
@@ -5877,6 +5622,18 @@
             <a:pPr marL="0" indent="0" algn="just">
               <a:buNone/>
             </a:pPr>
+            <a:endParaRPr lang="pt-BR" sz="2400" dirty="0">
+              <a:solidFill>
+                <a:schemeClr val="tx1"/>
+              </a:solidFill>
+              <a:latin typeface="Times New Roman" panose="02020603050405020304" pitchFamily="18" charset="0"/>
+              <a:cs typeface="Times New Roman" panose="02020603050405020304" pitchFamily="18" charset="0"/>
+            </a:endParaRPr>
+          </a:p>
+          <a:p>
+            <a:pPr marL="0" indent="0" algn="just">
+              <a:buNone/>
+            </a:pPr>
             <a:r>
               <a:rPr lang="pt-BR" sz="2400" dirty="0">
                 <a:solidFill>
@@ -6019,7 +5776,7 @@
 </p:sld>
 </file>
 
-<file path=ppt/slides/slide16.xml><?xml version="1.0" encoding="utf-8"?>
+<file path=ppt/slides/slide15.xml><?xml version="1.0" encoding="utf-8"?>
 <p:sld xmlns:a="http://schemas.openxmlformats.org/drawingml/2006/main" xmlns:r="http://schemas.openxmlformats.org/officeDocument/2006/relationships" xmlns:p="http://schemas.openxmlformats.org/presentationml/2006/main">
   <p:cSld>
     <p:spTree>
@@ -6248,7 +6005,7 @@
 </p:sld>
 </file>
 
-<file path=ppt/slides/slide17.xml><?xml version="1.0" encoding="utf-8"?>
+<file path=ppt/slides/slide16.xml><?xml version="1.0" encoding="utf-8"?>
 <p:sld xmlns:a="http://schemas.openxmlformats.org/drawingml/2006/main" xmlns:r="http://schemas.openxmlformats.org/officeDocument/2006/relationships" xmlns:p="http://schemas.openxmlformats.org/presentationml/2006/main">
   <p:cSld>
     <p:spTree>
@@ -8023,6 +7780,20 @@
                 <a:latin typeface="Times New Roman" panose="02020603050405020304" pitchFamily="18" charset="0"/>
                 <a:cs typeface="Times New Roman" panose="02020603050405020304" pitchFamily="18" charset="0"/>
               </a:rPr>
+              <a:t>/</a:t>
+            </a:r>
+            <a:r>
+              <a:rPr lang="pt-BR" sz="2400" dirty="0" err="1">
+                <a:latin typeface="Times New Roman" panose="02020603050405020304" pitchFamily="18" charset="0"/>
+                <a:cs typeface="Times New Roman" panose="02020603050405020304" pitchFamily="18" charset="0"/>
+              </a:rPr>
+              <a:t>Profinet</a:t>
+            </a:r>
+            <a:r>
+              <a:rPr lang="pt-BR" sz="2400" dirty="0">
+                <a:latin typeface="Times New Roman" panose="02020603050405020304" pitchFamily="18" charset="0"/>
+                <a:cs typeface="Times New Roman" panose="02020603050405020304" pitchFamily="18" charset="0"/>
+              </a:rPr>
               <a:t>;</a:t>
             </a:r>
           </a:p>
@@ -8354,216 +8125,6 @@
         <p:cNvPr id="1" name="">
           <a:extLst>
             <a:ext uri="{FF2B5EF4-FFF2-40B4-BE49-F238E27FC236}">
-              <a16:creationId xmlns:a16="http://schemas.microsoft.com/office/drawing/2014/main" id="{6AB53AE8-26D3-4D41-9836-4D0B5DA1BDEB}"/>
-            </a:ext>
-          </a:extLst>
-        </p:cNvPr>
-        <p:cNvGrpSpPr/>
-        <p:nvPr/>
-      </p:nvGrpSpPr>
-      <p:grpSpPr>
-        <a:xfrm>
-          <a:off x="0" y="0"/>
-          <a:ext cx="0" cy="0"/>
-          <a:chOff x="0" y="0"/>
-          <a:chExt cx="0" cy="0"/>
-        </a:xfrm>
-      </p:grpSpPr>
-      <p:sp>
-        <p:nvSpPr>
-          <p:cNvPr id="6" name="Title 1">
-            <a:extLst>
-              <a:ext uri="{FF2B5EF4-FFF2-40B4-BE49-F238E27FC236}">
-                <a16:creationId xmlns:a16="http://schemas.microsoft.com/office/drawing/2014/main" id="{67F767D1-D05B-3BC9-09F5-42D9A5C6D687}"/>
-              </a:ext>
-            </a:extLst>
-          </p:cNvPr>
-          <p:cNvSpPr>
-            <a:spLocks noGrp="1"/>
-          </p:cNvSpPr>
-          <p:nvPr>
-            <p:ph type="title"/>
-          </p:nvPr>
-        </p:nvSpPr>
-        <p:spPr>
-          <a:xfrm>
-            <a:off x="457200" y="205980"/>
-            <a:ext cx="8229600" cy="857251"/>
-          </a:xfrm>
-        </p:spPr>
-        <p:txBody>
-          <a:bodyPr>
-            <a:normAutofit/>
-          </a:bodyPr>
-          <a:lstStyle/>
-          <a:p>
-            <a:r>
-              <a:rPr lang="en-US" b="1" dirty="0">
-                <a:solidFill>
-                  <a:srgbClr val="0070C0"/>
-                </a:solidFill>
-              </a:rPr>
-              <a:t>CLP – </a:t>
-            </a:r>
-            <a:r>
-              <a:rPr lang="en-US" b="1" dirty="0" err="1">
-                <a:solidFill>
-                  <a:srgbClr val="0070C0"/>
-                </a:solidFill>
-              </a:rPr>
-              <a:t>Integração</a:t>
-            </a:r>
-            <a:r>
-              <a:rPr lang="en-US" b="1" dirty="0">
-                <a:solidFill>
-                  <a:srgbClr val="0070C0"/>
-                </a:solidFill>
-              </a:rPr>
-              <a:t> CLP + SCADA</a:t>
-            </a:r>
-          </a:p>
-        </p:txBody>
-      </p:sp>
-      <p:sp>
-        <p:nvSpPr>
-          <p:cNvPr id="8" name="Text Placeholder 2">
-            <a:extLst>
-              <a:ext uri="{FF2B5EF4-FFF2-40B4-BE49-F238E27FC236}">
-                <a16:creationId xmlns:a16="http://schemas.microsoft.com/office/drawing/2014/main" id="{D8BAC4D7-9E5C-1644-72FF-99678B20620F}"/>
-              </a:ext>
-            </a:extLst>
-          </p:cNvPr>
-          <p:cNvSpPr>
-            <a:spLocks noGrp="1"/>
-          </p:cNvSpPr>
-          <p:nvPr>
-            <p:ph type="body" sz="half" idx="1"/>
-          </p:nvPr>
-        </p:nvSpPr>
-        <p:spPr>
-          <a:xfrm>
-            <a:off x="142865" y="1035050"/>
-            <a:ext cx="8865056" cy="3994150"/>
-          </a:xfrm>
-        </p:spPr>
-        <p:txBody>
-          <a:bodyPr>
-            <a:noAutofit/>
-          </a:bodyPr>
-          <a:lstStyle/>
-          <a:p>
-            <a:pPr algn="just"/>
-            <a:r>
-              <a:rPr lang="pt-BR" sz="2400" dirty="0">
-                <a:latin typeface="Times New Roman" panose="02020603050405020304" pitchFamily="18" charset="0"/>
-                <a:cs typeface="Times New Roman" panose="02020603050405020304" pitchFamily="18" charset="0"/>
-              </a:rPr>
-              <a:t>Elipse E3;</a:t>
-            </a:r>
-          </a:p>
-          <a:p>
-            <a:pPr algn="just"/>
-            <a:endParaRPr lang="pt-BR" sz="2400" dirty="0">
-              <a:latin typeface="Times New Roman" panose="02020603050405020304" pitchFamily="18" charset="0"/>
-              <a:cs typeface="Times New Roman" panose="02020603050405020304" pitchFamily="18" charset="0"/>
-            </a:endParaRPr>
-          </a:p>
-          <a:p>
-            <a:pPr algn="just"/>
-            <a:r>
-              <a:rPr lang="pt-BR" sz="2400" dirty="0" err="1">
-                <a:latin typeface="Times New Roman" panose="02020603050405020304" pitchFamily="18" charset="0"/>
-                <a:cs typeface="Times New Roman" panose="02020603050405020304" pitchFamily="18" charset="0"/>
-              </a:rPr>
-              <a:t>InduSoft</a:t>
-            </a:r>
-            <a:r>
-              <a:rPr lang="pt-BR" sz="2400" dirty="0">
-                <a:latin typeface="Times New Roman" panose="02020603050405020304" pitchFamily="18" charset="0"/>
-                <a:cs typeface="Times New Roman" panose="02020603050405020304" pitchFamily="18" charset="0"/>
-              </a:rPr>
-              <a:t> Web Studio;</a:t>
-            </a:r>
-          </a:p>
-          <a:p>
-            <a:pPr algn="just"/>
-            <a:endParaRPr lang="pt-BR" sz="2400" dirty="0">
-              <a:latin typeface="Times New Roman" panose="02020603050405020304" pitchFamily="18" charset="0"/>
-              <a:cs typeface="Times New Roman" panose="02020603050405020304" pitchFamily="18" charset="0"/>
-            </a:endParaRPr>
-          </a:p>
-          <a:p>
-            <a:pPr algn="just"/>
-            <a:r>
-              <a:rPr lang="pt-BR" sz="2400" dirty="0">
-                <a:latin typeface="Times New Roman" panose="02020603050405020304" pitchFamily="18" charset="0"/>
-                <a:cs typeface="Times New Roman" panose="02020603050405020304" pitchFamily="18" charset="0"/>
-              </a:rPr>
-              <a:t>Siemens </a:t>
-            </a:r>
-            <a:r>
-              <a:rPr lang="pt-BR" sz="2400" dirty="0" err="1">
-                <a:latin typeface="Times New Roman" panose="02020603050405020304" pitchFamily="18" charset="0"/>
-                <a:cs typeface="Times New Roman" panose="02020603050405020304" pitchFamily="18" charset="0"/>
-              </a:rPr>
-              <a:t>WinCC</a:t>
-            </a:r>
-            <a:r>
-              <a:rPr lang="pt-BR" sz="2400" dirty="0">
-                <a:latin typeface="Times New Roman" panose="02020603050405020304" pitchFamily="18" charset="0"/>
-                <a:cs typeface="Times New Roman" panose="02020603050405020304" pitchFamily="18" charset="0"/>
-              </a:rPr>
-              <a:t>;</a:t>
-            </a:r>
-          </a:p>
-          <a:p>
-            <a:pPr algn="just"/>
-            <a:endParaRPr lang="pt-BR" sz="2400" dirty="0">
-              <a:latin typeface="Times New Roman" panose="02020603050405020304" pitchFamily="18" charset="0"/>
-              <a:cs typeface="Times New Roman" panose="02020603050405020304" pitchFamily="18" charset="0"/>
-            </a:endParaRPr>
-          </a:p>
-          <a:p>
-            <a:pPr algn="just"/>
-            <a:r>
-              <a:rPr lang="pt-BR" sz="2400" dirty="0" err="1">
-                <a:latin typeface="Times New Roman" panose="02020603050405020304" pitchFamily="18" charset="0"/>
-                <a:cs typeface="Times New Roman" panose="02020603050405020304" pitchFamily="18" charset="0"/>
-              </a:rPr>
-              <a:t>Ignition</a:t>
-            </a:r>
-            <a:r>
-              <a:rPr lang="pt-BR" sz="2400" dirty="0">
-                <a:latin typeface="Times New Roman" panose="02020603050405020304" pitchFamily="18" charset="0"/>
-                <a:cs typeface="Times New Roman" panose="02020603050405020304" pitchFamily="18" charset="0"/>
-              </a:rPr>
-              <a:t> SCADA.</a:t>
-            </a:r>
-          </a:p>
-        </p:txBody>
-      </p:sp>
-    </p:spTree>
-    <p:extLst>
-      <p:ext uri="{BB962C8B-B14F-4D97-AF65-F5344CB8AC3E}">
-        <p14:creationId xmlns:p14="http://schemas.microsoft.com/office/powerpoint/2010/main" val="3080876776"/>
-      </p:ext>
-    </p:extLst>
-  </p:cSld>
-  <p:clrMapOvr>
-    <a:masterClrMapping/>
-  </p:clrMapOvr>
-  <p:transition spd="med"/>
-</p:sld>
-</file>
-
-<file path=ppt/slides/slide9.xml><?xml version="1.0" encoding="utf-8"?>
-<p:sld xmlns:a="http://schemas.openxmlformats.org/drawingml/2006/main" xmlns:r="http://schemas.openxmlformats.org/officeDocument/2006/relationships" xmlns:p="http://schemas.openxmlformats.org/presentationml/2006/main">
-  <p:cSld>
-    <p:spTree>
-      <p:nvGrpSpPr>
-        <p:cNvPr id="1" name="">
-          <a:extLst>
-            <a:ext uri="{FF2B5EF4-FFF2-40B4-BE49-F238E27FC236}">
               <a16:creationId xmlns:a16="http://schemas.microsoft.com/office/drawing/2014/main" id="{69DC2CCA-5B1D-21E0-745D-70AAF1E6C27A}"/>
             </a:ext>
           </a:extLst>
@@ -8775,6 +8336,247 @@
     <p:extLst>
       <p:ext uri="{BB962C8B-B14F-4D97-AF65-F5344CB8AC3E}">
         <p14:creationId xmlns:p14="http://schemas.microsoft.com/office/powerpoint/2010/main" val="1478561031"/>
+      </p:ext>
+    </p:extLst>
+  </p:cSld>
+  <p:clrMapOvr>
+    <a:masterClrMapping/>
+  </p:clrMapOvr>
+  <p:transition spd="med"/>
+</p:sld>
+</file>
+
+<file path=ppt/slides/slide9.xml><?xml version="1.0" encoding="utf-8"?>
+<p:sld xmlns:a="http://schemas.openxmlformats.org/drawingml/2006/main" xmlns:r="http://schemas.openxmlformats.org/officeDocument/2006/relationships" xmlns:p="http://schemas.openxmlformats.org/presentationml/2006/main">
+  <p:cSld>
+    <p:spTree>
+      <p:nvGrpSpPr>
+        <p:cNvPr id="1" name="">
+          <a:extLst>
+            <a:ext uri="{FF2B5EF4-FFF2-40B4-BE49-F238E27FC236}">
+              <a16:creationId xmlns:a16="http://schemas.microsoft.com/office/drawing/2014/main" id="{77C0A85F-5105-E4D4-05FD-8E50F296A104}"/>
+            </a:ext>
+          </a:extLst>
+        </p:cNvPr>
+        <p:cNvGrpSpPr/>
+        <p:nvPr/>
+      </p:nvGrpSpPr>
+      <p:grpSpPr>
+        <a:xfrm>
+          <a:off x="0" y="0"/>
+          <a:ext cx="0" cy="0"/>
+          <a:chOff x="0" y="0"/>
+          <a:chExt cx="0" cy="0"/>
+        </a:xfrm>
+      </p:grpSpPr>
+      <p:sp>
+        <p:nvSpPr>
+          <p:cNvPr id="6" name="Title 1">
+            <a:extLst>
+              <a:ext uri="{FF2B5EF4-FFF2-40B4-BE49-F238E27FC236}">
+                <a16:creationId xmlns:a16="http://schemas.microsoft.com/office/drawing/2014/main" id="{110FA62F-6156-EDB2-EA80-AB262D49D65D}"/>
+              </a:ext>
+            </a:extLst>
+          </p:cNvPr>
+          <p:cNvSpPr>
+            <a:spLocks noGrp="1"/>
+          </p:cNvSpPr>
+          <p:nvPr>
+            <p:ph type="title"/>
+          </p:nvPr>
+        </p:nvSpPr>
+        <p:spPr>
+          <a:xfrm>
+            <a:off x="457200" y="205980"/>
+            <a:ext cx="8229600" cy="857251"/>
+          </a:xfrm>
+        </p:spPr>
+        <p:txBody>
+          <a:bodyPr>
+            <a:normAutofit/>
+          </a:bodyPr>
+          <a:lstStyle/>
+          <a:p>
+            <a:r>
+              <a:rPr lang="en-US" b="1" dirty="0">
+                <a:solidFill>
+                  <a:srgbClr val="0070C0"/>
+                </a:solidFill>
+              </a:rPr>
+              <a:t>CLP – </a:t>
+            </a:r>
+            <a:r>
+              <a:rPr lang="en-US" b="1" dirty="0" err="1">
+                <a:solidFill>
+                  <a:srgbClr val="0070C0"/>
+                </a:solidFill>
+              </a:rPr>
+              <a:t>Benefícios</a:t>
+            </a:r>
+            <a:r>
+              <a:rPr lang="en-US" b="1" dirty="0">
+                <a:solidFill>
+                  <a:srgbClr val="0070C0"/>
+                </a:solidFill>
+              </a:rPr>
+              <a:t> Indústria</a:t>
+            </a:r>
+          </a:p>
+        </p:txBody>
+      </p:sp>
+      <p:sp>
+        <p:nvSpPr>
+          <p:cNvPr id="8" name="Text Placeholder 2">
+            <a:extLst>
+              <a:ext uri="{FF2B5EF4-FFF2-40B4-BE49-F238E27FC236}">
+                <a16:creationId xmlns:a16="http://schemas.microsoft.com/office/drawing/2014/main" id="{3360E74A-B32F-449F-B4AC-57893B2EFE74}"/>
+              </a:ext>
+            </a:extLst>
+          </p:cNvPr>
+          <p:cNvSpPr>
+            <a:spLocks noGrp="1"/>
+          </p:cNvSpPr>
+          <p:nvPr>
+            <p:ph type="body" sz="half" idx="1"/>
+          </p:nvPr>
+        </p:nvSpPr>
+        <p:spPr>
+          <a:xfrm>
+            <a:off x="142865" y="1035050"/>
+            <a:ext cx="8865056" cy="3994150"/>
+          </a:xfrm>
+        </p:spPr>
+        <p:txBody>
+          <a:bodyPr>
+            <a:noAutofit/>
+          </a:bodyPr>
+          <a:lstStyle/>
+          <a:p>
+            <a:pPr algn="just"/>
+            <a:r>
+              <a:rPr lang="pt-BR" sz="2400" b="1" dirty="0">
+                <a:latin typeface="Times New Roman" panose="02020603050405020304" pitchFamily="18" charset="0"/>
+                <a:cs typeface="Times New Roman" panose="02020603050405020304" pitchFamily="18" charset="0"/>
+              </a:rPr>
+              <a:t>Redução</a:t>
+            </a:r>
+            <a:r>
+              <a:rPr lang="pt-BR" sz="2400" dirty="0">
+                <a:latin typeface="Times New Roman" panose="02020603050405020304" pitchFamily="18" charset="0"/>
+                <a:cs typeface="Times New Roman" panose="02020603050405020304" pitchFamily="18" charset="0"/>
+              </a:rPr>
+              <a:t> de </a:t>
+            </a:r>
+            <a:r>
+              <a:rPr lang="pt-BR" sz="2400" b="1" dirty="0">
+                <a:solidFill>
+                  <a:srgbClr val="FF0000"/>
+                </a:solidFill>
+                <a:latin typeface="Times New Roman" panose="02020603050405020304" pitchFamily="18" charset="0"/>
+                <a:cs typeface="Times New Roman" panose="02020603050405020304" pitchFamily="18" charset="0"/>
+              </a:rPr>
+              <a:t>erros e custos</a:t>
+            </a:r>
+            <a:r>
+              <a:rPr lang="pt-BR" sz="2400" dirty="0">
+                <a:latin typeface="Times New Roman" panose="02020603050405020304" pitchFamily="18" charset="0"/>
+                <a:cs typeface="Times New Roman" panose="02020603050405020304" pitchFamily="18" charset="0"/>
+              </a:rPr>
+              <a:t>;</a:t>
+            </a:r>
+          </a:p>
+          <a:p>
+            <a:pPr algn="just"/>
+            <a:endParaRPr lang="pt-BR" sz="2400" dirty="0">
+              <a:latin typeface="Times New Roman" panose="02020603050405020304" pitchFamily="18" charset="0"/>
+              <a:cs typeface="Times New Roman" panose="02020603050405020304" pitchFamily="18" charset="0"/>
+            </a:endParaRPr>
+          </a:p>
+          <a:p>
+            <a:pPr algn="just"/>
+            <a:r>
+              <a:rPr lang="pt-BR" sz="2400" dirty="0">
+                <a:latin typeface="Times New Roman" panose="02020603050405020304" pitchFamily="18" charset="0"/>
+                <a:cs typeface="Times New Roman" panose="02020603050405020304" pitchFamily="18" charset="0"/>
+              </a:rPr>
+              <a:t>Maior </a:t>
+            </a:r>
+            <a:r>
+              <a:rPr lang="pt-BR" sz="2400" b="1" dirty="0">
+                <a:latin typeface="Times New Roman" panose="02020603050405020304" pitchFamily="18" charset="0"/>
+                <a:cs typeface="Times New Roman" panose="02020603050405020304" pitchFamily="18" charset="0"/>
+              </a:rPr>
+              <a:t>segurança e eficiência</a:t>
+            </a:r>
+            <a:r>
+              <a:rPr lang="pt-BR" sz="2400" dirty="0">
+                <a:latin typeface="Times New Roman" panose="02020603050405020304" pitchFamily="18" charset="0"/>
+                <a:cs typeface="Times New Roman" panose="02020603050405020304" pitchFamily="18" charset="0"/>
+              </a:rPr>
+              <a:t>;</a:t>
+            </a:r>
+          </a:p>
+          <a:p>
+            <a:pPr algn="just"/>
+            <a:endParaRPr lang="pt-BR" sz="2400" dirty="0">
+              <a:latin typeface="Times New Roman" panose="02020603050405020304" pitchFamily="18" charset="0"/>
+              <a:cs typeface="Times New Roman" panose="02020603050405020304" pitchFamily="18" charset="0"/>
+            </a:endParaRPr>
+          </a:p>
+          <a:p>
+            <a:pPr algn="just"/>
+            <a:r>
+              <a:rPr lang="pt-BR" sz="2400" b="1" dirty="0">
+                <a:latin typeface="Times New Roman" panose="02020603050405020304" pitchFamily="18" charset="0"/>
+                <a:cs typeface="Times New Roman" panose="02020603050405020304" pitchFamily="18" charset="0"/>
+              </a:rPr>
+              <a:t>Monitoramento</a:t>
+            </a:r>
+            <a:r>
+              <a:rPr lang="pt-BR" sz="2400" dirty="0">
+                <a:latin typeface="Times New Roman" panose="02020603050405020304" pitchFamily="18" charset="0"/>
+                <a:cs typeface="Times New Roman" panose="02020603050405020304" pitchFamily="18" charset="0"/>
+              </a:rPr>
+              <a:t> em tempo real;</a:t>
+            </a:r>
+          </a:p>
+          <a:p>
+            <a:pPr algn="just"/>
+            <a:endParaRPr lang="pt-BR" sz="2400" dirty="0">
+              <a:latin typeface="Times New Roman" panose="02020603050405020304" pitchFamily="18" charset="0"/>
+              <a:cs typeface="Times New Roman" panose="02020603050405020304" pitchFamily="18" charset="0"/>
+            </a:endParaRPr>
+          </a:p>
+          <a:p>
+            <a:pPr algn="just"/>
+            <a:r>
+              <a:rPr lang="pt-BR" sz="2400" dirty="0">
+                <a:latin typeface="Times New Roman" panose="02020603050405020304" pitchFamily="18" charset="0"/>
+                <a:cs typeface="Times New Roman" panose="02020603050405020304" pitchFamily="18" charset="0"/>
+              </a:rPr>
+              <a:t>Facilidade de </a:t>
+            </a:r>
+            <a:r>
+              <a:rPr lang="pt-BR" sz="2400" b="1" dirty="0">
+                <a:latin typeface="Times New Roman" panose="02020603050405020304" pitchFamily="18" charset="0"/>
+                <a:cs typeface="Times New Roman" panose="02020603050405020304" pitchFamily="18" charset="0"/>
+              </a:rPr>
+              <a:t>manutenção e diagnóstico</a:t>
+            </a:r>
+            <a:r>
+              <a:rPr lang="pt-BR" sz="2400" dirty="0">
+                <a:latin typeface="Times New Roman" panose="02020603050405020304" pitchFamily="18" charset="0"/>
+                <a:cs typeface="Times New Roman" panose="02020603050405020304" pitchFamily="18" charset="0"/>
+              </a:rPr>
+              <a:t>.</a:t>
+            </a:r>
+          </a:p>
+        </p:txBody>
+      </p:sp>
+    </p:spTree>
+    <p:extLst>
+      <p:ext uri="{BB962C8B-B14F-4D97-AF65-F5344CB8AC3E}">
+        <p14:creationId xmlns:p14="http://schemas.microsoft.com/office/powerpoint/2010/main" val="230798156"/>
       </p:ext>
     </p:extLst>
   </p:cSld>
